--- a/summary/thesis/thesis.pptx
+++ b/summary/thesis/thesis.pptx
@@ -289,7 +289,7 @@
           <a:p>
             <a:fld id="{80680FBE-A8DF-4758-9AC4-3A9E1039168F}" type="datetimeFigureOut">
               <a:rPr lang="en-US" smtClean="0"/>
-              <a:t>6/28/2018</a:t>
+              <a:t>6/29/2018</a:t>
             </a:fld>
             <a:endParaRPr lang="en-US"/>
           </a:p>
@@ -454,7 +454,7 @@
           <a:p>
             <a:fld id="{EC13577B-6902-467D-A26C-08A0DD5E4E03}" type="datetimeFigureOut">
               <a:rPr lang="en-US" smtClean="0"/>
-              <a:t>6/28/2018</a:t>
+              <a:t>6/29/2018</a:t>
             </a:fld>
             <a:endParaRPr lang="en-US"/>
           </a:p>
@@ -1846,7 +1846,7 @@
             <a:fld id="{8BEEBAAA-29B5-4AF5-BC5F-7E580C29002D}" type="datetimeFigureOut">
               <a:rPr lang="en-US" smtClean="0"/>
               <a:pPr/>
-              <a:t>6/28/2018</a:t>
+              <a:t>6/29/2018</a:t>
             </a:fld>
             <a:endParaRPr lang="en-US" dirty="0"/>
           </a:p>
@@ -2507,7 +2507,7 @@
             <a:fld id="{8BEEBAAA-29B5-4AF5-BC5F-7E580C29002D}" type="datetimeFigureOut">
               <a:rPr lang="en-US" smtClean="0"/>
               <a:pPr/>
-              <a:t>6/28/2018</a:t>
+              <a:t>6/29/2018</a:t>
             </a:fld>
             <a:endParaRPr lang="en-US" dirty="0"/>
           </a:p>
@@ -4034,17 +4034,7 @@
                 <a:latin typeface="Segoe UI" panose="020B0502040204020203" pitchFamily="34" charset="0"/>
                 <a:cs typeface="Segoe UI" panose="020B0502040204020203" pitchFamily="34" charset="0"/>
               </a:rPr>
-              <a:t>Pre-</a:t>
-            </a:r>
-            <a:r>
-              <a:rPr lang="vi-VN" sz="1600" b="1" dirty="0" smtClean="0">
-                <a:solidFill>
-                  <a:srgbClr val="D24726"/>
-                </a:solidFill>
-                <a:latin typeface="Segoe UI" panose="020B0502040204020203" pitchFamily="34" charset="0"/>
-                <a:cs typeface="Segoe UI" panose="020B0502040204020203" pitchFamily="34" charset="0"/>
-              </a:rPr>
-              <a:t>fusion</a:t>
+              <a:t>Pre-fusion</a:t>
             </a:r>
             <a:endParaRPr lang="en-US" sz="1600" dirty="0">
               <a:latin typeface="Segoe UI" panose="020B0502040204020203" pitchFamily="34" charset="0"/>
@@ -4053,8 +4043,8 @@
           </a:p>
         </p:txBody>
       </p:sp>
-      <mc:AlternateContent xmlns:mc="http://schemas.openxmlformats.org/markup-compatibility/2006">
-        <mc:Choice xmlns:a14="http://schemas.microsoft.com/office/drawing/2010/main" Requires="a14">
+      <mc:AlternateContent xmlns:mc="http://schemas.openxmlformats.org/markup-compatibility/2006" xmlns:a14="http://schemas.microsoft.com/office/drawing/2010/main">
+        <mc:Choice Requires="a14">
           <p:sp>
             <p:nvSpPr>
               <p:cNvPr id="5" name="Content Placeholder 17">
@@ -4323,10 +4313,6 @@
                   </a:rPr>
                   <a:t>How to combine them?</a:t>
                 </a:r>
-                <a:endParaRPr lang="vi-VN" sz="1400" b="1" dirty="0" smtClean="0">
-                  <a:latin typeface="Segoe UI" panose="020B0502040204020203" pitchFamily="34" charset="0"/>
-                  <a:cs typeface="Segoe UI" panose="020B0502040204020203" pitchFamily="34" charset="0"/>
-                </a:endParaRPr>
               </a:p>
               <a:p>
                 <a:pPr marL="0" lvl="0" indent="0" algn="just">
@@ -4345,228 +4331,306 @@
                       <m:sSub>
                         <m:sSubPr>
                           <m:ctrlPr>
-                            <a:rPr lang="en-US" sz="1400" i="1"/>
+                            <a:rPr lang="en-US" sz="1400" i="1">
+                              <a:latin typeface="Cambria Math" panose="02040503050406030204" pitchFamily="18" charset="0"/>
+                            </a:rPr>
                           </m:ctrlPr>
                         </m:sSubPr>
                         <m:e>
                           <m:r>
-                            <a:rPr lang="en-US" sz="1400" i="1"/>
+                            <a:rPr lang="en-US" sz="1400" i="1">
+                              <a:latin typeface="Cambria Math" panose="02040503050406030204" pitchFamily="18" charset="0"/>
+                            </a:rPr>
                             <m:t>𝐹</m:t>
                           </m:r>
                         </m:e>
                         <m:sub>
                           <m:r>
-                            <a:rPr lang="en-US" sz="1400" i="1"/>
+                            <a:rPr lang="en-US" sz="1400" i="1">
+                              <a:latin typeface="Cambria Math" panose="02040503050406030204" pitchFamily="18" charset="0"/>
+                            </a:rPr>
                             <m:t>𝑐𝑜𝑚𝑏𝑖𝑛𝑒𝑑</m:t>
                           </m:r>
                         </m:sub>
                       </m:sSub>
                       <m:r>
-                        <a:rPr lang="vi-VN" sz="1400" i="1"/>
+                        <a:rPr lang="vi-VN" sz="1400" i="1">
+                          <a:latin typeface="Cambria Math" panose="02040503050406030204" pitchFamily="18" charset="0"/>
+                        </a:rPr>
                         <m:t>=</m:t>
                       </m:r>
                       <m:d>
                         <m:dPr>
                           <m:ctrlPr>
-                            <a:rPr lang="en-US" sz="1400" i="1"/>
+                            <a:rPr lang="en-US" sz="1400" i="1">
+                              <a:latin typeface="Cambria Math" panose="02040503050406030204" pitchFamily="18" charset="0"/>
+                            </a:rPr>
                           </m:ctrlPr>
                         </m:dPr>
                         <m:e>
                           <m:sSubSup>
                             <m:sSubSupPr>
                               <m:ctrlPr>
-                                <a:rPr lang="en-US" sz="1400" i="1"/>
+                                <a:rPr lang="en-US" sz="1400" i="1">
+                                  <a:latin typeface="Cambria Math" panose="02040503050406030204" pitchFamily="18" charset="0"/>
+                                </a:rPr>
                               </m:ctrlPr>
                             </m:sSubSupPr>
                             <m:e>
                               <m:r>
-                                <a:rPr lang="vi-VN" sz="1400" i="1"/>
+                                <a:rPr lang="vi-VN" sz="1400" i="1">
+                                  <a:latin typeface="Cambria Math" panose="02040503050406030204" pitchFamily="18" charset="0"/>
+                                </a:rPr>
                                 <m:t>𝑓</m:t>
                               </m:r>
                             </m:e>
                             <m:sub>
                               <m:r>
-                                <a:rPr lang="vi-VN" sz="1400" i="1"/>
+                                <a:rPr lang="vi-VN" sz="1400" i="1">
+                                  <a:latin typeface="Cambria Math" panose="02040503050406030204" pitchFamily="18" charset="0"/>
+                                </a:rPr>
                                 <m:t>1</m:t>
                               </m:r>
                             </m:sub>
                             <m:sup>
                               <m:r>
-                                <a:rPr lang="vi-VN" sz="1400" i="1"/>
+                                <a:rPr lang="vi-VN" sz="1400" i="1">
+                                  <a:latin typeface="Cambria Math" panose="02040503050406030204" pitchFamily="18" charset="0"/>
+                                </a:rPr>
                                 <m:t>1</m:t>
                               </m:r>
                             </m:sup>
                           </m:sSubSup>
                           <m:r>
-                            <a:rPr lang="vi-VN" sz="1400" i="1"/>
+                            <a:rPr lang="vi-VN" sz="1400" i="1">
+                              <a:latin typeface="Cambria Math" panose="02040503050406030204" pitchFamily="18" charset="0"/>
+                            </a:rPr>
                             <m:t>, </m:t>
                           </m:r>
                           <m:sSubSup>
                             <m:sSubSupPr>
                               <m:ctrlPr>
-                                <a:rPr lang="en-US" sz="1400" i="1"/>
+                                <a:rPr lang="en-US" sz="1400" i="1">
+                                  <a:latin typeface="Cambria Math" panose="02040503050406030204" pitchFamily="18" charset="0"/>
+                                </a:rPr>
                               </m:ctrlPr>
                             </m:sSubSupPr>
                             <m:e>
                               <m:r>
-                                <a:rPr lang="vi-VN" sz="1400" i="1"/>
+                                <a:rPr lang="vi-VN" sz="1400" i="1">
+                                  <a:latin typeface="Cambria Math" panose="02040503050406030204" pitchFamily="18" charset="0"/>
+                                </a:rPr>
                                 <m:t>𝑓</m:t>
                               </m:r>
                             </m:e>
                             <m:sub>
                               <m:r>
-                                <a:rPr lang="vi-VN" sz="1400" i="1"/>
+                                <a:rPr lang="vi-VN" sz="1400" i="1">
+                                  <a:latin typeface="Cambria Math" panose="02040503050406030204" pitchFamily="18" charset="0"/>
+                                </a:rPr>
                                 <m:t>2</m:t>
                               </m:r>
                             </m:sub>
                             <m:sup>
                               <m:r>
-                                <a:rPr lang="vi-VN" sz="1400" i="1"/>
+                                <a:rPr lang="vi-VN" sz="1400" i="1">
+                                  <a:latin typeface="Cambria Math" panose="02040503050406030204" pitchFamily="18" charset="0"/>
+                                </a:rPr>
                                 <m:t>1</m:t>
                               </m:r>
                             </m:sup>
                           </m:sSubSup>
                           <m:r>
-                            <a:rPr lang="vi-VN" sz="1400" i="1"/>
+                            <a:rPr lang="vi-VN" sz="1400" i="1">
+                              <a:latin typeface="Cambria Math" panose="02040503050406030204" pitchFamily="18" charset="0"/>
+                            </a:rPr>
                             <m:t>, …,</m:t>
                           </m:r>
                           <m:sSubSup>
                             <m:sSubSupPr>
                               <m:ctrlPr>
-                                <a:rPr lang="en-US" sz="1400" i="1"/>
+                                <a:rPr lang="en-US" sz="1400" i="1">
+                                  <a:latin typeface="Cambria Math" panose="02040503050406030204" pitchFamily="18" charset="0"/>
+                                </a:rPr>
                               </m:ctrlPr>
                             </m:sSubSupPr>
                             <m:e>
                               <m:r>
-                                <a:rPr lang="vi-VN" sz="1400" i="1"/>
+                                <a:rPr lang="vi-VN" sz="1400" i="1">
+                                  <a:latin typeface="Cambria Math" panose="02040503050406030204" pitchFamily="18" charset="0"/>
+                                </a:rPr>
                                 <m:t>𝑓</m:t>
                               </m:r>
                             </m:e>
                             <m:sub>
                               <m:r>
-                                <a:rPr lang="vi-VN" sz="1400" i="1"/>
+                                <a:rPr lang="vi-VN" sz="1400" i="1">
+                                  <a:latin typeface="Cambria Math" panose="02040503050406030204" pitchFamily="18" charset="0"/>
+                                </a:rPr>
                                 <m:t>𝑛</m:t>
                               </m:r>
                             </m:sub>
                             <m:sup>
                               <m:r>
-                                <a:rPr lang="vi-VN" sz="1400" i="1"/>
+                                <a:rPr lang="vi-VN" sz="1400" i="1">
+                                  <a:latin typeface="Cambria Math" panose="02040503050406030204" pitchFamily="18" charset="0"/>
+                                </a:rPr>
                                 <m:t>1</m:t>
                               </m:r>
                             </m:sup>
                           </m:sSubSup>
                           <m:r>
-                            <a:rPr lang="vi-VN" sz="1400" i="1"/>
+                            <a:rPr lang="vi-VN" sz="1400" i="1">
+                              <a:latin typeface="Cambria Math" panose="02040503050406030204" pitchFamily="18" charset="0"/>
+                            </a:rPr>
                             <m:t>, </m:t>
                           </m:r>
                           <m:sSubSup>
                             <m:sSubSupPr>
                               <m:ctrlPr>
-                                <a:rPr lang="en-US" sz="1400" i="1"/>
+                                <a:rPr lang="en-US" sz="1400" i="1">
+                                  <a:latin typeface="Cambria Math" panose="02040503050406030204" pitchFamily="18" charset="0"/>
+                                </a:rPr>
                               </m:ctrlPr>
                             </m:sSubSupPr>
                             <m:e>
                               <m:r>
-                                <a:rPr lang="vi-VN" sz="1400" i="1"/>
+                                <a:rPr lang="vi-VN" sz="1400" i="1">
+                                  <a:latin typeface="Cambria Math" panose="02040503050406030204" pitchFamily="18" charset="0"/>
+                                </a:rPr>
                                 <m:t>𝑓</m:t>
                               </m:r>
                             </m:e>
                             <m:sub>
                               <m:r>
-                                <a:rPr lang="vi-VN" sz="1400" i="1"/>
+                                <a:rPr lang="vi-VN" sz="1400" i="1">
+                                  <a:latin typeface="Cambria Math" panose="02040503050406030204" pitchFamily="18" charset="0"/>
+                                </a:rPr>
                                 <m:t>1</m:t>
                               </m:r>
                             </m:sub>
                             <m:sup>
                               <m:r>
-                                <a:rPr lang="vi-VN" sz="1400" i="1"/>
+                                <a:rPr lang="vi-VN" sz="1400" i="1">
+                                  <a:latin typeface="Cambria Math" panose="02040503050406030204" pitchFamily="18" charset="0"/>
+                                </a:rPr>
                                 <m:t>2</m:t>
                               </m:r>
                             </m:sup>
                           </m:sSubSup>
                           <m:r>
-                            <a:rPr lang="vi-VN" sz="1400" i="1"/>
+                            <a:rPr lang="vi-VN" sz="1400" i="1">
+                              <a:latin typeface="Cambria Math" panose="02040503050406030204" pitchFamily="18" charset="0"/>
+                            </a:rPr>
                             <m:t>,…</m:t>
                           </m:r>
                           <m:sSubSup>
                             <m:sSubSupPr>
                               <m:ctrlPr>
-                                <a:rPr lang="en-US" sz="1400" i="1"/>
+                                <a:rPr lang="en-US" sz="1400" i="1">
+                                  <a:latin typeface="Cambria Math" panose="02040503050406030204" pitchFamily="18" charset="0"/>
+                                </a:rPr>
                               </m:ctrlPr>
                             </m:sSubSupPr>
                             <m:e>
                               <m:r>
-                                <a:rPr lang="vi-VN" sz="1400" i="1"/>
+                                <a:rPr lang="vi-VN" sz="1400" i="1">
+                                  <a:latin typeface="Cambria Math" panose="02040503050406030204" pitchFamily="18" charset="0"/>
+                                </a:rPr>
                                 <m:t>𝑓</m:t>
                               </m:r>
                             </m:e>
                             <m:sub>
                               <m:r>
-                                <a:rPr lang="vi-VN" sz="1400" i="1"/>
+                                <a:rPr lang="vi-VN" sz="1400" i="1">
+                                  <a:latin typeface="Cambria Math" panose="02040503050406030204" pitchFamily="18" charset="0"/>
+                                </a:rPr>
                                 <m:t>𝑚</m:t>
                               </m:r>
                             </m:sub>
                             <m:sup>
                               <m:r>
-                                <a:rPr lang="vi-VN" sz="1400" i="1"/>
+                                <a:rPr lang="vi-VN" sz="1400" i="1">
+                                  <a:latin typeface="Cambria Math" panose="02040503050406030204" pitchFamily="18" charset="0"/>
+                                </a:rPr>
                                 <m:t>2</m:t>
                               </m:r>
                             </m:sup>
                           </m:sSubSup>
                           <m:r>
-                            <a:rPr lang="vi-VN" sz="1400" i="1"/>
+                            <a:rPr lang="vi-VN" sz="1400" i="1">
+                              <a:latin typeface="Cambria Math" panose="02040503050406030204" pitchFamily="18" charset="0"/>
+                            </a:rPr>
                             <m:t>, </m:t>
                           </m:r>
                           <m:sSubSup>
                             <m:sSubSupPr>
                               <m:ctrlPr>
-                                <a:rPr lang="en-US" sz="1400" i="1"/>
+                                <a:rPr lang="en-US" sz="1400" i="1">
+                                  <a:latin typeface="Cambria Math" panose="02040503050406030204" pitchFamily="18" charset="0"/>
+                                </a:rPr>
                               </m:ctrlPr>
                             </m:sSubSupPr>
                             <m:e>
                               <m:r>
-                                <a:rPr lang="vi-VN" sz="1400" i="1"/>
+                                <a:rPr lang="vi-VN" sz="1400" i="1">
+                                  <a:latin typeface="Cambria Math" panose="02040503050406030204" pitchFamily="18" charset="0"/>
+                                </a:rPr>
                                 <m:t>𝑓</m:t>
                               </m:r>
                             </m:e>
                             <m:sub>
                               <m:r>
-                                <a:rPr lang="vi-VN" sz="1400" i="1"/>
+                                <a:rPr lang="vi-VN" sz="1400" i="1">
+                                  <a:latin typeface="Cambria Math" panose="02040503050406030204" pitchFamily="18" charset="0"/>
+                                </a:rPr>
                                 <m:t>1</m:t>
                               </m:r>
                             </m:sub>
                             <m:sup>
                               <m:r>
-                                <a:rPr lang="vi-VN" sz="1400" i="1"/>
+                                <a:rPr lang="vi-VN" sz="1400" i="1">
+                                  <a:latin typeface="Cambria Math" panose="02040503050406030204" pitchFamily="18" charset="0"/>
+                                </a:rPr>
                                 <m:t>3</m:t>
                               </m:r>
                             </m:sup>
                           </m:sSubSup>
                           <m:r>
-                            <a:rPr lang="vi-VN" sz="1400" i="1"/>
+                            <a:rPr lang="vi-VN" sz="1400" i="1">
+                              <a:latin typeface="Cambria Math" panose="02040503050406030204" pitchFamily="18" charset="0"/>
+                            </a:rPr>
                             <m:t>,…,</m:t>
                           </m:r>
                           <m:sSubSup>
                             <m:sSubSupPr>
                               <m:ctrlPr>
-                                <a:rPr lang="en-US" sz="1400" i="1"/>
+                                <a:rPr lang="en-US" sz="1400" i="1">
+                                  <a:latin typeface="Cambria Math" panose="02040503050406030204" pitchFamily="18" charset="0"/>
+                                </a:rPr>
                               </m:ctrlPr>
                             </m:sSubSupPr>
                             <m:e>
                               <m:r>
-                                <a:rPr lang="vi-VN" sz="1400" i="1"/>
+                                <a:rPr lang="vi-VN" sz="1400" i="1">
+                                  <a:latin typeface="Cambria Math" panose="02040503050406030204" pitchFamily="18" charset="0"/>
+                                </a:rPr>
                                 <m:t>𝑓</m:t>
                               </m:r>
                             </m:e>
                             <m:sub>
                               <m:r>
-                                <a:rPr lang="vi-VN" sz="1400" i="1"/>
+                                <a:rPr lang="vi-VN" sz="1400" i="1">
+                                  <a:latin typeface="Cambria Math" panose="02040503050406030204" pitchFamily="18" charset="0"/>
+                                </a:rPr>
                                 <m:t>𝑝</m:t>
                               </m:r>
                             </m:sub>
                             <m:sup>
                               <m:r>
-                                <a:rPr lang="vi-VN" sz="1400" i="1"/>
+                                <a:rPr lang="vi-VN" sz="1400" i="1">
+                                  <a:latin typeface="Cambria Math" panose="02040503050406030204" pitchFamily="18" charset="0"/>
+                                </a:rPr>
                                 <m:t>3</m:t>
                               </m:r>
                             </m:sup>
@@ -4591,24 +4655,32 @@
                     <m:sSubSup>
                       <m:sSubSupPr>
                         <m:ctrlPr>
-                          <a:rPr lang="en-US" sz="1400" i="1"/>
+                          <a:rPr lang="en-US" sz="1400" i="1">
+                            <a:latin typeface="Cambria Math" panose="02040503050406030204" pitchFamily="18" charset="0"/>
+                          </a:rPr>
                         </m:ctrlPr>
                       </m:sSubSupPr>
                       <m:e>
                         <m:r>
-                          <a:rPr lang="en-US" sz="1400" i="1"/>
+                          <a:rPr lang="en-US" sz="1400" i="1">
+                            <a:latin typeface="Cambria Math" panose="02040503050406030204" pitchFamily="18" charset="0"/>
+                          </a:rPr>
                           <m:t>𝑓</m:t>
                         </m:r>
                       </m:e>
                       <m:sub>
                         <m:r>
-                          <a:rPr lang="en-US" sz="1400" i="1"/>
+                          <a:rPr lang="en-US" sz="1400" i="1">
+                            <a:latin typeface="Cambria Math" panose="02040503050406030204" pitchFamily="18" charset="0"/>
+                          </a:rPr>
                           <m:t>𝑖</m:t>
                         </m:r>
                       </m:sub>
                       <m:sup>
                         <m:r>
-                          <a:rPr lang="en-US" sz="1400" i="1"/>
+                          <a:rPr lang="en-US" sz="1400" i="1">
+                            <a:latin typeface="Cambria Math" panose="02040503050406030204" pitchFamily="18" charset="0"/>
+                          </a:rPr>
                           <m:t>𝑗</m:t>
                         </m:r>
                       </m:sup>
@@ -4713,23 +4785,33 @@
                 <a14:m>
                   <m:oMath xmlns:m="http://schemas.openxmlformats.org/officeDocument/2006/math">
                     <m:r>
-                      <a:rPr lang="en-US" sz="1400" i="1"/>
+                      <a:rPr lang="en-US" sz="1400" i="1">
+                        <a:latin typeface="Cambria Math" panose="02040503050406030204" pitchFamily="18" charset="0"/>
+                      </a:rPr>
                       <m:t>𝑚</m:t>
                     </m:r>
                     <m:r>
-                      <a:rPr lang="en-US" sz="1400" i="1"/>
+                      <a:rPr lang="en-US" sz="1400" i="1">
+                        <a:latin typeface="Cambria Math" panose="02040503050406030204" pitchFamily="18" charset="0"/>
+                      </a:rPr>
                       <m:t>, </m:t>
                     </m:r>
                     <m:r>
-                      <a:rPr lang="en-US" sz="1400" i="1"/>
+                      <a:rPr lang="en-US" sz="1400" i="1">
+                        <a:latin typeface="Cambria Math" panose="02040503050406030204" pitchFamily="18" charset="0"/>
+                      </a:rPr>
                       <m:t>𝑛</m:t>
                     </m:r>
                     <m:r>
-                      <a:rPr lang="en-US" sz="1400" i="1"/>
+                      <a:rPr lang="en-US" sz="1400" i="1">
+                        <a:latin typeface="Cambria Math" panose="02040503050406030204" pitchFamily="18" charset="0"/>
+                      </a:rPr>
                       <m:t>, </m:t>
                     </m:r>
                     <m:r>
-                      <a:rPr lang="en-US" sz="1400" i="1"/>
+                      <a:rPr lang="en-US" sz="1400" i="1">
+                        <a:latin typeface="Cambria Math" panose="02040503050406030204" pitchFamily="18" charset="0"/>
+                      </a:rPr>
                       <m:t>𝑝</m:t>
                     </m:r>
                     <m:r>
@@ -4755,7 +4837,7 @@
             </p:txBody>
           </p:sp>
         </mc:Choice>
-        <mc:Fallback>
+        <mc:Fallback xmlns="">
           <p:sp>
             <p:nvSpPr>
               <p:cNvPr id="5" name="Content Placeholder 17">
@@ -5501,17 +5583,7 @@
                 <a:latin typeface="Segoe UI" panose="020B0502040204020203" pitchFamily="34" charset="0"/>
                 <a:cs typeface="Segoe UI" panose="020B0502040204020203" pitchFamily="34" charset="0"/>
               </a:rPr>
-              <a:t>Full-</a:t>
-            </a:r>
-            <a:r>
-              <a:rPr lang="vi-VN" sz="1600" b="1" dirty="0" smtClean="0">
-                <a:solidFill>
-                  <a:srgbClr val="D24726"/>
-                </a:solidFill>
-                <a:latin typeface="Segoe UI" panose="020B0502040204020203" pitchFamily="34" charset="0"/>
-                <a:cs typeface="Segoe UI" panose="020B0502040204020203" pitchFamily="34" charset="0"/>
-              </a:rPr>
-              <a:t>fusion</a:t>
+              <a:t>Full-fusion</a:t>
             </a:r>
             <a:endParaRPr lang="en-US" sz="1600" dirty="0">
               <a:latin typeface="Segoe UI" panose="020B0502040204020203" pitchFamily="34" charset="0"/>
@@ -6949,7 +7021,6 @@
               <a:rPr lang="en-US" sz="1400" dirty="0"/>
               <a:t>Examples from FMD dataset</a:t>
             </a:r>
-            <a:endParaRPr lang="en-US" sz="1400" dirty="0"/>
           </a:p>
         </p:txBody>
       </p:sp>
@@ -7542,8 +7613,8 @@
           </a:p>
         </p:txBody>
       </p:sp>
-      <mc:AlternateContent xmlns:mc="http://schemas.openxmlformats.org/markup-compatibility/2006">
-        <mc:Choice xmlns:a14="http://schemas.microsoft.com/office/drawing/2010/main" Requires="a14">
+      <mc:AlternateContent xmlns:mc="http://schemas.openxmlformats.org/markup-compatibility/2006" xmlns:a14="http://schemas.microsoft.com/office/drawing/2010/main">
+        <mc:Choice Requires="a14">
           <p:sp>
             <p:nvSpPr>
               <p:cNvPr id="5" name="Rectangle 4"/>
@@ -7565,6 +7636,7 @@
               </a:bodyPr>
               <a:lstStyle/>
               <a:p>
+                <a:pPr/>
                 <a14:m>
                   <m:oMathPara xmlns:m="http://schemas.openxmlformats.org/officeDocument/2006/math">
                     <m:oMathParaPr>
@@ -7688,7 +7760,7 @@
             </p:txBody>
           </p:sp>
         </mc:Choice>
-        <mc:Fallback>
+        <mc:Fallback xmlns="">
           <p:sp>
             <p:nvSpPr>
               <p:cNvPr id="5" name="Rectangle 4"/>
@@ -8381,8 +8453,8 @@
           </a:p>
         </p:txBody>
       </p:sp>
-      <mc:AlternateContent xmlns:mc="http://schemas.openxmlformats.org/markup-compatibility/2006">
-        <mc:Choice xmlns:a14="http://schemas.microsoft.com/office/drawing/2010/main" Requires="a14">
+      <mc:AlternateContent xmlns:mc="http://schemas.openxmlformats.org/markup-compatibility/2006" xmlns:a14="http://schemas.microsoft.com/office/drawing/2010/main">
+        <mc:Choice Requires="a14">
           <p:sp>
             <p:nvSpPr>
               <p:cNvPr id="9" name="Rectangle 8"/>
@@ -8428,6 +8500,7 @@
               </a:bodyPr>
               <a:lstStyle/>
               <a:p>
+                <a:pPr/>
                 <a14:m>
                   <m:oMathPara xmlns:m="http://schemas.openxmlformats.org/officeDocument/2006/math">
                     <m:oMathParaPr>
@@ -8534,7 +8607,7 @@
                     <m:sSup>
                       <m:sSupPr>
                         <m:ctrlPr>
-                          <a:rPr lang="vi-VN" sz="1400">
+                          <a:rPr lang="vi-VN" sz="1400" i="1">
                             <a:latin typeface="Cambria Math" panose="02040503050406030204" pitchFamily="18" charset="0"/>
                             <a:cs typeface="Segoe UI" panose="020B0502040204020203" pitchFamily="34" charset="0"/>
                           </a:rPr>
@@ -8592,7 +8665,7 @@
                       <m:accPr>
                         <m:chr m:val="̅"/>
                         <m:ctrlPr>
-                          <a:rPr lang="en-US" sz="1400">
+                          <a:rPr lang="en-US" sz="1400" i="1">
                             <a:latin typeface="Cambria Math" panose="02040503050406030204" pitchFamily="18" charset="0"/>
                           </a:rPr>
                         </m:ctrlPr>
@@ -8675,7 +8748,7 @@
             </p:txBody>
           </p:sp>
         </mc:Choice>
-        <mc:Fallback>
+        <mc:Fallback xmlns="">
           <p:sp>
             <p:nvSpPr>
               <p:cNvPr id="9" name="Rectangle 8"/>
@@ -11109,11 +11182,7 @@
           <a:p>
             <a:r>
               <a:rPr lang="en-US" sz="1400" b="1" dirty="0" smtClean="0"/>
-              <a:t>Table</a:t>
-            </a:r>
-            <a:r>
-              <a:rPr lang="en-US" sz="1400" b="1" dirty="0" smtClean="0"/>
-              <a:t> 1. </a:t>
+              <a:t>Table 1. </a:t>
             </a:r>
             <a:r>
               <a:rPr lang="en-US" sz="1400" dirty="0" smtClean="0"/>
@@ -14418,7 +14487,7 @@
         </p:nvSpPr>
         <p:spPr>
           <a:xfrm>
-            <a:off x="6922654" y="4971388"/>
+            <a:off x="6418089" y="4942359"/>
             <a:ext cx="4122717" cy="307777"/>
           </a:xfrm>
           <a:prstGeom prst="rect">
@@ -16593,6 +16662,39 @@
           </a:prstGeom>
         </p:spPr>
       </p:pic>
+      <p:cxnSp>
+        <p:nvCxnSpPr>
+          <p:cNvPr id="5" name="Straight Arrow Connector 4"/>
+          <p:cNvCxnSpPr/>
+          <p:nvPr/>
+        </p:nvCxnSpPr>
+        <p:spPr>
+          <a:xfrm>
+            <a:off x="8519886" y="4412343"/>
+            <a:ext cx="537028" cy="0"/>
+          </a:xfrm>
+          <a:prstGeom prst="straightConnector1">
+            <a:avLst/>
+          </a:prstGeom>
+          <a:ln w="38100">
+            <a:tailEnd type="triangle"/>
+          </a:ln>
+        </p:spPr>
+        <p:style>
+          <a:lnRef idx="3">
+            <a:schemeClr val="dk1"/>
+          </a:lnRef>
+          <a:fillRef idx="0">
+            <a:schemeClr val="dk1"/>
+          </a:fillRef>
+          <a:effectRef idx="2">
+            <a:schemeClr val="dk1"/>
+          </a:effectRef>
+          <a:fontRef idx="minor">
+            <a:schemeClr val="tx1"/>
+          </a:fontRef>
+        </p:style>
+      </p:cxnSp>
     </p:spTree>
     <p:extLst>
       <p:ext uri="{BB962C8B-B14F-4D97-AF65-F5344CB8AC3E}">
@@ -17558,42 +17660,6 @@
           </a:p>
         </p:txBody>
       </p:sp>
-      <p:pic>
-        <p:nvPicPr>
-          <p:cNvPr id="12" name="Picture 11">
-            <a:extLst>
-              <a:ext uri="{FF2B5EF4-FFF2-40B4-BE49-F238E27FC236}">
-                <a16:creationId xmlns:a16="http://schemas.microsoft.com/office/drawing/2014/main" id="{734BB363-4633-453D-8C88-C1850B2FA05C}"/>
-              </a:ext>
-            </a:extLst>
-          </p:cNvPr>
-          <p:cNvPicPr>
-            <a:picLocks noChangeAspect="1"/>
-          </p:cNvPicPr>
-          <p:nvPr/>
-        </p:nvPicPr>
-        <p:blipFill>
-          <a:blip r:embed="rId2">
-            <a:extLst>
-              <a:ext uri="{28A0092B-C50C-407E-A947-70E740481C1C}">
-                <a14:useLocalDpi xmlns:a14="http://schemas.microsoft.com/office/drawing/2010/main" val="0"/>
-              </a:ext>
-            </a:extLst>
-          </a:blip>
-          <a:stretch>
-            <a:fillRect/>
-          </a:stretch>
-        </p:blipFill>
-        <p:spPr>
-          <a:xfrm>
-            <a:off x="6753094" y="1948070"/>
-            <a:ext cx="3208954" cy="2194439"/>
-          </a:xfrm>
-          <a:prstGeom prst="rect">
-            <a:avLst/>
-          </a:prstGeom>
-        </p:spPr>
-      </p:pic>
       <p:sp>
         <p:nvSpPr>
           <p:cNvPr id="16" name="Rectangle 15">
@@ -17670,6 +17736,52 @@
           </a:p>
         </p:txBody>
       </p:sp>
+      <p:pic>
+        <p:nvPicPr>
+          <p:cNvPr id="7" name="Picture 6"/>
+          <p:cNvPicPr/>
+          <p:nvPr/>
+        </p:nvPicPr>
+        <p:blipFill>
+          <a:blip r:embed="rId2">
+            <a:extLst>
+              <a:ext uri="{28A0092B-C50C-407E-A947-70E740481C1C}">
+                <a14:useLocalDpi xmlns:a14="http://schemas.microsoft.com/office/drawing/2010/main" val="0"/>
+              </a:ext>
+            </a:extLst>
+          </a:blip>
+          <a:srcRect/>
+          <a:stretch>
+            <a:fillRect/>
+          </a:stretch>
+        </p:blipFill>
+        <p:spPr bwMode="auto">
+          <a:xfrm>
+            <a:off x="6633210" y="1678333"/>
+            <a:ext cx="3395980" cy="2449195"/>
+          </a:xfrm>
+          <a:prstGeom prst="rect">
+            <a:avLst/>
+          </a:prstGeom>
+          <a:solidFill>
+            <a:srgbClr val="FFFFFF">
+              <a:shade val="85000"/>
+            </a:srgbClr>
+          </a:solidFill>
+          <a:ln w="190500" cap="rnd">
+            <a:solidFill>
+              <a:srgbClr val="FFFFFF"/>
+            </a:solidFill>
+          </a:ln>
+          <a:effectLst>
+            <a:outerShdw blurRad="50000" algn="tl" rotWithShape="0">
+              <a:srgbClr val="000000">
+                <a:alpha val="41000"/>
+              </a:srgbClr>
+            </a:outerShdw>
+          </a:effectLst>
+        </p:spPr>
+      </p:pic>
     </p:spTree>
     <p:extLst>
       <p:ext uri="{BB962C8B-B14F-4D97-AF65-F5344CB8AC3E}">
@@ -17788,33 +17900,6 @@
                                   </p:childTnLst>
                                 </p:cTn>
                               </p:par>
-                              <p:par>
-                                <p:cTn id="11" presetID="1" presetClass="entr" presetSubtype="0" fill="hold" nodeType="withEffect">
-                                  <p:stCondLst>
-                                    <p:cond delay="0"/>
-                                  </p:stCondLst>
-                                  <p:childTnLst>
-                                    <p:set>
-                                      <p:cBhvr>
-                                        <p:cTn id="12" dur="1" fill="hold">
-                                          <p:stCondLst>
-                                            <p:cond delay="0"/>
-                                          </p:stCondLst>
-                                        </p:cTn>
-                                        <p:tgtEl>
-                                          <p:spTgt spid="12"/>
-                                        </p:tgtEl>
-                                        <p:attrNameLst>
-                                          <p:attrName>style.visibility</p:attrName>
-                                        </p:attrNameLst>
-                                      </p:cBhvr>
-                                      <p:to>
-                                        <p:strVal val="visible"/>
-                                      </p:to>
-                                    </p:set>
-                                  </p:childTnLst>
-                                </p:cTn>
-                              </p:par>
                             </p:childTnLst>
                           </p:cTn>
                         </p:par>
@@ -17822,26 +17907,26 @@
                     </p:cTn>
                   </p:par>
                   <p:par>
-                    <p:cTn id="13" fill="hold">
+                    <p:cTn id="11" fill="hold">
                       <p:stCondLst>
                         <p:cond delay="indefinite"/>
                       </p:stCondLst>
                       <p:childTnLst>
                         <p:par>
-                          <p:cTn id="14" fill="hold">
+                          <p:cTn id="12" fill="hold">
                             <p:stCondLst>
                               <p:cond delay="0"/>
                             </p:stCondLst>
                             <p:childTnLst>
                               <p:par>
-                                <p:cTn id="15" presetID="1" presetClass="entr" presetSubtype="0" fill="hold" nodeType="clickEffect">
+                                <p:cTn id="13" presetID="1" presetClass="entr" presetSubtype="0" fill="hold" nodeType="clickEffect">
                                   <p:stCondLst>
                                     <p:cond delay="0"/>
                                   </p:stCondLst>
                                   <p:childTnLst>
                                     <p:set>
                                       <p:cBhvr>
-                                        <p:cTn id="16" dur="1" fill="hold">
+                                        <p:cTn id="14" dur="1" fill="hold">
                                           <p:stCondLst>
                                             <p:cond delay="0"/>
                                           </p:stCondLst>
@@ -17871,26 +17956,26 @@
                     </p:cTn>
                   </p:par>
                   <p:par>
-                    <p:cTn id="17" fill="hold">
+                    <p:cTn id="15" fill="hold">
                       <p:stCondLst>
                         <p:cond delay="indefinite"/>
                       </p:stCondLst>
                       <p:childTnLst>
                         <p:par>
-                          <p:cTn id="18" fill="hold">
+                          <p:cTn id="16" fill="hold">
                             <p:stCondLst>
                               <p:cond delay="0"/>
                             </p:stCondLst>
                             <p:childTnLst>
                               <p:par>
-                                <p:cTn id="19" presetID="1" presetClass="entr" presetSubtype="0" fill="hold" nodeType="clickEffect">
+                                <p:cTn id="17" presetID="1" presetClass="entr" presetSubtype="0" fill="hold" nodeType="clickEffect">
                                   <p:stCondLst>
                                     <p:cond delay="0"/>
                                   </p:stCondLst>
                                   <p:childTnLst>
                                     <p:set>
                                       <p:cBhvr>
-                                        <p:cTn id="20" dur="1" fill="hold">
+                                        <p:cTn id="18" dur="1" fill="hold">
                                           <p:stCondLst>
                                             <p:cond delay="0"/>
                                           </p:stCondLst>
@@ -18547,42 +18632,6 @@
           </a:p>
         </p:txBody>
       </p:sp>
-      <p:pic>
-        <p:nvPicPr>
-          <p:cNvPr id="3" name="Picture 2">
-            <a:extLst>
-              <a:ext uri="{FF2B5EF4-FFF2-40B4-BE49-F238E27FC236}">
-                <a16:creationId xmlns:a16="http://schemas.microsoft.com/office/drawing/2014/main" id="{090DC102-309F-4639-A05E-40C5DA7F3510}"/>
-              </a:ext>
-            </a:extLst>
-          </p:cNvPr>
-          <p:cNvPicPr>
-            <a:picLocks noChangeAspect="1"/>
-          </p:cNvPicPr>
-          <p:nvPr/>
-        </p:nvPicPr>
-        <p:blipFill>
-          <a:blip r:embed="rId2">
-            <a:extLst>
-              <a:ext uri="{28A0092B-C50C-407E-A947-70E740481C1C}">
-                <a14:useLocalDpi xmlns:a14="http://schemas.microsoft.com/office/drawing/2010/main" val="0"/>
-              </a:ext>
-            </a:extLst>
-          </a:blip>
-          <a:stretch>
-            <a:fillRect/>
-          </a:stretch>
-        </p:blipFill>
-        <p:spPr>
-          <a:xfrm>
-            <a:off x="5814252" y="1524708"/>
-            <a:ext cx="4963218" cy="1562318"/>
-          </a:xfrm>
-          <a:prstGeom prst="rect">
-            <a:avLst/>
-          </a:prstGeom>
-        </p:spPr>
-      </p:pic>
       <p:sp>
         <p:nvSpPr>
           <p:cNvPr id="4" name="Rectangle 3">
@@ -18649,7 +18698,7 @@
           <p:nvPr/>
         </p:nvPicPr>
         <p:blipFill>
-          <a:blip r:embed="rId3">
+          <a:blip r:embed="rId2">
             <a:extLst>
               <a:ext uri="{28A0092B-C50C-407E-A947-70E740481C1C}">
                 <a14:useLocalDpi xmlns:a14="http://schemas.microsoft.com/office/drawing/2010/main" val="0"/>
@@ -18718,6 +18767,39 @@
           </a:p>
         </p:txBody>
       </p:sp>
+      <p:pic>
+        <p:nvPicPr>
+          <p:cNvPr id="9" name="Picture 8"/>
+          <p:cNvPicPr/>
+          <p:nvPr/>
+        </p:nvPicPr>
+        <p:blipFill>
+          <a:blip r:embed="rId3">
+            <a:extLst>
+              <a:ext uri="{28A0092B-C50C-407E-A947-70E740481C1C}">
+                <a14:useLocalDpi xmlns:a14="http://schemas.microsoft.com/office/drawing/2010/main" val="0"/>
+              </a:ext>
+            </a:extLst>
+          </a:blip>
+          <a:srcRect/>
+          <a:stretch>
+            <a:fillRect/>
+          </a:stretch>
+        </p:blipFill>
+        <p:spPr bwMode="auto">
+          <a:xfrm>
+            <a:off x="5676580" y="1367716"/>
+            <a:ext cx="5238562" cy="1781424"/>
+          </a:xfrm>
+          <a:prstGeom prst="rect">
+            <a:avLst/>
+          </a:prstGeom>
+          <a:noFill/>
+          <a:ln>
+            <a:noFill/>
+          </a:ln>
+        </p:spPr>
+      </p:pic>
     </p:spTree>
     <p:extLst>
       <p:ext uri="{BB962C8B-B14F-4D97-AF65-F5344CB8AC3E}">
@@ -18787,26 +18869,35 @@
                                   </p:childTnLst>
                                 </p:cTn>
                               </p:par>
-                            </p:childTnLst>
-                          </p:cTn>
-                        </p:par>
-                      </p:childTnLst>
-                    </p:cTn>
-                  </p:par>
-                  <p:par>
-                    <p:cTn id="7" fill="hold">
-                      <p:stCondLst>
-                        <p:cond delay="indefinite"/>
-                      </p:stCondLst>
-                      <p:childTnLst>
-                        <p:par>
-                          <p:cTn id="8" fill="hold">
-                            <p:stCondLst>
-                              <p:cond delay="0"/>
-                            </p:stCondLst>
-                            <p:childTnLst>
                               <p:par>
-                                <p:cTn id="9" presetID="1" presetClass="entr" presetSubtype="0" fill="hold" nodeType="clickEffect">
+                                <p:cTn id="7" presetID="1" presetClass="entr" presetSubtype="0" fill="hold" grpId="0" nodeType="withEffect">
+                                  <p:stCondLst>
+                                    <p:cond delay="0"/>
+                                  </p:stCondLst>
+                                  <p:childTnLst>
+                                    <p:set>
+                                      <p:cBhvr>
+                                        <p:cTn id="8" dur="1" fill="hold">
+                                          <p:stCondLst>
+                                            <p:cond delay="0"/>
+                                          </p:stCondLst>
+                                        </p:cTn>
+                                        <p:tgtEl>
+                                          <p:spTgt spid="4"/>
+                                        </p:tgtEl>
+                                        <p:attrNameLst>
+                                          <p:attrName>style.visibility</p:attrName>
+                                        </p:attrNameLst>
+                                      </p:cBhvr>
+                                      <p:to>
+                                        <p:strVal val="visible"/>
+                                      </p:to>
+                                    </p:set>
+                                  </p:childTnLst>
+                                </p:cTn>
+                              </p:par>
+                              <p:par>
+                                <p:cTn id="9" presetID="1" presetClass="entr" presetSubtype="0" fill="hold" nodeType="withEffect">
                                   <p:stCondLst>
                                     <p:cond delay="0"/>
                                   </p:stCondLst>
@@ -18819,7 +18910,7 @@
                                           </p:stCondLst>
                                         </p:cTn>
                                         <p:tgtEl>
-                                          <p:spTgt spid="3"/>
+                                          <p:spTgt spid="7"/>
                                         </p:tgtEl>
                                         <p:attrNameLst>
                                           <p:attrName>style.visibility</p:attrName>
@@ -18841,60 +18932,6 @@
                                     <p:set>
                                       <p:cBhvr>
                                         <p:cTn id="12" dur="1" fill="hold">
-                                          <p:stCondLst>
-                                            <p:cond delay="0"/>
-                                          </p:stCondLst>
-                                        </p:cTn>
-                                        <p:tgtEl>
-                                          <p:spTgt spid="4"/>
-                                        </p:tgtEl>
-                                        <p:attrNameLst>
-                                          <p:attrName>style.visibility</p:attrName>
-                                        </p:attrNameLst>
-                                      </p:cBhvr>
-                                      <p:to>
-                                        <p:strVal val="visible"/>
-                                      </p:to>
-                                    </p:set>
-                                  </p:childTnLst>
-                                </p:cTn>
-                              </p:par>
-                              <p:par>
-                                <p:cTn id="13" presetID="1" presetClass="entr" presetSubtype="0" fill="hold" nodeType="withEffect">
-                                  <p:stCondLst>
-                                    <p:cond delay="0"/>
-                                  </p:stCondLst>
-                                  <p:childTnLst>
-                                    <p:set>
-                                      <p:cBhvr>
-                                        <p:cTn id="14" dur="1" fill="hold">
-                                          <p:stCondLst>
-                                            <p:cond delay="0"/>
-                                          </p:stCondLst>
-                                        </p:cTn>
-                                        <p:tgtEl>
-                                          <p:spTgt spid="7"/>
-                                        </p:tgtEl>
-                                        <p:attrNameLst>
-                                          <p:attrName>style.visibility</p:attrName>
-                                        </p:attrNameLst>
-                                      </p:cBhvr>
-                                      <p:to>
-                                        <p:strVal val="visible"/>
-                                      </p:to>
-                                    </p:set>
-                                  </p:childTnLst>
-                                </p:cTn>
-                              </p:par>
-                              <p:par>
-                                <p:cTn id="15" presetID="1" presetClass="entr" presetSubtype="0" fill="hold" grpId="0" nodeType="withEffect">
-                                  <p:stCondLst>
-                                    <p:cond delay="0"/>
-                                  </p:stCondLst>
-                                  <p:childTnLst>
-                                    <p:set>
-                                      <p:cBhvr>
-                                        <p:cTn id="16" dur="1" fill="hold">
                                           <p:stCondLst>
                                             <p:cond delay="0"/>
                                           </p:stCondLst>
@@ -21417,8 +21454,8 @@
           </a:p>
         </p:txBody>
       </p:sp>
-      <mc:AlternateContent xmlns:mc="http://schemas.openxmlformats.org/markup-compatibility/2006">
-        <mc:Choice xmlns:a14="http://schemas.microsoft.com/office/drawing/2010/main" Requires="a14">
+      <mc:AlternateContent xmlns:mc="http://schemas.openxmlformats.org/markup-compatibility/2006" xmlns:a14="http://schemas.microsoft.com/office/drawing/2010/main">
+        <mc:Choice Requires="a14">
           <p:sp>
             <p:nvSpPr>
               <p:cNvPr id="5" name="Content Placeholder 17">
@@ -21716,112 +21753,150 @@
                       <m:sSub>
                         <m:sSubPr>
                           <m:ctrlPr>
-                            <a:rPr lang="en-US" sz="1400" i="1"/>
+                            <a:rPr lang="en-US" sz="1400" i="1">
+                              <a:latin typeface="Cambria Math" panose="02040503050406030204" pitchFamily="18" charset="0"/>
+                            </a:rPr>
                           </m:ctrlPr>
                         </m:sSubPr>
                         <m:e>
                           <m:r>
-                            <a:rPr lang="en-US" sz="1400" i="1"/>
+                            <a:rPr lang="en-US" sz="1400" i="1">
+                              <a:latin typeface="Cambria Math" panose="02040503050406030204" pitchFamily="18" charset="0"/>
+                            </a:rPr>
                             <m:t>𝑃</m:t>
                           </m:r>
                         </m:e>
                         <m:sub>
                           <m:r>
-                            <a:rPr lang="en-US" sz="1400" i="1"/>
+                            <a:rPr lang="en-US" sz="1400" i="1">
+                              <a:latin typeface="Cambria Math" panose="02040503050406030204" pitchFamily="18" charset="0"/>
+                            </a:rPr>
                             <m:t>1</m:t>
                           </m:r>
                         </m:sub>
                       </m:sSub>
                       <m:r>
-                        <a:rPr lang="en-US" sz="1400" i="1"/>
+                        <a:rPr lang="en-US" sz="1400" i="1">
+                          <a:latin typeface="Cambria Math" panose="02040503050406030204" pitchFamily="18" charset="0"/>
+                        </a:rPr>
                         <m:t>= </m:t>
                       </m:r>
                       <m:d>
                         <m:dPr>
                           <m:ctrlPr>
-                            <a:rPr lang="en-US" sz="1400" i="1"/>
+                            <a:rPr lang="en-US" sz="1400" i="1">
+                              <a:latin typeface="Cambria Math" panose="02040503050406030204" pitchFamily="18" charset="0"/>
+                            </a:rPr>
                           </m:ctrlPr>
                         </m:dPr>
                         <m:e>
                           <m:sSubSup>
                             <m:sSubSupPr>
                               <m:ctrlPr>
-                                <a:rPr lang="en-US" sz="1400" i="1"/>
+                                <a:rPr lang="en-US" sz="1400" i="1">
+                                  <a:latin typeface="Cambria Math" panose="02040503050406030204" pitchFamily="18" charset="0"/>
+                                </a:rPr>
                               </m:ctrlPr>
                             </m:sSubSupPr>
                             <m:e>
                               <m:r>
-                                <a:rPr lang="en-US" sz="1400" i="1"/>
+                                <a:rPr lang="en-US" sz="1400" i="1">
+                                  <a:latin typeface="Cambria Math" panose="02040503050406030204" pitchFamily="18" charset="0"/>
+                                </a:rPr>
                                 <m:t>𝑝</m:t>
                               </m:r>
                             </m:e>
                             <m:sub>
                               <m:r>
-                                <a:rPr lang="en-US" sz="1400" i="1"/>
+                                <a:rPr lang="en-US" sz="1400" i="1">
+                                  <a:latin typeface="Cambria Math" panose="02040503050406030204" pitchFamily="18" charset="0"/>
+                                </a:rPr>
                                 <m:t>1</m:t>
                               </m:r>
                             </m:sub>
                             <m:sup>
                               <m:r>
-                                <a:rPr lang="en-US" sz="1400" i="1"/>
+                                <a:rPr lang="en-US" sz="1400" i="1">
+                                  <a:latin typeface="Cambria Math" panose="02040503050406030204" pitchFamily="18" charset="0"/>
+                                </a:rPr>
                                 <m:t>1</m:t>
                               </m:r>
                             </m:sup>
                           </m:sSubSup>
                           <m:r>
-                            <a:rPr lang="en-US" sz="1400" i="1"/>
+                            <a:rPr lang="en-US" sz="1400" i="1">
+                              <a:latin typeface="Cambria Math" panose="02040503050406030204" pitchFamily="18" charset="0"/>
+                            </a:rPr>
                             <m:t>, </m:t>
                           </m:r>
                           <m:sSubSup>
                             <m:sSubSupPr>
                               <m:ctrlPr>
-                                <a:rPr lang="en-US" sz="1400" i="1"/>
+                                <a:rPr lang="en-US" sz="1400" i="1">
+                                  <a:latin typeface="Cambria Math" panose="02040503050406030204" pitchFamily="18" charset="0"/>
+                                </a:rPr>
                               </m:ctrlPr>
                             </m:sSubSupPr>
                             <m:e>
                               <m:r>
-                                <a:rPr lang="en-US" sz="1400" i="1"/>
+                                <a:rPr lang="en-US" sz="1400" i="1">
+                                  <a:latin typeface="Cambria Math" panose="02040503050406030204" pitchFamily="18" charset="0"/>
+                                </a:rPr>
                                 <m:t>𝑝</m:t>
                               </m:r>
                             </m:e>
                             <m:sub>
                               <m:r>
-                                <a:rPr lang="en-US" sz="1400" i="1"/>
+                                <a:rPr lang="en-US" sz="1400" i="1">
+                                  <a:latin typeface="Cambria Math" panose="02040503050406030204" pitchFamily="18" charset="0"/>
+                                </a:rPr>
                                 <m:t>2</m:t>
                               </m:r>
                             </m:sub>
                             <m:sup>
                               <m:r>
-                                <a:rPr lang="en-US" sz="1400" i="1"/>
+                                <a:rPr lang="en-US" sz="1400" i="1">
+                                  <a:latin typeface="Cambria Math" panose="02040503050406030204" pitchFamily="18" charset="0"/>
+                                </a:rPr>
                                 <m:t>1</m:t>
                               </m:r>
                             </m:sup>
                           </m:sSubSup>
                           <m:r>
-                            <a:rPr lang="en-US" sz="1400" i="1"/>
+                            <a:rPr lang="en-US" sz="1400" i="1">
+                              <a:latin typeface="Cambria Math" panose="02040503050406030204" pitchFamily="18" charset="0"/>
+                            </a:rPr>
                             <m:t>, …, </m:t>
                           </m:r>
                           <m:sSubSup>
                             <m:sSubSupPr>
                               <m:ctrlPr>
-                                <a:rPr lang="en-US" sz="1400" i="1"/>
+                                <a:rPr lang="en-US" sz="1400" i="1">
+                                  <a:latin typeface="Cambria Math" panose="02040503050406030204" pitchFamily="18" charset="0"/>
+                                </a:rPr>
                               </m:ctrlPr>
                             </m:sSubSupPr>
                             <m:e>
                               <m:r>
-                                <a:rPr lang="en-US" sz="1400" i="1"/>
+                                <a:rPr lang="en-US" sz="1400" i="1">
+                                  <a:latin typeface="Cambria Math" panose="02040503050406030204" pitchFamily="18" charset="0"/>
+                                </a:rPr>
                                 <m:t>𝑝</m:t>
                               </m:r>
                             </m:e>
                             <m:sub>
                               <m:r>
-                                <a:rPr lang="en-US" sz="1400" i="1"/>
+                                <a:rPr lang="en-US" sz="1400" i="1">
+                                  <a:latin typeface="Cambria Math" panose="02040503050406030204" pitchFamily="18" charset="0"/>
+                                </a:rPr>
                                 <m:t>𝑛</m:t>
                               </m:r>
                             </m:sub>
                             <m:sup>
                               <m:r>
-                                <a:rPr lang="en-US" sz="1400" i="1"/>
+                                <a:rPr lang="en-US" sz="1400" i="1">
+                                  <a:latin typeface="Cambria Math" panose="02040503050406030204" pitchFamily="18" charset="0"/>
+                                </a:rPr>
                                 <m:t>1</m:t>
                               </m:r>
                             </m:sup>
@@ -21829,7 +21904,9 @@
                         </m:e>
                       </m:d>
                       <m:r>
-                        <a:rPr lang="en-US" sz="1400" i="1"/>
+                        <a:rPr lang="en-US" sz="1400" i="1">
+                          <a:latin typeface="Cambria Math" panose="02040503050406030204" pitchFamily="18" charset="0"/>
+                        </a:rPr>
                         <m:t> </m:t>
                       </m:r>
                     </m:oMath>
@@ -21860,112 +21937,150 @@
                       <m:sSub>
                         <m:sSubPr>
                           <m:ctrlPr>
-                            <a:rPr lang="en-US" sz="1400" i="1"/>
+                            <a:rPr lang="en-US" sz="1400" i="1">
+                              <a:latin typeface="Cambria Math" panose="02040503050406030204" pitchFamily="18" charset="0"/>
+                            </a:rPr>
                           </m:ctrlPr>
                         </m:sSubPr>
                         <m:e>
                           <m:r>
-                            <a:rPr lang="en-US" sz="1400" i="1"/>
+                            <a:rPr lang="en-US" sz="1400" i="1">
+                              <a:latin typeface="Cambria Math" panose="02040503050406030204" pitchFamily="18" charset="0"/>
+                            </a:rPr>
                             <m:t>𝑃</m:t>
                           </m:r>
                         </m:e>
                         <m:sub>
                           <m:r>
-                            <a:rPr lang="en-US" sz="1400" i="1"/>
+                            <a:rPr lang="en-US" sz="1400" i="1">
+                              <a:latin typeface="Cambria Math" panose="02040503050406030204" pitchFamily="18" charset="0"/>
+                            </a:rPr>
                             <m:t>2</m:t>
                           </m:r>
                         </m:sub>
                       </m:sSub>
                       <m:r>
-                        <a:rPr lang="en-US" sz="1400" i="1"/>
+                        <a:rPr lang="en-US" sz="1400" i="1">
+                          <a:latin typeface="Cambria Math" panose="02040503050406030204" pitchFamily="18" charset="0"/>
+                        </a:rPr>
                         <m:t>= </m:t>
                       </m:r>
                       <m:d>
                         <m:dPr>
                           <m:ctrlPr>
-                            <a:rPr lang="en-US" sz="1400" i="1"/>
+                            <a:rPr lang="en-US" sz="1400" i="1">
+                              <a:latin typeface="Cambria Math" panose="02040503050406030204" pitchFamily="18" charset="0"/>
+                            </a:rPr>
                           </m:ctrlPr>
                         </m:dPr>
                         <m:e>
                           <m:sSubSup>
                             <m:sSubSupPr>
                               <m:ctrlPr>
-                                <a:rPr lang="en-US" sz="1400" i="1"/>
+                                <a:rPr lang="en-US" sz="1400" i="1">
+                                  <a:latin typeface="Cambria Math" panose="02040503050406030204" pitchFamily="18" charset="0"/>
+                                </a:rPr>
                               </m:ctrlPr>
                             </m:sSubSupPr>
                             <m:e>
                               <m:r>
-                                <a:rPr lang="en-US" sz="1400" i="1"/>
+                                <a:rPr lang="en-US" sz="1400" i="1">
+                                  <a:latin typeface="Cambria Math" panose="02040503050406030204" pitchFamily="18" charset="0"/>
+                                </a:rPr>
                                 <m:t>𝑝</m:t>
                               </m:r>
                             </m:e>
                             <m:sub>
                               <m:r>
-                                <a:rPr lang="en-US" sz="1400" i="1"/>
+                                <a:rPr lang="en-US" sz="1400" i="1">
+                                  <a:latin typeface="Cambria Math" panose="02040503050406030204" pitchFamily="18" charset="0"/>
+                                </a:rPr>
                                 <m:t>1</m:t>
                               </m:r>
                             </m:sub>
                             <m:sup>
                               <m:r>
-                                <a:rPr lang="en-US" sz="1400" i="1"/>
+                                <a:rPr lang="en-US" sz="1400" i="1">
+                                  <a:latin typeface="Cambria Math" panose="02040503050406030204" pitchFamily="18" charset="0"/>
+                                </a:rPr>
                                 <m:t>2</m:t>
                               </m:r>
                             </m:sup>
                           </m:sSubSup>
                           <m:r>
-                            <a:rPr lang="en-US" sz="1400" i="1"/>
+                            <a:rPr lang="en-US" sz="1400" i="1">
+                              <a:latin typeface="Cambria Math" panose="02040503050406030204" pitchFamily="18" charset="0"/>
+                            </a:rPr>
                             <m:t>, </m:t>
                           </m:r>
                           <m:sSubSup>
                             <m:sSubSupPr>
                               <m:ctrlPr>
-                                <a:rPr lang="en-US" sz="1400" i="1"/>
+                                <a:rPr lang="en-US" sz="1400" i="1">
+                                  <a:latin typeface="Cambria Math" panose="02040503050406030204" pitchFamily="18" charset="0"/>
+                                </a:rPr>
                               </m:ctrlPr>
                             </m:sSubSupPr>
                             <m:e>
                               <m:r>
-                                <a:rPr lang="en-US" sz="1400" i="1"/>
+                                <a:rPr lang="en-US" sz="1400" i="1">
+                                  <a:latin typeface="Cambria Math" panose="02040503050406030204" pitchFamily="18" charset="0"/>
+                                </a:rPr>
                                 <m:t>𝑝</m:t>
                               </m:r>
                             </m:e>
                             <m:sub>
                               <m:r>
-                                <a:rPr lang="en-US" sz="1400" i="1"/>
+                                <a:rPr lang="en-US" sz="1400" i="1">
+                                  <a:latin typeface="Cambria Math" panose="02040503050406030204" pitchFamily="18" charset="0"/>
+                                </a:rPr>
                                 <m:t>2</m:t>
                               </m:r>
                             </m:sub>
                             <m:sup>
                               <m:r>
-                                <a:rPr lang="en-US" sz="1400" i="1"/>
+                                <a:rPr lang="en-US" sz="1400" i="1">
+                                  <a:latin typeface="Cambria Math" panose="02040503050406030204" pitchFamily="18" charset="0"/>
+                                </a:rPr>
                                 <m:t>2</m:t>
                               </m:r>
                             </m:sup>
                           </m:sSubSup>
                           <m:r>
-                            <a:rPr lang="en-US" sz="1400" i="1"/>
+                            <a:rPr lang="en-US" sz="1400" i="1">
+                              <a:latin typeface="Cambria Math" panose="02040503050406030204" pitchFamily="18" charset="0"/>
+                            </a:rPr>
                             <m:t>, …, </m:t>
                           </m:r>
                           <m:sSubSup>
                             <m:sSubSupPr>
                               <m:ctrlPr>
-                                <a:rPr lang="en-US" sz="1400" i="1"/>
+                                <a:rPr lang="en-US" sz="1400" i="1">
+                                  <a:latin typeface="Cambria Math" panose="02040503050406030204" pitchFamily="18" charset="0"/>
+                                </a:rPr>
                               </m:ctrlPr>
                             </m:sSubSupPr>
                             <m:e>
                               <m:r>
-                                <a:rPr lang="en-US" sz="1400" i="1"/>
+                                <a:rPr lang="en-US" sz="1400" i="1">
+                                  <a:latin typeface="Cambria Math" panose="02040503050406030204" pitchFamily="18" charset="0"/>
+                                </a:rPr>
                                 <m:t>𝑝</m:t>
                               </m:r>
                             </m:e>
                             <m:sub>
                               <m:r>
-                                <a:rPr lang="en-US" sz="1400" i="1"/>
+                                <a:rPr lang="en-US" sz="1400" i="1">
+                                  <a:latin typeface="Cambria Math" panose="02040503050406030204" pitchFamily="18" charset="0"/>
+                                </a:rPr>
                                 <m:t>𝑛</m:t>
                               </m:r>
                             </m:sub>
                             <m:sup>
                               <m:r>
-                                <a:rPr lang="en-US" sz="1400" i="1"/>
+                                <a:rPr lang="en-US" sz="1400" i="1">
+                                  <a:latin typeface="Cambria Math" panose="02040503050406030204" pitchFamily="18" charset="0"/>
+                                </a:rPr>
                                 <m:t>2</m:t>
                               </m:r>
                             </m:sup>
@@ -21973,7 +22088,9 @@
                         </m:e>
                       </m:d>
                       <m:r>
-                        <a:rPr lang="en-US" sz="1400" i="1"/>
+                        <a:rPr lang="en-US" sz="1400" i="1">
+                          <a:latin typeface="Cambria Math" panose="02040503050406030204" pitchFamily="18" charset="0"/>
+                        </a:rPr>
                         <m:t> </m:t>
                       </m:r>
                     </m:oMath>
@@ -22004,112 +22121,150 @@
                       <m:sSub>
                         <m:sSubPr>
                           <m:ctrlPr>
-                            <a:rPr lang="en-US" sz="1400" i="1"/>
+                            <a:rPr lang="en-US" sz="1400" i="1">
+                              <a:latin typeface="Cambria Math" panose="02040503050406030204" pitchFamily="18" charset="0"/>
+                            </a:rPr>
                           </m:ctrlPr>
                         </m:sSubPr>
                         <m:e>
                           <m:r>
-                            <a:rPr lang="en-US" sz="1400" i="1"/>
+                            <a:rPr lang="en-US" sz="1400" i="1">
+                              <a:latin typeface="Cambria Math" panose="02040503050406030204" pitchFamily="18" charset="0"/>
+                            </a:rPr>
                             <m:t>𝑃</m:t>
                           </m:r>
                         </m:e>
                         <m:sub>
                           <m:r>
-                            <a:rPr lang="en-US" sz="1400" i="1"/>
+                            <a:rPr lang="en-US" sz="1400" i="1">
+                              <a:latin typeface="Cambria Math" panose="02040503050406030204" pitchFamily="18" charset="0"/>
+                            </a:rPr>
                             <m:t>3</m:t>
                           </m:r>
                         </m:sub>
                       </m:sSub>
                       <m:r>
-                        <a:rPr lang="en-US" sz="1400" i="1"/>
+                        <a:rPr lang="en-US" sz="1400" i="1">
+                          <a:latin typeface="Cambria Math" panose="02040503050406030204" pitchFamily="18" charset="0"/>
+                        </a:rPr>
                         <m:t> = </m:t>
                       </m:r>
                       <m:d>
                         <m:dPr>
                           <m:ctrlPr>
-                            <a:rPr lang="en-US" sz="1400" i="1"/>
+                            <a:rPr lang="en-US" sz="1400" i="1">
+                              <a:latin typeface="Cambria Math" panose="02040503050406030204" pitchFamily="18" charset="0"/>
+                            </a:rPr>
                           </m:ctrlPr>
                         </m:dPr>
                         <m:e>
                           <m:sSubSup>
                             <m:sSubSupPr>
                               <m:ctrlPr>
-                                <a:rPr lang="en-US" sz="1400" i="1"/>
+                                <a:rPr lang="en-US" sz="1400" i="1">
+                                  <a:latin typeface="Cambria Math" panose="02040503050406030204" pitchFamily="18" charset="0"/>
+                                </a:rPr>
                               </m:ctrlPr>
                             </m:sSubSupPr>
                             <m:e>
                               <m:r>
-                                <a:rPr lang="en-US" sz="1400" i="1"/>
+                                <a:rPr lang="en-US" sz="1400" i="1">
+                                  <a:latin typeface="Cambria Math" panose="02040503050406030204" pitchFamily="18" charset="0"/>
+                                </a:rPr>
                                 <m:t>𝑝</m:t>
                               </m:r>
                             </m:e>
                             <m:sub>
                               <m:r>
-                                <a:rPr lang="en-US" sz="1400" i="1"/>
+                                <a:rPr lang="en-US" sz="1400" i="1">
+                                  <a:latin typeface="Cambria Math" panose="02040503050406030204" pitchFamily="18" charset="0"/>
+                                </a:rPr>
                                 <m:t>1</m:t>
                               </m:r>
                             </m:sub>
                             <m:sup>
                               <m:r>
-                                <a:rPr lang="en-US" sz="1400" i="1"/>
+                                <a:rPr lang="en-US" sz="1400" i="1">
+                                  <a:latin typeface="Cambria Math" panose="02040503050406030204" pitchFamily="18" charset="0"/>
+                                </a:rPr>
                                 <m:t>3</m:t>
                               </m:r>
                             </m:sup>
                           </m:sSubSup>
                           <m:r>
-                            <a:rPr lang="en-US" sz="1400" i="1"/>
+                            <a:rPr lang="en-US" sz="1400" i="1">
+                              <a:latin typeface="Cambria Math" panose="02040503050406030204" pitchFamily="18" charset="0"/>
+                            </a:rPr>
                             <m:t>, </m:t>
                           </m:r>
                           <m:sSubSup>
                             <m:sSubSupPr>
                               <m:ctrlPr>
-                                <a:rPr lang="en-US" sz="1400" i="1"/>
+                                <a:rPr lang="en-US" sz="1400" i="1">
+                                  <a:latin typeface="Cambria Math" panose="02040503050406030204" pitchFamily="18" charset="0"/>
+                                </a:rPr>
                               </m:ctrlPr>
                             </m:sSubSupPr>
                             <m:e>
                               <m:r>
-                                <a:rPr lang="en-US" sz="1400" i="1"/>
+                                <a:rPr lang="en-US" sz="1400" i="1">
+                                  <a:latin typeface="Cambria Math" panose="02040503050406030204" pitchFamily="18" charset="0"/>
+                                </a:rPr>
                                 <m:t>𝑝</m:t>
                               </m:r>
                             </m:e>
                             <m:sub>
                               <m:r>
-                                <a:rPr lang="en-US" sz="1400" i="1"/>
+                                <a:rPr lang="en-US" sz="1400" i="1">
+                                  <a:latin typeface="Cambria Math" panose="02040503050406030204" pitchFamily="18" charset="0"/>
+                                </a:rPr>
                                 <m:t>2</m:t>
                               </m:r>
                             </m:sub>
                             <m:sup>
                               <m:r>
-                                <a:rPr lang="en-US" sz="1400" i="1"/>
+                                <a:rPr lang="en-US" sz="1400" i="1">
+                                  <a:latin typeface="Cambria Math" panose="02040503050406030204" pitchFamily="18" charset="0"/>
+                                </a:rPr>
                                 <m:t>3</m:t>
                               </m:r>
                             </m:sup>
                           </m:sSubSup>
                           <m:r>
-                            <a:rPr lang="en-US" sz="1400" i="1"/>
+                            <a:rPr lang="en-US" sz="1400" i="1">
+                              <a:latin typeface="Cambria Math" panose="02040503050406030204" pitchFamily="18" charset="0"/>
+                            </a:rPr>
                             <m:t>, …, </m:t>
                           </m:r>
                           <m:sSubSup>
                             <m:sSubSupPr>
                               <m:ctrlPr>
-                                <a:rPr lang="en-US" sz="1400" i="1"/>
+                                <a:rPr lang="en-US" sz="1400" i="1">
+                                  <a:latin typeface="Cambria Math" panose="02040503050406030204" pitchFamily="18" charset="0"/>
+                                </a:rPr>
                               </m:ctrlPr>
                             </m:sSubSupPr>
                             <m:e>
                               <m:r>
-                                <a:rPr lang="en-US" sz="1400" i="1"/>
+                                <a:rPr lang="en-US" sz="1400" i="1">
+                                  <a:latin typeface="Cambria Math" panose="02040503050406030204" pitchFamily="18" charset="0"/>
+                                </a:rPr>
                                 <m:t>𝑝</m:t>
                               </m:r>
                             </m:e>
                             <m:sub>
                               <m:r>
-                                <a:rPr lang="en-US" sz="1400" i="1"/>
+                                <a:rPr lang="en-US" sz="1400" i="1">
+                                  <a:latin typeface="Cambria Math" panose="02040503050406030204" pitchFamily="18" charset="0"/>
+                                </a:rPr>
                                 <m:t>𝑛</m:t>
                               </m:r>
                             </m:sub>
                             <m:sup>
                               <m:r>
-                                <a:rPr lang="en-US" sz="1400" i="1"/>
+                                <a:rPr lang="en-US" sz="1400" i="1">
+                                  <a:latin typeface="Cambria Math" panose="02040503050406030204" pitchFamily="18" charset="0"/>
+                                </a:rPr>
                                 <m:t>3</m:t>
                               </m:r>
                             </m:sup>
@@ -22136,24 +22291,32 @@
                     <m:sSubSup>
                       <m:sSubSupPr>
                         <m:ctrlPr>
-                          <a:rPr lang="en-US" sz="1400" i="1"/>
+                          <a:rPr lang="en-US" sz="1400" i="1">
+                            <a:latin typeface="Cambria Math" panose="02040503050406030204" pitchFamily="18" charset="0"/>
+                          </a:rPr>
                         </m:ctrlPr>
                       </m:sSubSupPr>
                       <m:e>
                         <m:r>
-                          <a:rPr lang="en-US" sz="1400" i="1"/>
+                          <a:rPr lang="en-US" sz="1400" i="1">
+                            <a:latin typeface="Cambria Math" panose="02040503050406030204" pitchFamily="18" charset="0"/>
+                          </a:rPr>
                           <m:t>𝑝</m:t>
                         </m:r>
                       </m:e>
                       <m:sub>
                         <m:r>
-                          <a:rPr lang="en-US" sz="1400" i="1"/>
+                          <a:rPr lang="en-US" sz="1400" i="1">
+                            <a:latin typeface="Cambria Math" panose="02040503050406030204" pitchFamily="18" charset="0"/>
+                          </a:rPr>
                           <m:t>𝑖</m:t>
                         </m:r>
                       </m:sub>
                       <m:sup>
                         <m:r>
-                          <a:rPr lang="en-US" sz="1400" i="1"/>
+                          <a:rPr lang="en-US" sz="1400" i="1">
+                            <a:latin typeface="Cambria Math" panose="02040503050406030204" pitchFamily="18" charset="0"/>
+                          </a:rPr>
                           <m:t>𝑗</m:t>
                         </m:r>
                       </m:sup>
@@ -22177,7 +22340,9 @@
                 <a14:m>
                   <m:oMath xmlns:m="http://schemas.openxmlformats.org/officeDocument/2006/math">
                     <m:r>
-                      <a:rPr lang="en-US" sz="1400" i="1"/>
+                      <a:rPr lang="en-US" sz="1400" i="1">
+                        <a:latin typeface="Cambria Math" panose="02040503050406030204" pitchFamily="18" charset="0"/>
+                      </a:rPr>
                       <m:t>𝑖</m:t>
                     </m:r>
                     <m:r>
@@ -22208,7 +22373,9 @@
                 <a14:m>
                   <m:oMath xmlns:m="http://schemas.openxmlformats.org/officeDocument/2006/math">
                     <m:r>
-                      <a:rPr lang="en-US" sz="1400" i="1" smtClean="0"/>
+                      <a:rPr lang="en-US" sz="1400" i="1" smtClean="0">
+                        <a:latin typeface="Cambria Math" panose="02040503050406030204" pitchFamily="18" charset="0"/>
+                      </a:rPr>
                       <m:t>𝑗</m:t>
                     </m:r>
                     <m:r>
@@ -22273,119 +22440,159 @@
                       <m:sSub>
                         <m:sSubPr>
                           <m:ctrlPr>
-                            <a:rPr lang="en-US" sz="1400" i="1"/>
+                            <a:rPr lang="en-US" sz="1400" i="1">
+                              <a:latin typeface="Cambria Math" panose="02040503050406030204" pitchFamily="18" charset="0"/>
+                            </a:rPr>
                           </m:ctrlPr>
                         </m:sSubPr>
                         <m:e>
                           <m:r>
-                            <a:rPr lang="en-US" sz="1400" i="1"/>
+                            <a:rPr lang="en-US" sz="1400" i="1">
+                              <a:latin typeface="Cambria Math" panose="02040503050406030204" pitchFamily="18" charset="0"/>
+                            </a:rPr>
                             <m:t>𝑃</m:t>
                           </m:r>
                         </m:e>
                         <m:sub>
                           <m:r>
-                            <a:rPr lang="en-US" sz="1400" i="1"/>
+                            <a:rPr lang="en-US" sz="1400" i="1">
+                              <a:latin typeface="Cambria Math" panose="02040503050406030204" pitchFamily="18" charset="0"/>
+                            </a:rPr>
                             <m:t>𝑐𝑜𝑚𝑏𝑖𝑛𝑒𝑑</m:t>
                           </m:r>
                         </m:sub>
                       </m:sSub>
                       <m:r>
-                        <a:rPr lang="vi-VN" sz="1400" i="1"/>
+                        <a:rPr lang="vi-VN" sz="1400" i="1">
+                          <a:latin typeface="Cambria Math" panose="02040503050406030204" pitchFamily="18" charset="0"/>
+                        </a:rPr>
                         <m:t>=</m:t>
                       </m:r>
                       <m:d>
                         <m:dPr>
                           <m:ctrlPr>
-                            <a:rPr lang="en-US" sz="1400" i="1"/>
+                            <a:rPr lang="en-US" sz="1400" i="1">
+                              <a:latin typeface="Cambria Math" panose="02040503050406030204" pitchFamily="18" charset="0"/>
+                            </a:rPr>
                           </m:ctrlPr>
                         </m:dPr>
                         <m:e>
                           <m:f>
                             <m:fPr>
                               <m:ctrlPr>
-                                <a:rPr lang="en-US" sz="1400" i="1"/>
+                                <a:rPr lang="en-US" sz="1400" i="1">
+                                  <a:latin typeface="Cambria Math" panose="02040503050406030204" pitchFamily="18" charset="0"/>
+                                </a:rPr>
                               </m:ctrlPr>
                             </m:fPr>
                             <m:num>
                               <m:sSubSup>
                                 <m:sSubSupPr>
                                   <m:ctrlPr>
-                                    <a:rPr lang="en-US" sz="1400" i="1"/>
+                                    <a:rPr lang="en-US" sz="1400" i="1">
+                                      <a:latin typeface="Cambria Math" panose="02040503050406030204" pitchFamily="18" charset="0"/>
+                                    </a:rPr>
                                   </m:ctrlPr>
                                 </m:sSubSupPr>
                                 <m:e>
                                   <m:r>
-                                    <a:rPr lang="vi-VN" sz="1400" i="1"/>
+                                    <a:rPr lang="vi-VN" sz="1400" i="1">
+                                      <a:latin typeface="Cambria Math" panose="02040503050406030204" pitchFamily="18" charset="0"/>
+                                    </a:rPr>
                                     <m:t>𝑝</m:t>
                                   </m:r>
                                 </m:e>
                                 <m:sub>
                                   <m:r>
-                                    <a:rPr lang="vi-VN" sz="1400" i="1"/>
+                                    <a:rPr lang="vi-VN" sz="1400" i="1">
+                                      <a:latin typeface="Cambria Math" panose="02040503050406030204" pitchFamily="18" charset="0"/>
+                                    </a:rPr>
                                     <m:t>1</m:t>
                                   </m:r>
                                 </m:sub>
                                 <m:sup>
                                   <m:r>
-                                    <a:rPr lang="vi-VN" sz="1400" i="1"/>
+                                    <a:rPr lang="vi-VN" sz="1400" i="1">
+                                      <a:latin typeface="Cambria Math" panose="02040503050406030204" pitchFamily="18" charset="0"/>
+                                    </a:rPr>
                                     <m:t>1</m:t>
                                   </m:r>
                                 </m:sup>
                               </m:sSubSup>
                               <m:r>
-                                <a:rPr lang="vi-VN" sz="1400" i="1"/>
+                                <a:rPr lang="vi-VN" sz="1400" i="1">
+                                  <a:latin typeface="Cambria Math" panose="02040503050406030204" pitchFamily="18" charset="0"/>
+                                </a:rPr>
                                 <m:t>+</m:t>
                               </m:r>
                               <m:sSubSup>
                                 <m:sSubSupPr>
                                   <m:ctrlPr>
-                                    <a:rPr lang="en-US" sz="1400" i="1"/>
+                                    <a:rPr lang="en-US" sz="1400" i="1">
+                                      <a:latin typeface="Cambria Math" panose="02040503050406030204" pitchFamily="18" charset="0"/>
+                                    </a:rPr>
                                   </m:ctrlPr>
                                 </m:sSubSupPr>
                                 <m:e>
                                   <m:r>
-                                    <a:rPr lang="vi-VN" sz="1400" i="1"/>
+                                    <a:rPr lang="vi-VN" sz="1400" i="1">
+                                      <a:latin typeface="Cambria Math" panose="02040503050406030204" pitchFamily="18" charset="0"/>
+                                    </a:rPr>
                                     <m:t>𝑝</m:t>
                                   </m:r>
                                 </m:e>
                                 <m:sub>
                                   <m:r>
-                                    <a:rPr lang="vi-VN" sz="1400" i="1"/>
+                                    <a:rPr lang="vi-VN" sz="1400" i="1">
+                                      <a:latin typeface="Cambria Math" panose="02040503050406030204" pitchFamily="18" charset="0"/>
+                                    </a:rPr>
                                     <m:t>1</m:t>
                                   </m:r>
                                 </m:sub>
                                 <m:sup>
                                   <m:r>
-                                    <a:rPr lang="vi-VN" sz="1400" i="1"/>
+                                    <a:rPr lang="vi-VN" sz="1400" i="1">
+                                      <a:latin typeface="Cambria Math" panose="02040503050406030204" pitchFamily="18" charset="0"/>
+                                    </a:rPr>
                                     <m:t>2</m:t>
                                   </m:r>
                                 </m:sup>
                               </m:sSubSup>
                               <m:r>
-                                <a:rPr lang="vi-VN" sz="1400" i="1"/>
+                                <a:rPr lang="vi-VN" sz="1400" i="1">
+                                  <a:latin typeface="Cambria Math" panose="02040503050406030204" pitchFamily="18" charset="0"/>
+                                </a:rPr>
                                 <m:t>+</m:t>
                               </m:r>
                               <m:sSubSup>
                                 <m:sSubSupPr>
                                   <m:ctrlPr>
-                                    <a:rPr lang="en-US" sz="1400" i="1"/>
+                                    <a:rPr lang="en-US" sz="1400" i="1">
+                                      <a:latin typeface="Cambria Math" panose="02040503050406030204" pitchFamily="18" charset="0"/>
+                                    </a:rPr>
                                   </m:ctrlPr>
                                 </m:sSubSupPr>
                                 <m:e>
                                   <m:r>
-                                    <a:rPr lang="vi-VN" sz="1400" i="1"/>
+                                    <a:rPr lang="vi-VN" sz="1400" i="1">
+                                      <a:latin typeface="Cambria Math" panose="02040503050406030204" pitchFamily="18" charset="0"/>
+                                    </a:rPr>
                                     <m:t>𝑝</m:t>
                                   </m:r>
                                 </m:e>
                                 <m:sub>
                                   <m:r>
-                                    <a:rPr lang="vi-VN" sz="1400" i="1"/>
+                                    <a:rPr lang="vi-VN" sz="1400" i="1">
+                                      <a:latin typeface="Cambria Math" panose="02040503050406030204" pitchFamily="18" charset="0"/>
+                                    </a:rPr>
                                     <m:t>1</m:t>
                                   </m:r>
                                 </m:sub>
                                 <m:sup>
                                   <m:r>
-                                    <a:rPr lang="vi-VN" sz="1400" i="1"/>
+                                    <a:rPr lang="vi-VN" sz="1400" i="1">
+                                      <a:latin typeface="Cambria Math" panose="02040503050406030204" pitchFamily="18" charset="0"/>
+                                    </a:rPr>
                                     <m:t>3</m:t>
                                   </m:r>
                                 </m:sup>
@@ -22393,101 +22600,135 @@
                             </m:num>
                             <m:den>
                               <m:r>
-                                <a:rPr lang="vi-VN" sz="1400" i="1"/>
+                                <a:rPr lang="vi-VN" sz="1400" i="1">
+                                  <a:latin typeface="Cambria Math" panose="02040503050406030204" pitchFamily="18" charset="0"/>
+                                </a:rPr>
                                 <m:t>3</m:t>
                               </m:r>
                             </m:den>
                           </m:f>
                           <m:r>
-                            <a:rPr lang="vi-VN" sz="1400" i="1"/>
+                            <a:rPr lang="vi-VN" sz="1400" i="1">
+                              <a:latin typeface="Cambria Math" panose="02040503050406030204" pitchFamily="18" charset="0"/>
+                            </a:rPr>
                             <m:t>, …,</m:t>
                           </m:r>
                           <m:f>
                             <m:fPr>
                               <m:ctrlPr>
-                                <a:rPr lang="en-US" sz="1400" i="1"/>
+                                <a:rPr lang="en-US" sz="1400" i="1">
+                                  <a:latin typeface="Cambria Math" panose="02040503050406030204" pitchFamily="18" charset="0"/>
+                                </a:rPr>
                               </m:ctrlPr>
                             </m:fPr>
                             <m:num>
                               <m:sSubSup>
                                 <m:sSubSupPr>
                                   <m:ctrlPr>
-                                    <a:rPr lang="en-US" sz="1400" i="1"/>
+                                    <a:rPr lang="en-US" sz="1400" i="1">
+                                      <a:latin typeface="Cambria Math" panose="02040503050406030204" pitchFamily="18" charset="0"/>
+                                    </a:rPr>
                                   </m:ctrlPr>
                                 </m:sSubSupPr>
                                 <m:e>
                                   <m:r>
-                                    <a:rPr lang="vi-VN" sz="1400" i="1"/>
+                                    <a:rPr lang="vi-VN" sz="1400" i="1">
+                                      <a:latin typeface="Cambria Math" panose="02040503050406030204" pitchFamily="18" charset="0"/>
+                                    </a:rPr>
                                     <m:t>𝑝</m:t>
                                   </m:r>
                                 </m:e>
                                 <m:sub>
                                   <m:r>
-                                    <a:rPr lang="vi-VN" sz="1400" i="1"/>
+                                    <a:rPr lang="vi-VN" sz="1400" i="1">
+                                      <a:latin typeface="Cambria Math" panose="02040503050406030204" pitchFamily="18" charset="0"/>
+                                    </a:rPr>
                                     <m:t>𝑛</m:t>
                                   </m:r>
                                 </m:sub>
                                 <m:sup>
                                   <m:r>
-                                    <a:rPr lang="vi-VN" sz="1400" i="1"/>
+                                    <a:rPr lang="vi-VN" sz="1400" i="1">
+                                      <a:latin typeface="Cambria Math" panose="02040503050406030204" pitchFamily="18" charset="0"/>
+                                    </a:rPr>
                                     <m:t>1</m:t>
                                   </m:r>
                                 </m:sup>
                               </m:sSubSup>
                               <m:r>
-                                <a:rPr lang="vi-VN" sz="1400" i="1"/>
+                                <a:rPr lang="vi-VN" sz="1400" i="1">
+                                  <a:latin typeface="Cambria Math" panose="02040503050406030204" pitchFamily="18" charset="0"/>
+                                </a:rPr>
                                 <m:t>+</m:t>
                               </m:r>
                               <m:sSubSup>
                                 <m:sSubSupPr>
                                   <m:ctrlPr>
-                                    <a:rPr lang="en-US" sz="1400" i="1"/>
+                                    <a:rPr lang="en-US" sz="1400" i="1">
+                                      <a:latin typeface="Cambria Math" panose="02040503050406030204" pitchFamily="18" charset="0"/>
+                                    </a:rPr>
                                   </m:ctrlPr>
                                 </m:sSubSupPr>
                                 <m:e>
                                   <m:r>
-                                    <a:rPr lang="vi-VN" sz="1400" i="1"/>
+                                    <a:rPr lang="vi-VN" sz="1400" i="1">
+                                      <a:latin typeface="Cambria Math" panose="02040503050406030204" pitchFamily="18" charset="0"/>
+                                    </a:rPr>
                                     <m:t>𝑝</m:t>
                                   </m:r>
                                 </m:e>
                                 <m:sub>
                                   <m:r>
-                                    <a:rPr lang="vi-VN" sz="1400" i="1"/>
+                                    <a:rPr lang="vi-VN" sz="1400" i="1">
+                                      <a:latin typeface="Cambria Math" panose="02040503050406030204" pitchFamily="18" charset="0"/>
+                                    </a:rPr>
                                     <m:t>𝑛</m:t>
                                   </m:r>
                                 </m:sub>
                                 <m:sup>
                                   <m:r>
-                                    <a:rPr lang="vi-VN" sz="1400" i="1"/>
+                                    <a:rPr lang="vi-VN" sz="1400" i="1">
+                                      <a:latin typeface="Cambria Math" panose="02040503050406030204" pitchFamily="18" charset="0"/>
+                                    </a:rPr>
                                     <m:t>2</m:t>
                                   </m:r>
                                 </m:sup>
                               </m:sSubSup>
                               <m:r>
-                                <a:rPr lang="vi-VN" sz="1400" i="1"/>
+                                <a:rPr lang="vi-VN" sz="1400" i="1">
+                                  <a:latin typeface="Cambria Math" panose="02040503050406030204" pitchFamily="18" charset="0"/>
+                                </a:rPr>
                                 <m:t>+</m:t>
                               </m:r>
                               <m:sSubSup>
                                 <m:sSubSupPr>
                                   <m:ctrlPr>
-                                    <a:rPr lang="en-US" sz="1400" i="1"/>
+                                    <a:rPr lang="en-US" sz="1400" i="1">
+                                      <a:latin typeface="Cambria Math" panose="02040503050406030204" pitchFamily="18" charset="0"/>
+                                    </a:rPr>
                                   </m:ctrlPr>
                                 </m:sSubSupPr>
                                 <m:e>
                                   <m:r>
-                                    <a:rPr lang="vi-VN" sz="1400" i="1"/>
+                                    <a:rPr lang="vi-VN" sz="1400" i="1">
+                                      <a:latin typeface="Cambria Math" panose="02040503050406030204" pitchFamily="18" charset="0"/>
+                                    </a:rPr>
                                     <m:t>𝑝</m:t>
                                   </m:r>
                                 </m:e>
                                 <m:sub>
                                   <m:r>
-                                    <a:rPr lang="vi-VN" sz="1400" i="1"/>
+                                    <a:rPr lang="vi-VN" sz="1400" i="1">
+                                      <a:latin typeface="Cambria Math" panose="02040503050406030204" pitchFamily="18" charset="0"/>
+                                    </a:rPr>
                                     <m:t>𝑛</m:t>
                                   </m:r>
                                 </m:sub>
                                 <m:sup>
                                   <m:r>
-                                    <a:rPr lang="vi-VN" sz="1400" i="1"/>
+                                    <a:rPr lang="vi-VN" sz="1400" i="1">
+                                      <a:latin typeface="Cambria Math" panose="02040503050406030204" pitchFamily="18" charset="0"/>
+                                    </a:rPr>
                                     <m:t>3</m:t>
                                   </m:r>
                                 </m:sup>
@@ -22495,7 +22736,9 @@
                             </m:num>
                             <m:den>
                               <m:r>
-                                <a:rPr lang="vi-VN" sz="1400" i="1"/>
+                                <a:rPr lang="vi-VN" sz="1400" i="1">
+                                  <a:latin typeface="Cambria Math" panose="02040503050406030204" pitchFamily="18" charset="0"/>
+                                </a:rPr>
                                 <m:t>3</m:t>
                               </m:r>
                             </m:den>
@@ -22516,7 +22759,7 @@
             </p:txBody>
           </p:sp>
         </mc:Choice>
-        <mc:Fallback>
+        <mc:Fallback xmlns="">
           <p:sp>
             <p:nvSpPr>
               <p:cNvPr id="5" name="Content Placeholder 17">

--- a/summary/thesis/thesis.pptx
+++ b/summary/thesis/thesis.pptx
@@ -289,7 +289,7 @@
           <a:p>
             <a:fld id="{80680FBE-A8DF-4758-9AC4-3A9E1039168F}" type="datetimeFigureOut">
               <a:rPr lang="en-US" smtClean="0"/>
-              <a:t>6/29/2018</a:t>
+              <a:t>7/8/2018</a:t>
             </a:fld>
             <a:endParaRPr lang="en-US"/>
           </a:p>
@@ -454,7 +454,7 @@
           <a:p>
             <a:fld id="{EC13577B-6902-467D-A26C-08A0DD5E4E03}" type="datetimeFigureOut">
               <a:rPr lang="en-US" smtClean="0"/>
-              <a:t>6/29/2018</a:t>
+              <a:t>7/8/2018</a:t>
             </a:fld>
             <a:endParaRPr lang="en-US"/>
           </a:p>
@@ -1846,7 +1846,7 @@
             <a:fld id="{8BEEBAAA-29B5-4AF5-BC5F-7E580C29002D}" type="datetimeFigureOut">
               <a:rPr lang="en-US" smtClean="0"/>
               <a:pPr/>
-              <a:t>6/29/2018</a:t>
+              <a:t>7/8/2018</a:t>
             </a:fld>
             <a:endParaRPr lang="en-US" dirty="0"/>
           </a:p>
@@ -2507,7 +2507,7 @@
             <a:fld id="{8BEEBAAA-29B5-4AF5-BC5F-7E580C29002D}" type="datetimeFigureOut">
               <a:rPr lang="en-US" smtClean="0"/>
               <a:pPr/>
-              <a:t>6/29/2018</a:t>
+              <a:t>7/8/2018</a:t>
             </a:fld>
             <a:endParaRPr lang="en-US" dirty="0"/>
           </a:p>
@@ -3507,7 +3507,7 @@
         </p:spPr>
         <p:txBody>
           <a:bodyPr vert="horz" lIns="91440" tIns="45720" rIns="91440" bIns="45720" rtlCol="0">
-            <a:normAutofit fontScale="92500" lnSpcReduction="20000"/>
+            <a:normAutofit fontScale="77500" lnSpcReduction="20000"/>
           </a:bodyPr>
           <a:lstStyle>
             <a:lvl1pPr marL="0" indent="0" algn="l" defTabSz="914400" rtl="0" eaLnBrk="1" latinLnBrk="0" hangingPunct="1">
@@ -3698,7 +3698,7 @@
             </a:lvl9pPr>
           </a:lstStyle>
           <a:p>
-            <a:endParaRPr lang="vi-VN" sz="2400" smtClean="0">
+            <a:endParaRPr lang="vi-VN" sz="2400" dirty="0" smtClean="0">
               <a:solidFill>
                 <a:schemeClr val="bg1"/>
               </a:solidFill>
@@ -3707,7 +3707,7 @@
           </a:p>
           <a:p>
             <a:r>
-              <a:rPr lang="vi-VN" sz="2400" smtClean="0">
+              <a:rPr lang="vi-VN" sz="2400" dirty="0" smtClean="0">
                 <a:solidFill>
                   <a:schemeClr val="bg1"/>
                 </a:solidFill>
@@ -3718,17 +3718,80 @@
           </a:p>
           <a:p>
             <a:r>
-              <a:rPr lang="vi-VN" sz="2400" smtClean="0">
+              <a:rPr lang="vi-VN" sz="2400" dirty="0" smtClean="0">
                 <a:solidFill>
                   <a:schemeClr val="bg1"/>
                 </a:solidFill>
                 <a:latin typeface="+mj-lt"/>
               </a:rPr>
-              <a:t>GVHD: Lê Đình Duy, Mai Tiến Dũng</a:t>
+              <a:t>GVHD: </a:t>
+            </a:r>
+            <a:r>
+              <a:rPr lang="en-US" sz="2400" dirty="0" smtClean="0">
+                <a:solidFill>
+                  <a:schemeClr val="bg1"/>
+                </a:solidFill>
+                <a:latin typeface="+mj-lt"/>
+              </a:rPr>
+              <a:t>TS.</a:t>
+            </a:r>
+            <a:r>
+              <a:rPr lang="vi-VN" sz="2400" dirty="0" smtClean="0">
+                <a:solidFill>
+                  <a:schemeClr val="bg1"/>
+                </a:solidFill>
+                <a:latin typeface="+mj-lt"/>
+              </a:rPr>
+              <a:t>Lê </a:t>
+            </a:r>
+            <a:r>
+              <a:rPr lang="vi-VN" sz="2400" dirty="0" smtClean="0">
+                <a:solidFill>
+                  <a:schemeClr val="bg1"/>
+                </a:solidFill>
+                <a:latin typeface="+mj-lt"/>
+              </a:rPr>
+              <a:t>Đình Duy, </a:t>
+            </a:r>
+            <a:r>
+              <a:rPr lang="en-US" sz="2400" dirty="0" err="1" smtClean="0">
+                <a:solidFill>
+                  <a:schemeClr val="bg1"/>
+                </a:solidFill>
+                <a:latin typeface="+mj-lt"/>
+              </a:rPr>
+              <a:t>Ths</a:t>
+            </a:r>
+            <a:r>
+              <a:rPr lang="en-US" sz="2400" dirty="0" smtClean="0">
+                <a:solidFill>
+                  <a:schemeClr val="bg1"/>
+                </a:solidFill>
+                <a:latin typeface="+mj-lt"/>
+              </a:rPr>
+              <a:t>.</a:t>
+            </a:r>
+            <a:r>
+              <a:rPr lang="vi-VN" sz="2400" dirty="0" smtClean="0">
+                <a:solidFill>
+                  <a:schemeClr val="bg1"/>
+                </a:solidFill>
+                <a:latin typeface="+mj-lt"/>
+              </a:rPr>
+              <a:t>Mai </a:t>
+            </a:r>
+            <a:r>
+              <a:rPr lang="vi-VN" sz="2400" dirty="0" smtClean="0">
+                <a:solidFill>
+                  <a:schemeClr val="bg1"/>
+                </a:solidFill>
+                <a:latin typeface="+mj-lt"/>
+              </a:rPr>
+              <a:t>Tiến Dũng</a:t>
             </a:r>
           </a:p>
           <a:p>
-            <a:endParaRPr lang="vi-VN" sz="2400">
+            <a:endParaRPr lang="vi-VN" sz="2400" dirty="0">
               <a:solidFill>
                 <a:schemeClr val="bg1"/>
               </a:solidFill>
@@ -15639,15 +15702,12 @@
             <a:pPr marL="0" indent="0">
               <a:buNone/>
             </a:pPr>
-            <a:r>
-              <a:rPr lang="en-US" sz="2400" dirty="0">
-                <a:solidFill>
-                  <a:schemeClr val="bg1"/>
-                </a:solidFill>
-                <a:latin typeface="+mj-lt"/>
-              </a:rPr>
-              <a:t>Don’t read this line, this is just a subtitle. :p</a:t>
-            </a:r>
+            <a:endParaRPr lang="en-US" sz="2400" dirty="0">
+              <a:solidFill>
+                <a:schemeClr val="bg1"/>
+              </a:solidFill>
+              <a:latin typeface="+mj-lt"/>
+            </a:endParaRPr>
           </a:p>
         </p:txBody>
       </p:sp>
@@ -15868,23 +15928,29 @@
           </a:lstStyle>
           <a:p>
             <a:r>
-              <a:rPr lang="en-US" sz="2400" b="1" strike="sngStrike" dirty="0">
+              <a:rPr lang="en-US" sz="2400" b="1" dirty="0">
                 <a:solidFill>
                   <a:schemeClr val="bg1"/>
                 </a:solidFill>
                 <a:latin typeface="+mj-lt"/>
               </a:rPr>
-              <a:t>Computer</a:t>
-            </a:r>
-            <a:r>
-              <a:rPr lang="en-US" sz="2400" b="1" dirty="0">
+              <a:t>Computer </a:t>
+            </a:r>
+            <a:r>
+              <a:rPr lang="en-US" sz="2400" b="1" dirty="0" smtClean="0">
                 <a:solidFill>
                   <a:schemeClr val="bg1"/>
                 </a:solidFill>
                 <a:latin typeface="+mj-lt"/>
               </a:rPr>
-              <a:t> My Vision</a:t>
-            </a:r>
+              <a:t>Vision</a:t>
+            </a:r>
+            <a:endParaRPr lang="en-US" sz="2400" b="1" dirty="0">
+              <a:solidFill>
+                <a:schemeClr val="bg1"/>
+              </a:solidFill>
+              <a:latin typeface="+mj-lt"/>
+            </a:endParaRPr>
           </a:p>
         </p:txBody>
       </p:sp>

--- a/summary/thesis/thesis.pptx
+++ b/summary/thesis/thesis.pptx
@@ -5,10 +5,10 @@
     <p:sldMasterId id="2147483660" r:id="rId1"/>
   </p:sldMasterIdLst>
   <p:notesMasterIdLst>
-    <p:notesMasterId r:id="rId27"/>
+    <p:notesMasterId r:id="rId28"/>
   </p:notesMasterIdLst>
   <p:handoutMasterIdLst>
-    <p:handoutMasterId r:id="rId28"/>
+    <p:handoutMasterId r:id="rId29"/>
   </p:handoutMasterIdLst>
   <p:sldIdLst>
     <p:sldId id="256" r:id="rId2"/>
@@ -27,15 +27,16 @@
     <p:sldId id="302" r:id="rId15"/>
     <p:sldId id="298" r:id="rId16"/>
     <p:sldId id="303" r:id="rId17"/>
-    <p:sldId id="306" r:id="rId18"/>
-    <p:sldId id="305" r:id="rId19"/>
-    <p:sldId id="307" r:id="rId20"/>
-    <p:sldId id="308" r:id="rId21"/>
-    <p:sldId id="309" r:id="rId22"/>
-    <p:sldId id="310" r:id="rId23"/>
-    <p:sldId id="290" r:id="rId24"/>
-    <p:sldId id="282" r:id="rId25"/>
-    <p:sldId id="286" r:id="rId26"/>
+    <p:sldId id="311" r:id="rId18"/>
+    <p:sldId id="312" r:id="rId19"/>
+    <p:sldId id="306" r:id="rId20"/>
+    <p:sldId id="305" r:id="rId21"/>
+    <p:sldId id="307" r:id="rId22"/>
+    <p:sldId id="308" r:id="rId23"/>
+    <p:sldId id="309" r:id="rId24"/>
+    <p:sldId id="310" r:id="rId25"/>
+    <p:sldId id="282" r:id="rId26"/>
+    <p:sldId id="286" r:id="rId27"/>
   </p:sldIdLst>
   <p:sldSz cx="12192000" cy="6858000"/>
   <p:notesSz cx="6858000" cy="9144000"/>
@@ -159,6 +160,8 @@
             <p14:sldId id="302"/>
             <p14:sldId id="298"/>
             <p14:sldId id="303"/>
+            <p14:sldId id="311"/>
+            <p14:sldId id="312"/>
             <p14:sldId id="306"/>
             <p14:sldId id="305"/>
             <p14:sldId id="307"/>
@@ -169,7 +172,6 @@
         </p14:section>
         <p14:section name="Ending" id="{2CC34DB2-6590-42C0-AD4B-A04C6060184E}">
           <p14:sldIdLst>
-            <p14:sldId id="290"/>
             <p14:sldId id="282"/>
             <p14:sldId id="286"/>
           </p14:sldIdLst>
@@ -289,7 +291,7 @@
           <a:p>
             <a:fld id="{80680FBE-A8DF-4758-9AC4-3A9E1039168F}" type="datetimeFigureOut">
               <a:rPr lang="en-US" smtClean="0"/>
-              <a:t>7/8/2018</a:t>
+              <a:t>7/25/2018</a:t>
             </a:fld>
             <a:endParaRPr lang="en-US"/>
           </a:p>
@@ -454,7 +456,7 @@
           <a:p>
             <a:fld id="{EC13577B-6902-467D-A26C-08A0DD5E4E03}" type="datetimeFigureOut">
               <a:rPr lang="en-US" smtClean="0"/>
-              <a:t>7/8/2018</a:t>
+              <a:t>7/25/2018</a:t>
             </a:fld>
             <a:endParaRPr lang="en-US"/>
           </a:p>
@@ -1299,7 +1301,7 @@
           <a:p>
             <a:fld id="{DF61EA0F-A667-4B49-8422-0062BC55E249}" type="slidenum">
               <a:rPr lang="en-US" smtClean="0"/>
-              <a:t>24</a:t>
+              <a:t>25</a:t>
             </a:fld>
             <a:endParaRPr lang="en-US"/>
           </a:p>
@@ -1388,7 +1390,7 @@
           <a:p>
             <a:fld id="{DF61EA0F-A667-4B49-8422-0062BC55E249}" type="slidenum">
               <a:rPr lang="en-US" smtClean="0"/>
-              <a:t>25</a:t>
+              <a:t>26</a:t>
             </a:fld>
             <a:endParaRPr lang="en-US"/>
           </a:p>
@@ -1846,7 +1848,7 @@
             <a:fld id="{8BEEBAAA-29B5-4AF5-BC5F-7E580C29002D}" type="datetimeFigureOut">
               <a:rPr lang="en-US" smtClean="0"/>
               <a:pPr/>
-              <a:t>7/8/2018</a:t>
+              <a:t>7/25/2018</a:t>
             </a:fld>
             <a:endParaRPr lang="en-US" dirty="0"/>
           </a:p>
@@ -2507,7 +2509,7 @@
             <a:fld id="{8BEEBAAA-29B5-4AF5-BC5F-7E580C29002D}" type="datetimeFigureOut">
               <a:rPr lang="en-US" smtClean="0"/>
               <a:pPr/>
-              <a:t>7/8/2018</a:t>
+              <a:t>7/25/2018</a:t>
             </a:fld>
             <a:endParaRPr lang="en-US" dirty="0"/>
           </a:p>
@@ -3742,25 +3744,16 @@
                 </a:solidFill>
                 <a:latin typeface="+mj-lt"/>
               </a:rPr>
-              <a:t>Lê </a:t>
-            </a:r>
-            <a:r>
-              <a:rPr lang="vi-VN" sz="2400" dirty="0" smtClean="0">
+              <a:t>Lê Đình Duy, </a:t>
+            </a:r>
+            <a:r>
+              <a:rPr lang="en-US" sz="2400" dirty="0" err="1" smtClean="0">
                 <a:solidFill>
                   <a:schemeClr val="bg1"/>
                 </a:solidFill>
                 <a:latin typeface="+mj-lt"/>
               </a:rPr>
-              <a:t>Đình Duy, </a:t>
-            </a:r>
-            <a:r>
-              <a:rPr lang="en-US" sz="2400" dirty="0" err="1" smtClean="0">
-                <a:solidFill>
-                  <a:schemeClr val="bg1"/>
-                </a:solidFill>
-                <a:latin typeface="+mj-lt"/>
-              </a:rPr>
-              <a:t>Ths</a:t>
+              <a:t>ThS</a:t>
             </a:r>
             <a:r>
               <a:rPr lang="en-US" sz="2400" dirty="0" smtClean="0">
@@ -3778,16 +3771,7 @@
                 </a:solidFill>
                 <a:latin typeface="+mj-lt"/>
               </a:rPr>
-              <a:t>Mai </a:t>
-            </a:r>
-            <a:r>
-              <a:rPr lang="vi-VN" sz="2400" dirty="0" smtClean="0">
-                <a:solidFill>
-                  <a:schemeClr val="bg1"/>
-                </a:solidFill>
-                <a:latin typeface="+mj-lt"/>
-              </a:rPr>
-              <a:t>Tiến Dũng</a:t>
+              <a:t>Mai Tiến Dũng</a:t>
             </a:r>
           </a:p>
           <a:p>
@@ -7667,7 +7651,21 @@
                 <a:latin typeface="Segoe UI" panose="020B0502040204020203" pitchFamily="34" charset="0"/>
                 <a:cs typeface="Segoe UI" panose="020B0502040204020203" pitchFamily="34" charset="0"/>
               </a:rPr>
-              <a:t>uses average classification accuracy.</a:t>
+              <a:t>uses </a:t>
+            </a:r>
+            <a:r>
+              <a:rPr lang="en-US" sz="1400" dirty="0" smtClean="0">
+                <a:latin typeface="Segoe UI" panose="020B0502040204020203" pitchFamily="34" charset="0"/>
+                <a:cs typeface="Segoe UI" panose="020B0502040204020203" pitchFamily="34" charset="0"/>
+              </a:rPr>
+              <a:t>mean </a:t>
+            </a:r>
+            <a:r>
+              <a:rPr lang="en-US" sz="1400" dirty="0">
+                <a:latin typeface="Segoe UI" panose="020B0502040204020203" pitchFamily="34" charset="0"/>
+                <a:cs typeface="Segoe UI" panose="020B0502040204020203" pitchFamily="34" charset="0"/>
+              </a:rPr>
+              <a:t>classification accuracy.</a:t>
             </a:r>
             <a:endParaRPr lang="vi-VN" sz="1400" dirty="0" smtClean="0">
               <a:latin typeface="Segoe UI" panose="020B0502040204020203" pitchFamily="34" charset="0"/>
@@ -9600,7 +9598,11 @@
             </a:r>
             <a:r>
               <a:rPr lang="en-US" sz="1400" dirty="0" smtClean="0"/>
-              <a:t>Classification result on GTOS dataset</a:t>
+              <a:t>Classification result on GTOS </a:t>
+            </a:r>
+            <a:r>
+              <a:rPr lang="en-US" sz="1400" dirty="0" smtClean="0"/>
+              <a:t>dataset (%)</a:t>
             </a:r>
             <a:endParaRPr lang="en-US" sz="1400" dirty="0"/>
           </a:p>
@@ -10312,7 +10314,11 @@
             </a:r>
             <a:r>
               <a:rPr lang="en-US" sz="1400" dirty="0" smtClean="0"/>
-              <a:t>Classification result on FMD dataset</a:t>
+              <a:t>Classification result on FMD </a:t>
+            </a:r>
+            <a:r>
+              <a:rPr lang="en-US" sz="1400" dirty="0" smtClean="0"/>
+              <a:t>dataset (%)</a:t>
             </a:r>
             <a:endParaRPr lang="en-US" sz="1400" dirty="0"/>
           </a:p>
@@ -10397,6 +10403,300 @@
         </p:nvSpPr>
         <p:spPr>
           <a:xfrm>
+            <a:off x="4631790" y="5682406"/>
+            <a:ext cx="5533072" cy="307777"/>
+          </a:xfrm>
+          <a:prstGeom prst="rect">
+            <a:avLst/>
+          </a:prstGeom>
+        </p:spPr>
+        <p:txBody>
+          <a:bodyPr wrap="square">
+            <a:spAutoFit/>
+          </a:bodyPr>
+          <a:lstStyle/>
+          <a:p>
+            <a:r>
+              <a:rPr lang="vi-VN" sz="1400" b="1" dirty="0" smtClean="0"/>
+              <a:t>Figure</a:t>
+            </a:r>
+            <a:r>
+              <a:rPr lang="en-US" sz="1400" b="1" dirty="0" smtClean="0"/>
+              <a:t> 1.</a:t>
+            </a:r>
+            <a:r>
+              <a:rPr lang="vi-VN" sz="1400" b="1" dirty="0" smtClean="0"/>
+              <a:t> </a:t>
+            </a:r>
+            <a:r>
+              <a:rPr lang="en-US" sz="1400" dirty="0" smtClean="0"/>
+              <a:t>Result</a:t>
+            </a:r>
+            <a:r>
+              <a:rPr lang="en-US" sz="1400" dirty="0" smtClean="0"/>
+              <a:t> </a:t>
+            </a:r>
+            <a:r>
+              <a:rPr lang="en-US" sz="1400" dirty="0" smtClean="0"/>
+              <a:t>on </a:t>
+            </a:r>
+            <a:r>
+              <a:rPr lang="en-US" sz="1400" dirty="0" smtClean="0"/>
+              <a:t>GTOS dataset</a:t>
+            </a:r>
+            <a:endParaRPr lang="en-US" sz="1400" dirty="0"/>
+          </a:p>
+        </p:txBody>
+      </p:sp>
+      <p:pic>
+        <p:nvPicPr>
+          <p:cNvPr id="5" name="Picture 4"/>
+          <p:cNvPicPr/>
+          <p:nvPr/>
+        </p:nvPicPr>
+        <p:blipFill>
+          <a:blip r:embed="rId2"/>
+          <a:stretch>
+            <a:fillRect/>
+          </a:stretch>
+        </p:blipFill>
+        <p:spPr>
+          <a:xfrm>
+            <a:off x="1739081" y="1694577"/>
+            <a:ext cx="8624120" cy="3842686"/>
+          </a:xfrm>
+          <a:prstGeom prst="rect">
+            <a:avLst/>
+          </a:prstGeom>
+          <a:ln w="3175">
+            <a:solidFill>
+              <a:schemeClr val="tx1"/>
+            </a:solidFill>
+          </a:ln>
+        </p:spPr>
+      </p:pic>
+    </p:spTree>
+    <p:extLst>
+      <p:ext uri="{BB962C8B-B14F-4D97-AF65-F5344CB8AC3E}">
+        <p14:creationId xmlns:p14="http://schemas.microsoft.com/office/powerpoint/2010/main" val="1042090993"/>
+      </p:ext>
+    </p:extLst>
+  </p:cSld>
+  <p:clrMapOvr>
+    <a:masterClrMapping/>
+  </p:clrMapOvr>
+  <mc:AlternateContent xmlns:mc="http://schemas.openxmlformats.org/markup-compatibility/2006" xmlns:p15="http://schemas.microsoft.com/office/powerpoint/2012/main">
+    <mc:Choice Requires="p15">
+      <p:transition xmlns:p14="http://schemas.microsoft.com/office/powerpoint/2010/main" spd="slow" p14:dur="2000">
+        <p15:prstTrans prst="drape"/>
+      </p:transition>
+    </mc:Choice>
+    <mc:Fallback xmlns="">
+      <p:transition spd="slow">
+        <p:fade/>
+      </p:transition>
+    </mc:Fallback>
+  </mc:AlternateContent>
+</p:sld>
+</file>
+
+<file path=ppt/slides/slide18.xml><?xml version="1.0" encoding="utf-8"?>
+<p:sld xmlns:a="http://schemas.openxmlformats.org/drawingml/2006/main" xmlns:r="http://schemas.openxmlformats.org/officeDocument/2006/relationships" xmlns:p="http://schemas.openxmlformats.org/presentationml/2006/main">
+  <p:cSld>
+    <p:spTree>
+      <p:nvGrpSpPr>
+        <p:cNvPr id="1" name=""/>
+        <p:cNvGrpSpPr/>
+        <p:nvPr/>
+      </p:nvGrpSpPr>
+      <p:grpSpPr>
+        <a:xfrm>
+          <a:off x="0" y="0"/>
+          <a:ext cx="0" cy="0"/>
+          <a:chOff x="0" y="0"/>
+          <a:chExt cx="0" cy="0"/>
+        </a:xfrm>
+      </p:grpSpPr>
+      <p:sp>
+        <p:nvSpPr>
+          <p:cNvPr id="3" name="Title 2"/>
+          <p:cNvSpPr>
+            <a:spLocks noGrp="1"/>
+          </p:cNvSpPr>
+          <p:nvPr>
+            <p:ph type="title"/>
+          </p:nvPr>
+        </p:nvSpPr>
+        <p:spPr/>
+        <p:txBody>
+          <a:bodyPr/>
+          <a:lstStyle/>
+          <a:p>
+            <a:r>
+              <a:rPr lang="vi-VN" b="1" dirty="0" smtClean="0">
+                <a:latin typeface="Segoe UI Light" panose="020B0502040204020203" pitchFamily="34" charset="0"/>
+                <a:cs typeface="Segoe UI Light" panose="020B0502040204020203" pitchFamily="34" charset="0"/>
+              </a:rPr>
+              <a:t>Evaluation</a:t>
+            </a:r>
+            <a:endParaRPr lang="en-US" b="1" dirty="0">
+              <a:latin typeface="Segoe UI Light" panose="020B0502040204020203" pitchFamily="34" charset="0"/>
+              <a:cs typeface="Segoe UI Light" panose="020B0502040204020203" pitchFamily="34" charset="0"/>
+            </a:endParaRPr>
+          </a:p>
+        </p:txBody>
+      </p:sp>
+      <p:sp>
+        <p:nvSpPr>
+          <p:cNvPr id="7" name="Rectangle 6"/>
+          <p:cNvSpPr/>
+          <p:nvPr/>
+        </p:nvSpPr>
+        <p:spPr>
+          <a:xfrm>
+            <a:off x="4075881" y="5782300"/>
+            <a:ext cx="5533072" cy="307777"/>
+          </a:xfrm>
+          <a:prstGeom prst="rect">
+            <a:avLst/>
+          </a:prstGeom>
+        </p:spPr>
+        <p:txBody>
+          <a:bodyPr wrap="square">
+            <a:spAutoFit/>
+          </a:bodyPr>
+          <a:lstStyle/>
+          <a:p>
+            <a:r>
+              <a:rPr lang="vi-VN" sz="1400" b="1" dirty="0" smtClean="0"/>
+              <a:t>Figure</a:t>
+            </a:r>
+            <a:r>
+              <a:rPr lang="en-US" sz="1400" b="1" dirty="0" smtClean="0"/>
+              <a:t> 1.</a:t>
+            </a:r>
+            <a:r>
+              <a:rPr lang="vi-VN" sz="1400" b="1" dirty="0" smtClean="0"/>
+              <a:t> </a:t>
+            </a:r>
+            <a:r>
+              <a:rPr lang="en-US" sz="1400" dirty="0" smtClean="0"/>
+              <a:t>Result </a:t>
+            </a:r>
+            <a:r>
+              <a:rPr lang="en-US" sz="1400" dirty="0" smtClean="0"/>
+              <a:t>on FMD dataset</a:t>
+            </a:r>
+            <a:endParaRPr lang="en-US" sz="1400" dirty="0"/>
+          </a:p>
+        </p:txBody>
+      </p:sp>
+      <p:pic>
+        <p:nvPicPr>
+          <p:cNvPr id="5" name="Picture 4"/>
+          <p:cNvPicPr/>
+          <p:nvPr/>
+        </p:nvPicPr>
+        <p:blipFill>
+          <a:blip r:embed="rId2"/>
+          <a:stretch>
+            <a:fillRect/>
+          </a:stretch>
+        </p:blipFill>
+        <p:spPr>
+          <a:xfrm>
+            <a:off x="1364343" y="1567544"/>
+            <a:ext cx="9332686" cy="3991428"/>
+          </a:xfrm>
+          <a:prstGeom prst="rect">
+            <a:avLst/>
+          </a:prstGeom>
+          <a:ln w="3175">
+            <a:solidFill>
+              <a:schemeClr val="tx1"/>
+            </a:solidFill>
+          </a:ln>
+        </p:spPr>
+      </p:pic>
+    </p:spTree>
+    <p:extLst>
+      <p:ext uri="{BB962C8B-B14F-4D97-AF65-F5344CB8AC3E}">
+        <p14:creationId xmlns:p14="http://schemas.microsoft.com/office/powerpoint/2010/main" val="388373931"/>
+      </p:ext>
+    </p:extLst>
+  </p:cSld>
+  <p:clrMapOvr>
+    <a:masterClrMapping/>
+  </p:clrMapOvr>
+  <mc:AlternateContent xmlns:mc="http://schemas.openxmlformats.org/markup-compatibility/2006" xmlns:p15="http://schemas.microsoft.com/office/powerpoint/2012/main">
+    <mc:Choice Requires="p15">
+      <p:transition xmlns:p14="http://schemas.microsoft.com/office/powerpoint/2010/main" spd="slow" p14:dur="2000">
+        <p15:prstTrans prst="drape"/>
+      </p:transition>
+    </mc:Choice>
+    <mc:Fallback xmlns="">
+      <p:transition spd="slow">
+        <p:fade/>
+      </p:transition>
+    </mc:Fallback>
+  </mc:AlternateContent>
+</p:sld>
+</file>
+
+<file path=ppt/slides/slide19.xml><?xml version="1.0" encoding="utf-8"?>
+<p:sld xmlns:a="http://schemas.openxmlformats.org/drawingml/2006/main" xmlns:r="http://schemas.openxmlformats.org/officeDocument/2006/relationships" xmlns:p="http://schemas.openxmlformats.org/presentationml/2006/main">
+  <p:cSld>
+    <p:spTree>
+      <p:nvGrpSpPr>
+        <p:cNvPr id="1" name=""/>
+        <p:cNvGrpSpPr/>
+        <p:nvPr/>
+      </p:nvGrpSpPr>
+      <p:grpSpPr>
+        <a:xfrm>
+          <a:off x="0" y="0"/>
+          <a:ext cx="0" cy="0"/>
+          <a:chOff x="0" y="0"/>
+          <a:chExt cx="0" cy="0"/>
+        </a:xfrm>
+      </p:grpSpPr>
+      <p:sp>
+        <p:nvSpPr>
+          <p:cNvPr id="3" name="Title 2"/>
+          <p:cNvSpPr>
+            <a:spLocks noGrp="1"/>
+          </p:cNvSpPr>
+          <p:nvPr>
+            <p:ph type="title"/>
+          </p:nvPr>
+        </p:nvSpPr>
+        <p:spPr/>
+        <p:txBody>
+          <a:bodyPr/>
+          <a:lstStyle/>
+          <a:p>
+            <a:r>
+              <a:rPr lang="vi-VN" b="1" dirty="0" smtClean="0">
+                <a:latin typeface="Segoe UI Light" panose="020B0502040204020203" pitchFamily="34" charset="0"/>
+                <a:cs typeface="Segoe UI Light" panose="020B0502040204020203" pitchFamily="34" charset="0"/>
+              </a:rPr>
+              <a:t>Evaluation</a:t>
+            </a:r>
+            <a:endParaRPr lang="en-US" b="1" dirty="0">
+              <a:latin typeface="Segoe UI Light" panose="020B0502040204020203" pitchFamily="34" charset="0"/>
+              <a:cs typeface="Segoe UI Light" panose="020B0502040204020203" pitchFamily="34" charset="0"/>
+            </a:endParaRPr>
+          </a:p>
+        </p:txBody>
+      </p:sp>
+      <p:sp>
+        <p:nvSpPr>
+          <p:cNvPr id="7" name="Rectangle 6"/>
+          <p:cNvSpPr/>
+          <p:nvPr/>
+        </p:nvSpPr>
+        <p:spPr>
+          <a:xfrm>
             <a:off x="3135993" y="4681102"/>
             <a:ext cx="5877378" cy="738664"/>
           </a:xfrm>
@@ -10480,7 +10780,2568 @@
 </p:sld>
 </file>
 
-<file path=ppt/slides/slide18.xml><?xml version="1.0" encoding="utf-8"?>
+<file path=ppt/slides/slide2.xml><?xml version="1.0" encoding="utf-8"?>
+<p:sld xmlns:a="http://schemas.openxmlformats.org/drawingml/2006/main" xmlns:r="http://schemas.openxmlformats.org/officeDocument/2006/relationships" xmlns:p="http://schemas.openxmlformats.org/presentationml/2006/main">
+  <p:cSld>
+    <p:spTree>
+      <p:nvGrpSpPr>
+        <p:cNvPr id="1" name=""/>
+        <p:cNvGrpSpPr/>
+        <p:nvPr/>
+      </p:nvGrpSpPr>
+      <p:grpSpPr>
+        <a:xfrm>
+          <a:off x="0" y="0"/>
+          <a:ext cx="0" cy="0"/>
+          <a:chOff x="0" y="0"/>
+          <a:chExt cx="0" cy="0"/>
+        </a:xfrm>
+      </p:grpSpPr>
+      <p:sp>
+        <p:nvSpPr>
+          <p:cNvPr id="4" name="Title 3"/>
+          <p:cNvSpPr>
+            <a:spLocks noGrp="1"/>
+          </p:cNvSpPr>
+          <p:nvPr>
+            <p:ph type="title"/>
+          </p:nvPr>
+        </p:nvSpPr>
+        <p:spPr/>
+        <p:txBody>
+          <a:bodyPr>
+            <a:normAutofit/>
+          </a:bodyPr>
+          <a:lstStyle/>
+          <a:p>
+            <a:r>
+              <a:rPr lang="en-US" b="1" dirty="0">
+                <a:latin typeface="Segoe UI Light" panose="020B0502040204020203" pitchFamily="34" charset="0"/>
+                <a:cs typeface="Segoe UI Light" panose="020B0502040204020203" pitchFamily="34" charset="0"/>
+              </a:rPr>
+              <a:t>Contents</a:t>
+            </a:r>
+          </a:p>
+        </p:txBody>
+      </p:sp>
+      <p:sp>
+        <p:nvSpPr>
+          <p:cNvPr id="25" name="Content Placeholder 17"/>
+          <p:cNvSpPr txBox="1">
+            <a:spLocks/>
+          </p:cNvSpPr>
+          <p:nvPr/>
+        </p:nvSpPr>
+        <p:spPr>
+          <a:xfrm>
+            <a:off x="541609" y="1455491"/>
+            <a:ext cx="5110161" cy="471149"/>
+          </a:xfrm>
+          <a:prstGeom prst="rect">
+            <a:avLst/>
+          </a:prstGeom>
+        </p:spPr>
+        <p:txBody>
+          <a:bodyPr vert="horz" lIns="91440" tIns="45720" rIns="91440" bIns="45720" rtlCol="0">
+            <a:normAutofit/>
+          </a:bodyPr>
+          <a:lstStyle>
+            <a:lvl1pPr marL="228600" indent="-228600" algn="l" defTabSz="914400" rtl="0" eaLnBrk="1" latinLnBrk="0" hangingPunct="1">
+              <a:lnSpc>
+                <a:spcPts val="1800"/>
+              </a:lnSpc>
+              <a:spcBef>
+                <a:spcPts val="1000"/>
+              </a:spcBef>
+              <a:spcAft>
+                <a:spcPts val="1000"/>
+              </a:spcAft>
+              <a:buFont typeface="Arial" panose="020B0604020202020204" pitchFamily="34" charset="0"/>
+              <a:buChar char="•"/>
+              <a:defRPr lang="en-US" sz="1200" kern="1200" smtClean="0">
+                <a:solidFill>
+                  <a:schemeClr val="tx1">
+                    <a:lumMod val="75000"/>
+                    <a:lumOff val="25000"/>
+                  </a:schemeClr>
+                </a:solidFill>
+                <a:latin typeface="+mn-lt"/>
+                <a:ea typeface="+mn-ea"/>
+                <a:cs typeface="+mn-cs"/>
+              </a:defRPr>
+            </a:lvl1pPr>
+            <a:lvl2pPr marL="685800" indent="-228600" algn="l" defTabSz="914400" rtl="0" eaLnBrk="1" latinLnBrk="0" hangingPunct="1">
+              <a:lnSpc>
+                <a:spcPts val="1800"/>
+              </a:lnSpc>
+              <a:spcBef>
+                <a:spcPts val="1000"/>
+              </a:spcBef>
+              <a:spcAft>
+                <a:spcPts val="1000"/>
+              </a:spcAft>
+              <a:buFont typeface="Arial" panose="020B0604020202020204" pitchFamily="34" charset="0"/>
+              <a:buChar char="•"/>
+              <a:defRPr lang="en-US" sz="1200" kern="1200" smtClean="0">
+                <a:solidFill>
+                  <a:schemeClr val="tx1">
+                    <a:lumMod val="75000"/>
+                    <a:lumOff val="25000"/>
+                  </a:schemeClr>
+                </a:solidFill>
+                <a:latin typeface="+mn-lt"/>
+                <a:ea typeface="+mn-ea"/>
+                <a:cs typeface="+mn-cs"/>
+              </a:defRPr>
+            </a:lvl2pPr>
+            <a:lvl3pPr marL="1143000" indent="-228600" algn="l" defTabSz="914400" rtl="0" eaLnBrk="1" latinLnBrk="0" hangingPunct="1">
+              <a:lnSpc>
+                <a:spcPts val="1800"/>
+              </a:lnSpc>
+              <a:spcBef>
+                <a:spcPts val="1000"/>
+              </a:spcBef>
+              <a:spcAft>
+                <a:spcPts val="1000"/>
+              </a:spcAft>
+              <a:buFont typeface="Arial" panose="020B0604020202020204" pitchFamily="34" charset="0"/>
+              <a:buChar char="•"/>
+              <a:defRPr lang="en-US" sz="1200" kern="1200" smtClean="0">
+                <a:solidFill>
+                  <a:schemeClr val="tx1">
+                    <a:lumMod val="75000"/>
+                    <a:lumOff val="25000"/>
+                  </a:schemeClr>
+                </a:solidFill>
+                <a:latin typeface="+mn-lt"/>
+                <a:ea typeface="+mn-ea"/>
+                <a:cs typeface="+mn-cs"/>
+              </a:defRPr>
+            </a:lvl3pPr>
+            <a:lvl4pPr marL="1600200" indent="-228600" algn="l" defTabSz="914400" rtl="0" eaLnBrk="1" latinLnBrk="0" hangingPunct="1">
+              <a:lnSpc>
+                <a:spcPts val="1800"/>
+              </a:lnSpc>
+              <a:spcBef>
+                <a:spcPts val="1000"/>
+              </a:spcBef>
+              <a:spcAft>
+                <a:spcPts val="1000"/>
+              </a:spcAft>
+              <a:buFont typeface="Arial" panose="020B0604020202020204" pitchFamily="34" charset="0"/>
+              <a:buChar char="•"/>
+              <a:defRPr lang="en-US" sz="1200" kern="1200" smtClean="0">
+                <a:solidFill>
+                  <a:schemeClr val="tx1">
+                    <a:lumMod val="75000"/>
+                    <a:lumOff val="25000"/>
+                  </a:schemeClr>
+                </a:solidFill>
+                <a:latin typeface="+mn-lt"/>
+                <a:ea typeface="+mn-ea"/>
+                <a:cs typeface="+mn-cs"/>
+              </a:defRPr>
+            </a:lvl4pPr>
+            <a:lvl5pPr marL="2057400" indent="-228600" algn="l" defTabSz="914400" rtl="0" eaLnBrk="1" latinLnBrk="0" hangingPunct="1">
+              <a:lnSpc>
+                <a:spcPts val="1800"/>
+              </a:lnSpc>
+              <a:spcBef>
+                <a:spcPts val="1000"/>
+              </a:spcBef>
+              <a:spcAft>
+                <a:spcPts val="1000"/>
+              </a:spcAft>
+              <a:buFont typeface="Arial" panose="020B0604020202020204" pitchFamily="34" charset="0"/>
+              <a:buChar char="•"/>
+              <a:defRPr lang="en-US" sz="1200" kern="1200">
+                <a:solidFill>
+                  <a:schemeClr val="tx1">
+                    <a:lumMod val="75000"/>
+                    <a:lumOff val="25000"/>
+                  </a:schemeClr>
+                </a:solidFill>
+                <a:latin typeface="+mn-lt"/>
+                <a:ea typeface="+mn-ea"/>
+                <a:cs typeface="+mn-cs"/>
+              </a:defRPr>
+            </a:lvl5pPr>
+            <a:lvl6pPr marL="2514600" indent="-228600" algn="l" defTabSz="914400" rtl="0" eaLnBrk="1" latinLnBrk="0" hangingPunct="1">
+              <a:lnSpc>
+                <a:spcPct val="90000"/>
+              </a:lnSpc>
+              <a:spcBef>
+                <a:spcPct val="30000"/>
+              </a:spcBef>
+              <a:buFont typeface="Arial" panose="020B0604020202020204" pitchFamily="34" charset="0"/>
+              <a:buChar char="•"/>
+              <a:defRPr sz="1800" kern="1200">
+                <a:solidFill>
+                  <a:schemeClr val="tx1"/>
+                </a:solidFill>
+                <a:latin typeface="+mn-lt"/>
+                <a:ea typeface="+mn-ea"/>
+                <a:cs typeface="+mn-cs"/>
+              </a:defRPr>
+            </a:lvl6pPr>
+            <a:lvl7pPr marL="2971800" indent="-228600" algn="l" defTabSz="914400" rtl="0" eaLnBrk="1" latinLnBrk="0" hangingPunct="1">
+              <a:lnSpc>
+                <a:spcPct val="90000"/>
+              </a:lnSpc>
+              <a:spcBef>
+                <a:spcPct val="30000"/>
+              </a:spcBef>
+              <a:buFont typeface="Arial" panose="020B0604020202020204" pitchFamily="34" charset="0"/>
+              <a:buChar char="•"/>
+              <a:defRPr sz="1800" kern="1200">
+                <a:solidFill>
+                  <a:schemeClr val="tx1"/>
+                </a:solidFill>
+                <a:latin typeface="+mn-lt"/>
+                <a:ea typeface="+mn-ea"/>
+                <a:cs typeface="+mn-cs"/>
+              </a:defRPr>
+            </a:lvl7pPr>
+            <a:lvl8pPr marL="3429000" indent="-228600" algn="l" defTabSz="914400" rtl="0" eaLnBrk="1" latinLnBrk="0" hangingPunct="1">
+              <a:lnSpc>
+                <a:spcPct val="90000"/>
+              </a:lnSpc>
+              <a:spcBef>
+                <a:spcPct val="30000"/>
+              </a:spcBef>
+              <a:buFont typeface="Arial" panose="020B0604020202020204" pitchFamily="34" charset="0"/>
+              <a:buChar char="•"/>
+              <a:defRPr sz="1800" kern="1200">
+                <a:solidFill>
+                  <a:schemeClr val="tx1"/>
+                </a:solidFill>
+                <a:latin typeface="+mn-lt"/>
+                <a:ea typeface="+mn-ea"/>
+                <a:cs typeface="+mn-cs"/>
+              </a:defRPr>
+            </a:lvl8pPr>
+            <a:lvl9pPr marL="3886200" indent="-228600" algn="l" defTabSz="914400" rtl="0" eaLnBrk="1" latinLnBrk="0" hangingPunct="1">
+              <a:lnSpc>
+                <a:spcPct val="90000"/>
+              </a:lnSpc>
+              <a:spcBef>
+                <a:spcPct val="30000"/>
+              </a:spcBef>
+              <a:buFont typeface="Arial" panose="020B0604020202020204" pitchFamily="34" charset="0"/>
+              <a:buChar char="•"/>
+              <a:defRPr sz="1800" kern="1200">
+                <a:solidFill>
+                  <a:schemeClr val="tx1"/>
+                </a:solidFill>
+                <a:latin typeface="+mn-lt"/>
+                <a:ea typeface="+mn-ea"/>
+                <a:cs typeface="+mn-cs"/>
+              </a:defRPr>
+            </a:lvl9pPr>
+          </a:lstStyle>
+          <a:p>
+            <a:pPr marL="0" indent="0">
+              <a:spcAft>
+                <a:spcPts val="2000"/>
+              </a:spcAft>
+              <a:buNone/>
+            </a:pPr>
+            <a:endParaRPr lang="en-US" dirty="0">
+              <a:latin typeface="Segoe UI" panose="020B0502040204020203" pitchFamily="34" charset="0"/>
+              <a:cs typeface="Segoe UI" panose="020B0502040204020203" pitchFamily="34" charset="0"/>
+            </a:endParaRPr>
+          </a:p>
+        </p:txBody>
+      </p:sp>
+      <p:grpSp>
+        <p:nvGrpSpPr>
+          <p:cNvPr id="18" name="Group 17" descr="Small circle with number 1 inside  indicating step 1"/>
+          <p:cNvGrpSpPr/>
+          <p:nvPr/>
+        </p:nvGrpSpPr>
+        <p:grpSpPr bwMode="blackWhite">
+          <a:xfrm>
+            <a:off x="531552" y="1666206"/>
+            <a:ext cx="558179" cy="409838"/>
+            <a:chOff x="6953426" y="711274"/>
+            <a:chExt cx="558179" cy="409838"/>
+          </a:xfrm>
+        </p:grpSpPr>
+        <p:sp>
+          <p:nvSpPr>
+            <p:cNvPr id="19" name="Oval 18" descr="Small circle"/>
+            <p:cNvSpPr/>
+            <p:nvPr/>
+          </p:nvSpPr>
+          <p:spPr bwMode="blackWhite">
+            <a:xfrm>
+              <a:off x="7025069" y="711274"/>
+              <a:ext cx="409838" cy="409838"/>
+            </a:xfrm>
+            <a:prstGeom prst="ellipse">
+              <a:avLst/>
+            </a:prstGeom>
+            <a:solidFill>
+              <a:srgbClr val="D24726"/>
+            </a:solidFill>
+            <a:ln>
+              <a:noFill/>
+            </a:ln>
+          </p:spPr>
+          <p:style>
+            <a:lnRef idx="2">
+              <a:schemeClr val="accent1">
+                <a:shade val="50000"/>
+              </a:schemeClr>
+            </a:lnRef>
+            <a:fillRef idx="1">
+              <a:schemeClr val="accent1"/>
+            </a:fillRef>
+            <a:effectRef idx="0">
+              <a:schemeClr val="accent1"/>
+            </a:effectRef>
+            <a:fontRef idx="minor">
+              <a:schemeClr val="lt1"/>
+            </a:fontRef>
+          </p:style>
+          <p:txBody>
+            <a:bodyPr rtlCol="0" anchor="ctr"/>
+            <a:lstStyle/>
+            <a:p>
+              <a:pPr algn="ctr"/>
+              <a:endParaRPr lang="en-US"/>
+            </a:p>
+          </p:txBody>
+        </p:sp>
+        <p:sp>
+          <p:nvSpPr>
+            <p:cNvPr id="20" name="TextBox 19" descr="Number 1"/>
+            <p:cNvSpPr txBox="1">
+              <a:spLocks noChangeAspect="1"/>
+            </p:cNvSpPr>
+            <p:nvPr/>
+          </p:nvSpPr>
+          <p:spPr bwMode="blackWhite">
+            <a:xfrm>
+              <a:off x="6953426" y="727564"/>
+              <a:ext cx="558179" cy="369332"/>
+            </a:xfrm>
+            <a:prstGeom prst="rect">
+              <a:avLst/>
+            </a:prstGeom>
+            <a:noFill/>
+          </p:spPr>
+          <p:txBody>
+            <a:bodyPr wrap="square" rtlCol="0">
+              <a:spAutoFit/>
+            </a:bodyPr>
+            <a:lstStyle/>
+            <a:p>
+              <a:pPr algn="ctr"/>
+              <a:r>
+                <a:rPr lang="en-US" dirty="0">
+                  <a:solidFill>
+                    <a:schemeClr val="bg1"/>
+                  </a:solidFill>
+                  <a:latin typeface="Segoe UI Semibold" panose="020B0702040204020203" pitchFamily="34" charset="0"/>
+                  <a:cs typeface="Segoe UI Semibold" panose="020B0702040204020203" pitchFamily="34" charset="0"/>
+                </a:rPr>
+                <a:t>1</a:t>
+              </a:r>
+            </a:p>
+          </p:txBody>
+        </p:sp>
+      </p:grpSp>
+      <p:sp>
+        <p:nvSpPr>
+          <p:cNvPr id="21" name="Content Placeholder 17"/>
+          <p:cNvSpPr txBox="1">
+            <a:spLocks/>
+          </p:cNvSpPr>
+          <p:nvPr/>
+        </p:nvSpPr>
+        <p:spPr>
+          <a:xfrm>
+            <a:off x="1056513" y="1706399"/>
+            <a:ext cx="4585731" cy="302610"/>
+          </a:xfrm>
+          <a:prstGeom prst="rect">
+            <a:avLst/>
+          </a:prstGeom>
+        </p:spPr>
+        <p:txBody>
+          <a:bodyPr vert="horz" lIns="91440" tIns="45720" rIns="91440" bIns="45720" rtlCol="0">
+            <a:noAutofit/>
+          </a:bodyPr>
+          <a:lstStyle>
+            <a:lvl1pPr marL="228600" indent="-228600" algn="l" defTabSz="914400" rtl="0" eaLnBrk="1" latinLnBrk="0" hangingPunct="1">
+              <a:lnSpc>
+                <a:spcPts val="1800"/>
+              </a:lnSpc>
+              <a:spcBef>
+                <a:spcPts val="1000"/>
+              </a:spcBef>
+              <a:spcAft>
+                <a:spcPts val="1000"/>
+              </a:spcAft>
+              <a:buFont typeface="Arial" panose="020B0604020202020204" pitchFamily="34" charset="0"/>
+              <a:buChar char="•"/>
+              <a:defRPr lang="en-US" sz="1200" kern="1200" smtClean="0">
+                <a:solidFill>
+                  <a:schemeClr val="tx1">
+                    <a:lumMod val="75000"/>
+                    <a:lumOff val="25000"/>
+                  </a:schemeClr>
+                </a:solidFill>
+                <a:latin typeface="+mn-lt"/>
+                <a:ea typeface="+mn-ea"/>
+                <a:cs typeface="+mn-cs"/>
+              </a:defRPr>
+            </a:lvl1pPr>
+            <a:lvl2pPr marL="685800" indent="-228600" algn="l" defTabSz="914400" rtl="0" eaLnBrk="1" latinLnBrk="0" hangingPunct="1">
+              <a:lnSpc>
+                <a:spcPts val="1800"/>
+              </a:lnSpc>
+              <a:spcBef>
+                <a:spcPts val="1000"/>
+              </a:spcBef>
+              <a:spcAft>
+                <a:spcPts val="1000"/>
+              </a:spcAft>
+              <a:buFont typeface="Arial" panose="020B0604020202020204" pitchFamily="34" charset="0"/>
+              <a:buChar char="•"/>
+              <a:defRPr lang="en-US" sz="1200" kern="1200" smtClean="0">
+                <a:solidFill>
+                  <a:schemeClr val="tx1">
+                    <a:lumMod val="75000"/>
+                    <a:lumOff val="25000"/>
+                  </a:schemeClr>
+                </a:solidFill>
+                <a:latin typeface="+mn-lt"/>
+                <a:ea typeface="+mn-ea"/>
+                <a:cs typeface="+mn-cs"/>
+              </a:defRPr>
+            </a:lvl2pPr>
+            <a:lvl3pPr marL="1143000" indent="-228600" algn="l" defTabSz="914400" rtl="0" eaLnBrk="1" latinLnBrk="0" hangingPunct="1">
+              <a:lnSpc>
+                <a:spcPts val="1800"/>
+              </a:lnSpc>
+              <a:spcBef>
+                <a:spcPts val="1000"/>
+              </a:spcBef>
+              <a:spcAft>
+                <a:spcPts val="1000"/>
+              </a:spcAft>
+              <a:buFont typeface="Arial" panose="020B0604020202020204" pitchFamily="34" charset="0"/>
+              <a:buChar char="•"/>
+              <a:defRPr lang="en-US" sz="1200" kern="1200" smtClean="0">
+                <a:solidFill>
+                  <a:schemeClr val="tx1">
+                    <a:lumMod val="75000"/>
+                    <a:lumOff val="25000"/>
+                  </a:schemeClr>
+                </a:solidFill>
+                <a:latin typeface="+mn-lt"/>
+                <a:ea typeface="+mn-ea"/>
+                <a:cs typeface="+mn-cs"/>
+              </a:defRPr>
+            </a:lvl3pPr>
+            <a:lvl4pPr marL="1600200" indent="-228600" algn="l" defTabSz="914400" rtl="0" eaLnBrk="1" latinLnBrk="0" hangingPunct="1">
+              <a:lnSpc>
+                <a:spcPts val="1800"/>
+              </a:lnSpc>
+              <a:spcBef>
+                <a:spcPts val="1000"/>
+              </a:spcBef>
+              <a:spcAft>
+                <a:spcPts val="1000"/>
+              </a:spcAft>
+              <a:buFont typeface="Arial" panose="020B0604020202020204" pitchFamily="34" charset="0"/>
+              <a:buChar char="•"/>
+              <a:defRPr lang="en-US" sz="1200" kern="1200" smtClean="0">
+                <a:solidFill>
+                  <a:schemeClr val="tx1">
+                    <a:lumMod val="75000"/>
+                    <a:lumOff val="25000"/>
+                  </a:schemeClr>
+                </a:solidFill>
+                <a:latin typeface="+mn-lt"/>
+                <a:ea typeface="+mn-ea"/>
+                <a:cs typeface="+mn-cs"/>
+              </a:defRPr>
+            </a:lvl4pPr>
+            <a:lvl5pPr marL="2057400" indent="-228600" algn="l" defTabSz="914400" rtl="0" eaLnBrk="1" latinLnBrk="0" hangingPunct="1">
+              <a:lnSpc>
+                <a:spcPts val="1800"/>
+              </a:lnSpc>
+              <a:spcBef>
+                <a:spcPts val="1000"/>
+              </a:spcBef>
+              <a:spcAft>
+                <a:spcPts val="1000"/>
+              </a:spcAft>
+              <a:buFont typeface="Arial" panose="020B0604020202020204" pitchFamily="34" charset="0"/>
+              <a:buChar char="•"/>
+              <a:defRPr lang="en-US" sz="1200" kern="1200">
+                <a:solidFill>
+                  <a:schemeClr val="tx1">
+                    <a:lumMod val="75000"/>
+                    <a:lumOff val="25000"/>
+                  </a:schemeClr>
+                </a:solidFill>
+                <a:latin typeface="+mn-lt"/>
+                <a:ea typeface="+mn-ea"/>
+                <a:cs typeface="+mn-cs"/>
+              </a:defRPr>
+            </a:lvl5pPr>
+            <a:lvl6pPr marL="2514600" indent="-228600" algn="l" defTabSz="914400" rtl="0" eaLnBrk="1" latinLnBrk="0" hangingPunct="1">
+              <a:lnSpc>
+                <a:spcPct val="90000"/>
+              </a:lnSpc>
+              <a:spcBef>
+                <a:spcPct val="30000"/>
+              </a:spcBef>
+              <a:buFont typeface="Arial" panose="020B0604020202020204" pitchFamily="34" charset="0"/>
+              <a:buChar char="•"/>
+              <a:defRPr sz="1800" kern="1200">
+                <a:solidFill>
+                  <a:schemeClr val="tx1"/>
+                </a:solidFill>
+                <a:latin typeface="+mn-lt"/>
+                <a:ea typeface="+mn-ea"/>
+                <a:cs typeface="+mn-cs"/>
+              </a:defRPr>
+            </a:lvl6pPr>
+            <a:lvl7pPr marL="2971800" indent="-228600" algn="l" defTabSz="914400" rtl="0" eaLnBrk="1" latinLnBrk="0" hangingPunct="1">
+              <a:lnSpc>
+                <a:spcPct val="90000"/>
+              </a:lnSpc>
+              <a:spcBef>
+                <a:spcPct val="30000"/>
+              </a:spcBef>
+              <a:buFont typeface="Arial" panose="020B0604020202020204" pitchFamily="34" charset="0"/>
+              <a:buChar char="•"/>
+              <a:defRPr sz="1800" kern="1200">
+                <a:solidFill>
+                  <a:schemeClr val="tx1"/>
+                </a:solidFill>
+                <a:latin typeface="+mn-lt"/>
+                <a:ea typeface="+mn-ea"/>
+                <a:cs typeface="+mn-cs"/>
+              </a:defRPr>
+            </a:lvl7pPr>
+            <a:lvl8pPr marL="3429000" indent="-228600" algn="l" defTabSz="914400" rtl="0" eaLnBrk="1" latinLnBrk="0" hangingPunct="1">
+              <a:lnSpc>
+                <a:spcPct val="90000"/>
+              </a:lnSpc>
+              <a:spcBef>
+                <a:spcPct val="30000"/>
+              </a:spcBef>
+              <a:buFont typeface="Arial" panose="020B0604020202020204" pitchFamily="34" charset="0"/>
+              <a:buChar char="•"/>
+              <a:defRPr sz="1800" kern="1200">
+                <a:solidFill>
+                  <a:schemeClr val="tx1"/>
+                </a:solidFill>
+                <a:latin typeface="+mn-lt"/>
+                <a:ea typeface="+mn-ea"/>
+                <a:cs typeface="+mn-cs"/>
+              </a:defRPr>
+            </a:lvl8pPr>
+            <a:lvl9pPr marL="3886200" indent="-228600" algn="l" defTabSz="914400" rtl="0" eaLnBrk="1" latinLnBrk="0" hangingPunct="1">
+              <a:lnSpc>
+                <a:spcPct val="90000"/>
+              </a:lnSpc>
+              <a:spcBef>
+                <a:spcPct val="30000"/>
+              </a:spcBef>
+              <a:buFont typeface="Arial" panose="020B0604020202020204" pitchFamily="34" charset="0"/>
+              <a:buChar char="•"/>
+              <a:defRPr sz="1800" kern="1200">
+                <a:solidFill>
+                  <a:schemeClr val="tx1"/>
+                </a:solidFill>
+                <a:latin typeface="+mn-lt"/>
+                <a:ea typeface="+mn-ea"/>
+                <a:cs typeface="+mn-cs"/>
+              </a:defRPr>
+            </a:lvl9pPr>
+          </a:lstStyle>
+          <a:p>
+            <a:pPr marL="0" lvl="0" indent="0">
+              <a:spcAft>
+                <a:spcPts val="600"/>
+              </a:spcAft>
+              <a:buNone/>
+              <a:defRPr/>
+            </a:pPr>
+            <a:r>
+              <a:rPr lang="en-US" sz="1400" dirty="0" smtClean="0">
+                <a:solidFill>
+                  <a:prstClr val="black">
+                    <a:lumMod val="75000"/>
+                    <a:lumOff val="25000"/>
+                  </a:prstClr>
+                </a:solidFill>
+                <a:latin typeface="Segoe UI" panose="020B0502040204020203" pitchFamily="34" charset="0"/>
+                <a:cs typeface="Segoe UI" panose="020B0502040204020203" pitchFamily="34" charset="0"/>
+              </a:rPr>
+              <a:t>Introduction</a:t>
+            </a:r>
+            <a:endParaRPr lang="en-US" sz="1400" dirty="0">
+              <a:solidFill>
+                <a:prstClr val="black">
+                  <a:lumMod val="75000"/>
+                  <a:lumOff val="25000"/>
+                </a:prstClr>
+              </a:solidFill>
+              <a:latin typeface="Segoe UI" panose="020B0502040204020203" pitchFamily="34" charset="0"/>
+              <a:cs typeface="Segoe UI" panose="020B0502040204020203" pitchFamily="34" charset="0"/>
+            </a:endParaRPr>
+          </a:p>
+        </p:txBody>
+      </p:sp>
+      <p:grpSp>
+        <p:nvGrpSpPr>
+          <p:cNvPr id="33" name="Group 32" descr="Small circle with number 2 inside  indicating step 2"/>
+          <p:cNvGrpSpPr/>
+          <p:nvPr/>
+        </p:nvGrpSpPr>
+        <p:grpSpPr bwMode="blackWhite">
+          <a:xfrm>
+            <a:off x="531552" y="2406690"/>
+            <a:ext cx="558179" cy="409838"/>
+            <a:chOff x="6953426" y="711274"/>
+            <a:chExt cx="558179" cy="409838"/>
+          </a:xfrm>
+        </p:grpSpPr>
+        <p:sp>
+          <p:nvSpPr>
+            <p:cNvPr id="34" name="Oval 33" descr="Small circle"/>
+            <p:cNvSpPr/>
+            <p:nvPr/>
+          </p:nvSpPr>
+          <p:spPr bwMode="blackWhite">
+            <a:xfrm>
+              <a:off x="7025069" y="711274"/>
+              <a:ext cx="409838" cy="409838"/>
+            </a:xfrm>
+            <a:prstGeom prst="ellipse">
+              <a:avLst/>
+            </a:prstGeom>
+            <a:solidFill>
+              <a:srgbClr val="D24726"/>
+            </a:solidFill>
+            <a:ln>
+              <a:noFill/>
+            </a:ln>
+          </p:spPr>
+          <p:style>
+            <a:lnRef idx="2">
+              <a:schemeClr val="accent1">
+                <a:shade val="50000"/>
+              </a:schemeClr>
+            </a:lnRef>
+            <a:fillRef idx="1">
+              <a:schemeClr val="accent1"/>
+            </a:fillRef>
+            <a:effectRef idx="0">
+              <a:schemeClr val="accent1"/>
+            </a:effectRef>
+            <a:fontRef idx="minor">
+              <a:schemeClr val="lt1"/>
+            </a:fontRef>
+          </p:style>
+          <p:txBody>
+            <a:bodyPr rtlCol="0" anchor="ctr"/>
+            <a:lstStyle/>
+            <a:p>
+              <a:pPr algn="ctr"/>
+              <a:endParaRPr lang="en-US"/>
+            </a:p>
+          </p:txBody>
+        </p:sp>
+        <p:sp>
+          <p:nvSpPr>
+            <p:cNvPr id="35" name="TextBox 34" descr="Number 2"/>
+            <p:cNvSpPr txBox="1">
+              <a:spLocks noChangeAspect="1"/>
+            </p:cNvSpPr>
+            <p:nvPr/>
+          </p:nvSpPr>
+          <p:spPr bwMode="blackWhite">
+            <a:xfrm>
+              <a:off x="6953426" y="727564"/>
+              <a:ext cx="558179" cy="369332"/>
+            </a:xfrm>
+            <a:prstGeom prst="rect">
+              <a:avLst/>
+            </a:prstGeom>
+            <a:noFill/>
+          </p:spPr>
+          <p:txBody>
+            <a:bodyPr wrap="square" rtlCol="0">
+              <a:spAutoFit/>
+            </a:bodyPr>
+            <a:lstStyle/>
+            <a:p>
+              <a:pPr algn="ctr"/>
+              <a:r>
+                <a:rPr lang="en-US" dirty="0">
+                  <a:solidFill>
+                    <a:schemeClr val="bg1"/>
+                  </a:solidFill>
+                  <a:latin typeface="Segoe UI Semibold" panose="020B0702040204020203" pitchFamily="34" charset="0"/>
+                  <a:cs typeface="Segoe UI Semibold" panose="020B0702040204020203" pitchFamily="34" charset="0"/>
+                </a:rPr>
+                <a:t>2</a:t>
+              </a:r>
+            </a:p>
+          </p:txBody>
+        </p:sp>
+      </p:grpSp>
+      <p:sp>
+        <p:nvSpPr>
+          <p:cNvPr id="36" name="Content Placeholder 17"/>
+          <p:cNvSpPr txBox="1">
+            <a:spLocks/>
+          </p:cNvSpPr>
+          <p:nvPr/>
+        </p:nvSpPr>
+        <p:spPr>
+          <a:xfrm>
+            <a:off x="1056513" y="2446884"/>
+            <a:ext cx="1548142" cy="369332"/>
+          </a:xfrm>
+          <a:prstGeom prst="rect">
+            <a:avLst/>
+          </a:prstGeom>
+        </p:spPr>
+        <p:txBody>
+          <a:bodyPr vert="horz" lIns="91440" tIns="45720" rIns="91440" bIns="45720" rtlCol="0">
+            <a:noAutofit/>
+          </a:bodyPr>
+          <a:lstStyle>
+            <a:lvl1pPr marL="228600" indent="-228600" algn="l" defTabSz="914400" rtl="0" eaLnBrk="1" latinLnBrk="0" hangingPunct="1">
+              <a:lnSpc>
+                <a:spcPts val="1800"/>
+              </a:lnSpc>
+              <a:spcBef>
+                <a:spcPts val="1000"/>
+              </a:spcBef>
+              <a:spcAft>
+                <a:spcPts val="1000"/>
+              </a:spcAft>
+              <a:buFont typeface="Arial" panose="020B0604020202020204" pitchFamily="34" charset="0"/>
+              <a:buChar char="•"/>
+              <a:defRPr lang="en-US" sz="1200" kern="1200" smtClean="0">
+                <a:solidFill>
+                  <a:schemeClr val="tx1">
+                    <a:lumMod val="75000"/>
+                    <a:lumOff val="25000"/>
+                  </a:schemeClr>
+                </a:solidFill>
+                <a:latin typeface="+mn-lt"/>
+                <a:ea typeface="+mn-ea"/>
+                <a:cs typeface="+mn-cs"/>
+              </a:defRPr>
+            </a:lvl1pPr>
+            <a:lvl2pPr marL="685800" indent="-228600" algn="l" defTabSz="914400" rtl="0" eaLnBrk="1" latinLnBrk="0" hangingPunct="1">
+              <a:lnSpc>
+                <a:spcPts val="1800"/>
+              </a:lnSpc>
+              <a:spcBef>
+                <a:spcPts val="1000"/>
+              </a:spcBef>
+              <a:spcAft>
+                <a:spcPts val="1000"/>
+              </a:spcAft>
+              <a:buFont typeface="Arial" panose="020B0604020202020204" pitchFamily="34" charset="0"/>
+              <a:buChar char="•"/>
+              <a:defRPr lang="en-US" sz="1200" kern="1200" smtClean="0">
+                <a:solidFill>
+                  <a:schemeClr val="tx1">
+                    <a:lumMod val="75000"/>
+                    <a:lumOff val="25000"/>
+                  </a:schemeClr>
+                </a:solidFill>
+                <a:latin typeface="+mn-lt"/>
+                <a:ea typeface="+mn-ea"/>
+                <a:cs typeface="+mn-cs"/>
+              </a:defRPr>
+            </a:lvl2pPr>
+            <a:lvl3pPr marL="1143000" indent="-228600" algn="l" defTabSz="914400" rtl="0" eaLnBrk="1" latinLnBrk="0" hangingPunct="1">
+              <a:lnSpc>
+                <a:spcPts val="1800"/>
+              </a:lnSpc>
+              <a:spcBef>
+                <a:spcPts val="1000"/>
+              </a:spcBef>
+              <a:spcAft>
+                <a:spcPts val="1000"/>
+              </a:spcAft>
+              <a:buFont typeface="Arial" panose="020B0604020202020204" pitchFamily="34" charset="0"/>
+              <a:buChar char="•"/>
+              <a:defRPr lang="en-US" sz="1200" kern="1200" smtClean="0">
+                <a:solidFill>
+                  <a:schemeClr val="tx1">
+                    <a:lumMod val="75000"/>
+                    <a:lumOff val="25000"/>
+                  </a:schemeClr>
+                </a:solidFill>
+                <a:latin typeface="+mn-lt"/>
+                <a:ea typeface="+mn-ea"/>
+                <a:cs typeface="+mn-cs"/>
+              </a:defRPr>
+            </a:lvl3pPr>
+            <a:lvl4pPr marL="1600200" indent="-228600" algn="l" defTabSz="914400" rtl="0" eaLnBrk="1" latinLnBrk="0" hangingPunct="1">
+              <a:lnSpc>
+                <a:spcPts val="1800"/>
+              </a:lnSpc>
+              <a:spcBef>
+                <a:spcPts val="1000"/>
+              </a:spcBef>
+              <a:spcAft>
+                <a:spcPts val="1000"/>
+              </a:spcAft>
+              <a:buFont typeface="Arial" panose="020B0604020202020204" pitchFamily="34" charset="0"/>
+              <a:buChar char="•"/>
+              <a:defRPr lang="en-US" sz="1200" kern="1200" smtClean="0">
+                <a:solidFill>
+                  <a:schemeClr val="tx1">
+                    <a:lumMod val="75000"/>
+                    <a:lumOff val="25000"/>
+                  </a:schemeClr>
+                </a:solidFill>
+                <a:latin typeface="+mn-lt"/>
+                <a:ea typeface="+mn-ea"/>
+                <a:cs typeface="+mn-cs"/>
+              </a:defRPr>
+            </a:lvl4pPr>
+            <a:lvl5pPr marL="2057400" indent="-228600" algn="l" defTabSz="914400" rtl="0" eaLnBrk="1" latinLnBrk="0" hangingPunct="1">
+              <a:lnSpc>
+                <a:spcPts val="1800"/>
+              </a:lnSpc>
+              <a:spcBef>
+                <a:spcPts val="1000"/>
+              </a:spcBef>
+              <a:spcAft>
+                <a:spcPts val="1000"/>
+              </a:spcAft>
+              <a:buFont typeface="Arial" panose="020B0604020202020204" pitchFamily="34" charset="0"/>
+              <a:buChar char="•"/>
+              <a:defRPr lang="en-US" sz="1200" kern="1200">
+                <a:solidFill>
+                  <a:schemeClr val="tx1">
+                    <a:lumMod val="75000"/>
+                    <a:lumOff val="25000"/>
+                  </a:schemeClr>
+                </a:solidFill>
+                <a:latin typeface="+mn-lt"/>
+                <a:ea typeface="+mn-ea"/>
+                <a:cs typeface="+mn-cs"/>
+              </a:defRPr>
+            </a:lvl5pPr>
+            <a:lvl6pPr marL="2514600" indent="-228600" algn="l" defTabSz="914400" rtl="0" eaLnBrk="1" latinLnBrk="0" hangingPunct="1">
+              <a:lnSpc>
+                <a:spcPct val="90000"/>
+              </a:lnSpc>
+              <a:spcBef>
+                <a:spcPct val="30000"/>
+              </a:spcBef>
+              <a:buFont typeface="Arial" panose="020B0604020202020204" pitchFamily="34" charset="0"/>
+              <a:buChar char="•"/>
+              <a:defRPr sz="1800" kern="1200">
+                <a:solidFill>
+                  <a:schemeClr val="tx1"/>
+                </a:solidFill>
+                <a:latin typeface="+mn-lt"/>
+                <a:ea typeface="+mn-ea"/>
+                <a:cs typeface="+mn-cs"/>
+              </a:defRPr>
+            </a:lvl6pPr>
+            <a:lvl7pPr marL="2971800" indent="-228600" algn="l" defTabSz="914400" rtl="0" eaLnBrk="1" latinLnBrk="0" hangingPunct="1">
+              <a:lnSpc>
+                <a:spcPct val="90000"/>
+              </a:lnSpc>
+              <a:spcBef>
+                <a:spcPct val="30000"/>
+              </a:spcBef>
+              <a:buFont typeface="Arial" panose="020B0604020202020204" pitchFamily="34" charset="0"/>
+              <a:buChar char="•"/>
+              <a:defRPr sz="1800" kern="1200">
+                <a:solidFill>
+                  <a:schemeClr val="tx1"/>
+                </a:solidFill>
+                <a:latin typeface="+mn-lt"/>
+                <a:ea typeface="+mn-ea"/>
+                <a:cs typeface="+mn-cs"/>
+              </a:defRPr>
+            </a:lvl7pPr>
+            <a:lvl8pPr marL="3429000" indent="-228600" algn="l" defTabSz="914400" rtl="0" eaLnBrk="1" latinLnBrk="0" hangingPunct="1">
+              <a:lnSpc>
+                <a:spcPct val="90000"/>
+              </a:lnSpc>
+              <a:spcBef>
+                <a:spcPct val="30000"/>
+              </a:spcBef>
+              <a:buFont typeface="Arial" panose="020B0604020202020204" pitchFamily="34" charset="0"/>
+              <a:buChar char="•"/>
+              <a:defRPr sz="1800" kern="1200">
+                <a:solidFill>
+                  <a:schemeClr val="tx1"/>
+                </a:solidFill>
+                <a:latin typeface="+mn-lt"/>
+                <a:ea typeface="+mn-ea"/>
+                <a:cs typeface="+mn-cs"/>
+              </a:defRPr>
+            </a:lvl8pPr>
+            <a:lvl9pPr marL="3886200" indent="-228600" algn="l" defTabSz="914400" rtl="0" eaLnBrk="1" latinLnBrk="0" hangingPunct="1">
+              <a:lnSpc>
+                <a:spcPct val="90000"/>
+              </a:lnSpc>
+              <a:spcBef>
+                <a:spcPct val="30000"/>
+              </a:spcBef>
+              <a:buFont typeface="Arial" panose="020B0604020202020204" pitchFamily="34" charset="0"/>
+              <a:buChar char="•"/>
+              <a:defRPr sz="1800" kern="1200">
+                <a:solidFill>
+                  <a:schemeClr val="tx1"/>
+                </a:solidFill>
+                <a:latin typeface="+mn-lt"/>
+                <a:ea typeface="+mn-ea"/>
+                <a:cs typeface="+mn-cs"/>
+              </a:defRPr>
+            </a:lvl9pPr>
+          </a:lstStyle>
+          <a:p>
+            <a:pPr marL="0" lvl="0" indent="0">
+              <a:spcAft>
+                <a:spcPts val="2000"/>
+              </a:spcAft>
+              <a:buNone/>
+              <a:defRPr/>
+            </a:pPr>
+            <a:r>
+              <a:rPr lang="en-US" sz="1400" dirty="0">
+                <a:solidFill>
+                  <a:prstClr val="black">
+                    <a:lumMod val="75000"/>
+                    <a:lumOff val="25000"/>
+                  </a:prstClr>
+                </a:solidFill>
+                <a:latin typeface="Segoe UI" panose="020B0502040204020203" pitchFamily="34" charset="0"/>
+                <a:cs typeface="Segoe UI" panose="020B0502040204020203" pitchFamily="34" charset="0"/>
+              </a:rPr>
+              <a:t>Related </a:t>
+            </a:r>
+            <a:r>
+              <a:rPr lang="en-US" sz="1400" dirty="0" smtClean="0">
+                <a:solidFill>
+                  <a:prstClr val="black">
+                    <a:lumMod val="75000"/>
+                    <a:lumOff val="25000"/>
+                  </a:prstClr>
+                </a:solidFill>
+                <a:latin typeface="Segoe UI" panose="020B0502040204020203" pitchFamily="34" charset="0"/>
+                <a:cs typeface="Segoe UI" panose="020B0502040204020203" pitchFamily="34" charset="0"/>
+              </a:rPr>
+              <a:t>works</a:t>
+            </a:r>
+            <a:endParaRPr lang="en-US" sz="1400" dirty="0">
+              <a:solidFill>
+                <a:prstClr val="black">
+                  <a:lumMod val="75000"/>
+                  <a:lumOff val="25000"/>
+                </a:prstClr>
+              </a:solidFill>
+              <a:latin typeface="Segoe UI" panose="020B0502040204020203" pitchFamily="34" charset="0"/>
+              <a:cs typeface="Segoe UI" panose="020B0502040204020203" pitchFamily="34" charset="0"/>
+            </a:endParaRPr>
+          </a:p>
+        </p:txBody>
+      </p:sp>
+      <p:grpSp>
+        <p:nvGrpSpPr>
+          <p:cNvPr id="22" name="Group 21" descr="Small circle with number 3 inside  indicating step 3"/>
+          <p:cNvGrpSpPr/>
+          <p:nvPr/>
+        </p:nvGrpSpPr>
+        <p:grpSpPr bwMode="blackWhite">
+          <a:xfrm>
+            <a:off x="531552" y="3210615"/>
+            <a:ext cx="558179" cy="409838"/>
+            <a:chOff x="6953426" y="711274"/>
+            <a:chExt cx="558179" cy="409838"/>
+          </a:xfrm>
+        </p:grpSpPr>
+        <p:sp>
+          <p:nvSpPr>
+            <p:cNvPr id="24" name="Oval 23" descr="Small circle"/>
+            <p:cNvSpPr/>
+            <p:nvPr/>
+          </p:nvSpPr>
+          <p:spPr bwMode="blackWhite">
+            <a:xfrm>
+              <a:off x="7025069" y="711274"/>
+              <a:ext cx="409838" cy="409838"/>
+            </a:xfrm>
+            <a:prstGeom prst="ellipse">
+              <a:avLst/>
+            </a:prstGeom>
+            <a:solidFill>
+              <a:srgbClr val="D24726"/>
+            </a:solidFill>
+            <a:ln>
+              <a:noFill/>
+            </a:ln>
+          </p:spPr>
+          <p:style>
+            <a:lnRef idx="2">
+              <a:schemeClr val="accent1">
+                <a:shade val="50000"/>
+              </a:schemeClr>
+            </a:lnRef>
+            <a:fillRef idx="1">
+              <a:schemeClr val="accent1"/>
+            </a:fillRef>
+            <a:effectRef idx="0">
+              <a:schemeClr val="accent1"/>
+            </a:effectRef>
+            <a:fontRef idx="minor">
+              <a:schemeClr val="lt1"/>
+            </a:fontRef>
+          </p:style>
+          <p:txBody>
+            <a:bodyPr rtlCol="0" anchor="ctr"/>
+            <a:lstStyle/>
+            <a:p>
+              <a:pPr algn="ctr"/>
+              <a:endParaRPr lang="en-US"/>
+            </a:p>
+          </p:txBody>
+        </p:sp>
+        <p:sp>
+          <p:nvSpPr>
+            <p:cNvPr id="30" name="TextBox 29" descr="Number 3"/>
+            <p:cNvSpPr txBox="1">
+              <a:spLocks noChangeAspect="1"/>
+            </p:cNvSpPr>
+            <p:nvPr/>
+          </p:nvSpPr>
+          <p:spPr bwMode="blackWhite">
+            <a:xfrm>
+              <a:off x="6953426" y="727564"/>
+              <a:ext cx="558179" cy="369332"/>
+            </a:xfrm>
+            <a:prstGeom prst="rect">
+              <a:avLst/>
+            </a:prstGeom>
+            <a:noFill/>
+          </p:spPr>
+          <p:txBody>
+            <a:bodyPr wrap="square" rtlCol="0">
+              <a:spAutoFit/>
+            </a:bodyPr>
+            <a:lstStyle/>
+            <a:p>
+              <a:pPr algn="ctr"/>
+              <a:r>
+                <a:rPr lang="en-US" dirty="0">
+                  <a:solidFill>
+                    <a:schemeClr val="bg1"/>
+                  </a:solidFill>
+                  <a:latin typeface="Segoe UI Semibold" panose="020B0702040204020203" pitchFamily="34" charset="0"/>
+                  <a:cs typeface="Segoe UI Semibold" panose="020B0702040204020203" pitchFamily="34" charset="0"/>
+                </a:rPr>
+                <a:t>3</a:t>
+              </a:r>
+            </a:p>
+          </p:txBody>
+        </p:sp>
+      </p:grpSp>
+      <p:sp>
+        <p:nvSpPr>
+          <p:cNvPr id="32" name="Content Placeholder 17"/>
+          <p:cNvSpPr txBox="1">
+            <a:spLocks/>
+          </p:cNvSpPr>
+          <p:nvPr/>
+        </p:nvSpPr>
+        <p:spPr>
+          <a:xfrm>
+            <a:off x="1056513" y="3238776"/>
+            <a:ext cx="4504252" cy="381364"/>
+          </a:xfrm>
+          <a:prstGeom prst="rect">
+            <a:avLst/>
+          </a:prstGeom>
+        </p:spPr>
+        <p:txBody>
+          <a:bodyPr vert="horz" lIns="91440" tIns="45720" rIns="91440" bIns="45720" rtlCol="0">
+            <a:normAutofit/>
+          </a:bodyPr>
+          <a:lstStyle>
+            <a:lvl1pPr marL="228600" indent="-228600" algn="l" defTabSz="914400" rtl="0" eaLnBrk="1" latinLnBrk="0" hangingPunct="1">
+              <a:lnSpc>
+                <a:spcPts val="1800"/>
+              </a:lnSpc>
+              <a:spcBef>
+                <a:spcPts val="1000"/>
+              </a:spcBef>
+              <a:spcAft>
+                <a:spcPts val="1000"/>
+              </a:spcAft>
+              <a:buFont typeface="Arial" panose="020B0604020202020204" pitchFamily="34" charset="0"/>
+              <a:buChar char="•"/>
+              <a:defRPr lang="en-US" sz="1200" kern="1200" smtClean="0">
+                <a:solidFill>
+                  <a:schemeClr val="tx1">
+                    <a:lumMod val="75000"/>
+                    <a:lumOff val="25000"/>
+                  </a:schemeClr>
+                </a:solidFill>
+                <a:latin typeface="+mn-lt"/>
+                <a:ea typeface="+mn-ea"/>
+                <a:cs typeface="+mn-cs"/>
+              </a:defRPr>
+            </a:lvl1pPr>
+            <a:lvl2pPr marL="685800" indent="-228600" algn="l" defTabSz="914400" rtl="0" eaLnBrk="1" latinLnBrk="0" hangingPunct="1">
+              <a:lnSpc>
+                <a:spcPts val="1800"/>
+              </a:lnSpc>
+              <a:spcBef>
+                <a:spcPts val="1000"/>
+              </a:spcBef>
+              <a:spcAft>
+                <a:spcPts val="1000"/>
+              </a:spcAft>
+              <a:buFont typeface="Arial" panose="020B0604020202020204" pitchFamily="34" charset="0"/>
+              <a:buChar char="•"/>
+              <a:defRPr lang="en-US" sz="1200" kern="1200" smtClean="0">
+                <a:solidFill>
+                  <a:schemeClr val="tx1">
+                    <a:lumMod val="75000"/>
+                    <a:lumOff val="25000"/>
+                  </a:schemeClr>
+                </a:solidFill>
+                <a:latin typeface="+mn-lt"/>
+                <a:ea typeface="+mn-ea"/>
+                <a:cs typeface="+mn-cs"/>
+              </a:defRPr>
+            </a:lvl2pPr>
+            <a:lvl3pPr marL="1143000" indent="-228600" algn="l" defTabSz="914400" rtl="0" eaLnBrk="1" latinLnBrk="0" hangingPunct="1">
+              <a:lnSpc>
+                <a:spcPts val="1800"/>
+              </a:lnSpc>
+              <a:spcBef>
+                <a:spcPts val="1000"/>
+              </a:spcBef>
+              <a:spcAft>
+                <a:spcPts val="1000"/>
+              </a:spcAft>
+              <a:buFont typeface="Arial" panose="020B0604020202020204" pitchFamily="34" charset="0"/>
+              <a:buChar char="•"/>
+              <a:defRPr lang="en-US" sz="1200" kern="1200" smtClean="0">
+                <a:solidFill>
+                  <a:schemeClr val="tx1">
+                    <a:lumMod val="75000"/>
+                    <a:lumOff val="25000"/>
+                  </a:schemeClr>
+                </a:solidFill>
+                <a:latin typeface="+mn-lt"/>
+                <a:ea typeface="+mn-ea"/>
+                <a:cs typeface="+mn-cs"/>
+              </a:defRPr>
+            </a:lvl3pPr>
+            <a:lvl4pPr marL="1600200" indent="-228600" algn="l" defTabSz="914400" rtl="0" eaLnBrk="1" latinLnBrk="0" hangingPunct="1">
+              <a:lnSpc>
+                <a:spcPts val="1800"/>
+              </a:lnSpc>
+              <a:spcBef>
+                <a:spcPts val="1000"/>
+              </a:spcBef>
+              <a:spcAft>
+                <a:spcPts val="1000"/>
+              </a:spcAft>
+              <a:buFont typeface="Arial" panose="020B0604020202020204" pitchFamily="34" charset="0"/>
+              <a:buChar char="•"/>
+              <a:defRPr lang="en-US" sz="1200" kern="1200" smtClean="0">
+                <a:solidFill>
+                  <a:schemeClr val="tx1">
+                    <a:lumMod val="75000"/>
+                    <a:lumOff val="25000"/>
+                  </a:schemeClr>
+                </a:solidFill>
+                <a:latin typeface="+mn-lt"/>
+                <a:ea typeface="+mn-ea"/>
+                <a:cs typeface="+mn-cs"/>
+              </a:defRPr>
+            </a:lvl4pPr>
+            <a:lvl5pPr marL="2057400" indent="-228600" algn="l" defTabSz="914400" rtl="0" eaLnBrk="1" latinLnBrk="0" hangingPunct="1">
+              <a:lnSpc>
+                <a:spcPts val="1800"/>
+              </a:lnSpc>
+              <a:spcBef>
+                <a:spcPts val="1000"/>
+              </a:spcBef>
+              <a:spcAft>
+                <a:spcPts val="1000"/>
+              </a:spcAft>
+              <a:buFont typeface="Arial" panose="020B0604020202020204" pitchFamily="34" charset="0"/>
+              <a:buChar char="•"/>
+              <a:defRPr lang="en-US" sz="1200" kern="1200">
+                <a:solidFill>
+                  <a:schemeClr val="tx1">
+                    <a:lumMod val="75000"/>
+                    <a:lumOff val="25000"/>
+                  </a:schemeClr>
+                </a:solidFill>
+                <a:latin typeface="+mn-lt"/>
+                <a:ea typeface="+mn-ea"/>
+                <a:cs typeface="+mn-cs"/>
+              </a:defRPr>
+            </a:lvl5pPr>
+            <a:lvl6pPr marL="2514600" indent="-228600" algn="l" defTabSz="914400" rtl="0" eaLnBrk="1" latinLnBrk="0" hangingPunct="1">
+              <a:lnSpc>
+                <a:spcPct val="90000"/>
+              </a:lnSpc>
+              <a:spcBef>
+                <a:spcPct val="30000"/>
+              </a:spcBef>
+              <a:buFont typeface="Arial" panose="020B0604020202020204" pitchFamily="34" charset="0"/>
+              <a:buChar char="•"/>
+              <a:defRPr sz="1800" kern="1200">
+                <a:solidFill>
+                  <a:schemeClr val="tx1"/>
+                </a:solidFill>
+                <a:latin typeface="+mn-lt"/>
+                <a:ea typeface="+mn-ea"/>
+                <a:cs typeface="+mn-cs"/>
+              </a:defRPr>
+            </a:lvl6pPr>
+            <a:lvl7pPr marL="2971800" indent="-228600" algn="l" defTabSz="914400" rtl="0" eaLnBrk="1" latinLnBrk="0" hangingPunct="1">
+              <a:lnSpc>
+                <a:spcPct val="90000"/>
+              </a:lnSpc>
+              <a:spcBef>
+                <a:spcPct val="30000"/>
+              </a:spcBef>
+              <a:buFont typeface="Arial" panose="020B0604020202020204" pitchFamily="34" charset="0"/>
+              <a:buChar char="•"/>
+              <a:defRPr sz="1800" kern="1200">
+                <a:solidFill>
+                  <a:schemeClr val="tx1"/>
+                </a:solidFill>
+                <a:latin typeface="+mn-lt"/>
+                <a:ea typeface="+mn-ea"/>
+                <a:cs typeface="+mn-cs"/>
+              </a:defRPr>
+            </a:lvl7pPr>
+            <a:lvl8pPr marL="3429000" indent="-228600" algn="l" defTabSz="914400" rtl="0" eaLnBrk="1" latinLnBrk="0" hangingPunct="1">
+              <a:lnSpc>
+                <a:spcPct val="90000"/>
+              </a:lnSpc>
+              <a:spcBef>
+                <a:spcPct val="30000"/>
+              </a:spcBef>
+              <a:buFont typeface="Arial" panose="020B0604020202020204" pitchFamily="34" charset="0"/>
+              <a:buChar char="•"/>
+              <a:defRPr sz="1800" kern="1200">
+                <a:solidFill>
+                  <a:schemeClr val="tx1"/>
+                </a:solidFill>
+                <a:latin typeface="+mn-lt"/>
+                <a:ea typeface="+mn-ea"/>
+                <a:cs typeface="+mn-cs"/>
+              </a:defRPr>
+            </a:lvl8pPr>
+            <a:lvl9pPr marL="3886200" indent="-228600" algn="l" defTabSz="914400" rtl="0" eaLnBrk="1" latinLnBrk="0" hangingPunct="1">
+              <a:lnSpc>
+                <a:spcPct val="90000"/>
+              </a:lnSpc>
+              <a:spcBef>
+                <a:spcPct val="30000"/>
+              </a:spcBef>
+              <a:buFont typeface="Arial" panose="020B0604020202020204" pitchFamily="34" charset="0"/>
+              <a:buChar char="•"/>
+              <a:defRPr sz="1800" kern="1200">
+                <a:solidFill>
+                  <a:schemeClr val="tx1"/>
+                </a:solidFill>
+                <a:latin typeface="+mn-lt"/>
+                <a:ea typeface="+mn-ea"/>
+                <a:cs typeface="+mn-cs"/>
+              </a:defRPr>
+            </a:lvl9pPr>
+          </a:lstStyle>
+          <a:p>
+            <a:pPr marL="0" lvl="0" indent="0">
+              <a:spcAft>
+                <a:spcPts val="600"/>
+              </a:spcAft>
+              <a:buNone/>
+              <a:defRPr/>
+            </a:pPr>
+            <a:r>
+              <a:rPr lang="en-US" sz="1400" dirty="0" smtClean="0">
+                <a:solidFill>
+                  <a:prstClr val="black">
+                    <a:lumMod val="75000"/>
+                    <a:lumOff val="25000"/>
+                  </a:prstClr>
+                </a:solidFill>
+                <a:cs typeface="Segoe UI"/>
+              </a:rPr>
+              <a:t>Methods</a:t>
+            </a:r>
+            <a:endParaRPr lang="en-US" sz="1400" dirty="0">
+              <a:solidFill>
+                <a:prstClr val="black">
+                  <a:lumMod val="75000"/>
+                  <a:lumOff val="25000"/>
+                </a:prstClr>
+              </a:solidFill>
+              <a:cs typeface="Segoe UI"/>
+            </a:endParaRPr>
+          </a:p>
+        </p:txBody>
+      </p:sp>
+      <p:grpSp>
+        <p:nvGrpSpPr>
+          <p:cNvPr id="37" name="Group 36" descr="Small circle with number 4 inside  indicating step 4"/>
+          <p:cNvGrpSpPr/>
+          <p:nvPr/>
+        </p:nvGrpSpPr>
+        <p:grpSpPr bwMode="blackWhite">
+          <a:xfrm>
+            <a:off x="521207" y="3955988"/>
+            <a:ext cx="558179" cy="409838"/>
+            <a:chOff x="6953426" y="711274"/>
+            <a:chExt cx="558179" cy="409838"/>
+          </a:xfrm>
+        </p:grpSpPr>
+        <p:sp>
+          <p:nvSpPr>
+            <p:cNvPr id="38" name="Oval 37" descr="Small circle"/>
+            <p:cNvSpPr/>
+            <p:nvPr/>
+          </p:nvSpPr>
+          <p:spPr bwMode="blackWhite">
+            <a:xfrm>
+              <a:off x="7025069" y="711274"/>
+              <a:ext cx="409838" cy="409838"/>
+            </a:xfrm>
+            <a:prstGeom prst="ellipse">
+              <a:avLst/>
+            </a:prstGeom>
+            <a:solidFill>
+              <a:srgbClr val="D24726"/>
+            </a:solidFill>
+            <a:ln>
+              <a:noFill/>
+            </a:ln>
+          </p:spPr>
+          <p:style>
+            <a:lnRef idx="2">
+              <a:schemeClr val="accent1">
+                <a:shade val="50000"/>
+              </a:schemeClr>
+            </a:lnRef>
+            <a:fillRef idx="1">
+              <a:schemeClr val="accent1"/>
+            </a:fillRef>
+            <a:effectRef idx="0">
+              <a:schemeClr val="accent1"/>
+            </a:effectRef>
+            <a:fontRef idx="minor">
+              <a:schemeClr val="lt1"/>
+            </a:fontRef>
+          </p:style>
+          <p:txBody>
+            <a:bodyPr rtlCol="0" anchor="ctr"/>
+            <a:lstStyle/>
+            <a:p>
+              <a:pPr algn="ctr"/>
+              <a:endParaRPr lang="en-US"/>
+            </a:p>
+          </p:txBody>
+        </p:sp>
+        <p:sp>
+          <p:nvSpPr>
+            <p:cNvPr id="39" name="TextBox 38" descr="Number 4"/>
+            <p:cNvSpPr txBox="1">
+              <a:spLocks noChangeAspect="1"/>
+            </p:cNvSpPr>
+            <p:nvPr/>
+          </p:nvSpPr>
+          <p:spPr bwMode="blackWhite">
+            <a:xfrm>
+              <a:off x="6953426" y="727564"/>
+              <a:ext cx="558179" cy="369332"/>
+            </a:xfrm>
+            <a:prstGeom prst="rect">
+              <a:avLst/>
+            </a:prstGeom>
+            <a:noFill/>
+          </p:spPr>
+          <p:txBody>
+            <a:bodyPr wrap="square" rtlCol="0">
+              <a:spAutoFit/>
+            </a:bodyPr>
+            <a:lstStyle/>
+            <a:p>
+              <a:pPr algn="ctr"/>
+              <a:r>
+                <a:rPr lang="en-US" dirty="0">
+                  <a:solidFill>
+                    <a:schemeClr val="bg1"/>
+                  </a:solidFill>
+                  <a:latin typeface="Segoe UI Semibold" panose="020B0702040204020203" pitchFamily="34" charset="0"/>
+                  <a:cs typeface="Segoe UI Semibold" panose="020B0702040204020203" pitchFamily="34" charset="0"/>
+                </a:rPr>
+                <a:t>4</a:t>
+              </a:r>
+            </a:p>
+          </p:txBody>
+        </p:sp>
+      </p:grpSp>
+      <p:sp>
+        <p:nvSpPr>
+          <p:cNvPr id="40" name="Content Placeholder 17"/>
+          <p:cNvSpPr txBox="1">
+            <a:spLocks/>
+          </p:cNvSpPr>
+          <p:nvPr/>
+        </p:nvSpPr>
+        <p:spPr>
+          <a:xfrm>
+            <a:off x="1046168" y="3996181"/>
+            <a:ext cx="4504252" cy="369645"/>
+          </a:xfrm>
+          <a:prstGeom prst="rect">
+            <a:avLst/>
+          </a:prstGeom>
+        </p:spPr>
+        <p:txBody>
+          <a:bodyPr vert="horz" lIns="91440" tIns="45720" rIns="91440" bIns="45720" rtlCol="0">
+            <a:noAutofit/>
+          </a:bodyPr>
+          <a:lstStyle>
+            <a:lvl1pPr marL="228600" indent="-228600" algn="l" defTabSz="914400" rtl="0" eaLnBrk="1" latinLnBrk="0" hangingPunct="1">
+              <a:lnSpc>
+                <a:spcPts val="1800"/>
+              </a:lnSpc>
+              <a:spcBef>
+                <a:spcPts val="1000"/>
+              </a:spcBef>
+              <a:spcAft>
+                <a:spcPts val="1000"/>
+              </a:spcAft>
+              <a:buFont typeface="Arial" panose="020B0604020202020204" pitchFamily="34" charset="0"/>
+              <a:buChar char="•"/>
+              <a:defRPr lang="en-US" sz="1200" kern="1200" smtClean="0">
+                <a:solidFill>
+                  <a:schemeClr val="tx1">
+                    <a:lumMod val="75000"/>
+                    <a:lumOff val="25000"/>
+                  </a:schemeClr>
+                </a:solidFill>
+                <a:latin typeface="+mn-lt"/>
+                <a:ea typeface="+mn-ea"/>
+                <a:cs typeface="+mn-cs"/>
+              </a:defRPr>
+            </a:lvl1pPr>
+            <a:lvl2pPr marL="685800" indent="-228600" algn="l" defTabSz="914400" rtl="0" eaLnBrk="1" latinLnBrk="0" hangingPunct="1">
+              <a:lnSpc>
+                <a:spcPts val="1800"/>
+              </a:lnSpc>
+              <a:spcBef>
+                <a:spcPts val="1000"/>
+              </a:spcBef>
+              <a:spcAft>
+                <a:spcPts val="1000"/>
+              </a:spcAft>
+              <a:buFont typeface="Arial" panose="020B0604020202020204" pitchFamily="34" charset="0"/>
+              <a:buChar char="•"/>
+              <a:defRPr lang="en-US" sz="1200" kern="1200" smtClean="0">
+                <a:solidFill>
+                  <a:schemeClr val="tx1">
+                    <a:lumMod val="75000"/>
+                    <a:lumOff val="25000"/>
+                  </a:schemeClr>
+                </a:solidFill>
+                <a:latin typeface="+mn-lt"/>
+                <a:ea typeface="+mn-ea"/>
+                <a:cs typeface="+mn-cs"/>
+              </a:defRPr>
+            </a:lvl2pPr>
+            <a:lvl3pPr marL="1143000" indent="-228600" algn="l" defTabSz="914400" rtl="0" eaLnBrk="1" latinLnBrk="0" hangingPunct="1">
+              <a:lnSpc>
+                <a:spcPts val="1800"/>
+              </a:lnSpc>
+              <a:spcBef>
+                <a:spcPts val="1000"/>
+              </a:spcBef>
+              <a:spcAft>
+                <a:spcPts val="1000"/>
+              </a:spcAft>
+              <a:buFont typeface="Arial" panose="020B0604020202020204" pitchFamily="34" charset="0"/>
+              <a:buChar char="•"/>
+              <a:defRPr lang="en-US" sz="1200" kern="1200" smtClean="0">
+                <a:solidFill>
+                  <a:schemeClr val="tx1">
+                    <a:lumMod val="75000"/>
+                    <a:lumOff val="25000"/>
+                  </a:schemeClr>
+                </a:solidFill>
+                <a:latin typeface="+mn-lt"/>
+                <a:ea typeface="+mn-ea"/>
+                <a:cs typeface="+mn-cs"/>
+              </a:defRPr>
+            </a:lvl3pPr>
+            <a:lvl4pPr marL="1600200" indent="-228600" algn="l" defTabSz="914400" rtl="0" eaLnBrk="1" latinLnBrk="0" hangingPunct="1">
+              <a:lnSpc>
+                <a:spcPts val="1800"/>
+              </a:lnSpc>
+              <a:spcBef>
+                <a:spcPts val="1000"/>
+              </a:spcBef>
+              <a:spcAft>
+                <a:spcPts val="1000"/>
+              </a:spcAft>
+              <a:buFont typeface="Arial" panose="020B0604020202020204" pitchFamily="34" charset="0"/>
+              <a:buChar char="•"/>
+              <a:defRPr lang="en-US" sz="1200" kern="1200" smtClean="0">
+                <a:solidFill>
+                  <a:schemeClr val="tx1">
+                    <a:lumMod val="75000"/>
+                    <a:lumOff val="25000"/>
+                  </a:schemeClr>
+                </a:solidFill>
+                <a:latin typeface="+mn-lt"/>
+                <a:ea typeface="+mn-ea"/>
+                <a:cs typeface="+mn-cs"/>
+              </a:defRPr>
+            </a:lvl4pPr>
+            <a:lvl5pPr marL="2057400" indent="-228600" algn="l" defTabSz="914400" rtl="0" eaLnBrk="1" latinLnBrk="0" hangingPunct="1">
+              <a:lnSpc>
+                <a:spcPts val="1800"/>
+              </a:lnSpc>
+              <a:spcBef>
+                <a:spcPts val="1000"/>
+              </a:spcBef>
+              <a:spcAft>
+                <a:spcPts val="1000"/>
+              </a:spcAft>
+              <a:buFont typeface="Arial" panose="020B0604020202020204" pitchFamily="34" charset="0"/>
+              <a:buChar char="•"/>
+              <a:defRPr lang="en-US" sz="1200" kern="1200">
+                <a:solidFill>
+                  <a:schemeClr val="tx1">
+                    <a:lumMod val="75000"/>
+                    <a:lumOff val="25000"/>
+                  </a:schemeClr>
+                </a:solidFill>
+                <a:latin typeface="+mn-lt"/>
+                <a:ea typeface="+mn-ea"/>
+                <a:cs typeface="+mn-cs"/>
+              </a:defRPr>
+            </a:lvl5pPr>
+            <a:lvl6pPr marL="2514600" indent="-228600" algn="l" defTabSz="914400" rtl="0" eaLnBrk="1" latinLnBrk="0" hangingPunct="1">
+              <a:lnSpc>
+                <a:spcPct val="90000"/>
+              </a:lnSpc>
+              <a:spcBef>
+                <a:spcPct val="30000"/>
+              </a:spcBef>
+              <a:buFont typeface="Arial" panose="020B0604020202020204" pitchFamily="34" charset="0"/>
+              <a:buChar char="•"/>
+              <a:defRPr sz="1800" kern="1200">
+                <a:solidFill>
+                  <a:schemeClr val="tx1"/>
+                </a:solidFill>
+                <a:latin typeface="+mn-lt"/>
+                <a:ea typeface="+mn-ea"/>
+                <a:cs typeface="+mn-cs"/>
+              </a:defRPr>
+            </a:lvl6pPr>
+            <a:lvl7pPr marL="2971800" indent="-228600" algn="l" defTabSz="914400" rtl="0" eaLnBrk="1" latinLnBrk="0" hangingPunct="1">
+              <a:lnSpc>
+                <a:spcPct val="90000"/>
+              </a:lnSpc>
+              <a:spcBef>
+                <a:spcPct val="30000"/>
+              </a:spcBef>
+              <a:buFont typeface="Arial" panose="020B0604020202020204" pitchFamily="34" charset="0"/>
+              <a:buChar char="•"/>
+              <a:defRPr sz="1800" kern="1200">
+                <a:solidFill>
+                  <a:schemeClr val="tx1"/>
+                </a:solidFill>
+                <a:latin typeface="+mn-lt"/>
+                <a:ea typeface="+mn-ea"/>
+                <a:cs typeface="+mn-cs"/>
+              </a:defRPr>
+            </a:lvl7pPr>
+            <a:lvl8pPr marL="3429000" indent="-228600" algn="l" defTabSz="914400" rtl="0" eaLnBrk="1" latinLnBrk="0" hangingPunct="1">
+              <a:lnSpc>
+                <a:spcPct val="90000"/>
+              </a:lnSpc>
+              <a:spcBef>
+                <a:spcPct val="30000"/>
+              </a:spcBef>
+              <a:buFont typeface="Arial" panose="020B0604020202020204" pitchFamily="34" charset="0"/>
+              <a:buChar char="•"/>
+              <a:defRPr sz="1800" kern="1200">
+                <a:solidFill>
+                  <a:schemeClr val="tx1"/>
+                </a:solidFill>
+                <a:latin typeface="+mn-lt"/>
+                <a:ea typeface="+mn-ea"/>
+                <a:cs typeface="+mn-cs"/>
+              </a:defRPr>
+            </a:lvl8pPr>
+            <a:lvl9pPr marL="3886200" indent="-228600" algn="l" defTabSz="914400" rtl="0" eaLnBrk="1" latinLnBrk="0" hangingPunct="1">
+              <a:lnSpc>
+                <a:spcPct val="90000"/>
+              </a:lnSpc>
+              <a:spcBef>
+                <a:spcPct val="30000"/>
+              </a:spcBef>
+              <a:buFont typeface="Arial" panose="020B0604020202020204" pitchFamily="34" charset="0"/>
+              <a:buChar char="•"/>
+              <a:defRPr sz="1800" kern="1200">
+                <a:solidFill>
+                  <a:schemeClr val="tx1"/>
+                </a:solidFill>
+                <a:latin typeface="+mn-lt"/>
+                <a:ea typeface="+mn-ea"/>
+                <a:cs typeface="+mn-cs"/>
+              </a:defRPr>
+            </a:lvl9pPr>
+          </a:lstStyle>
+          <a:p>
+            <a:pPr marL="0" lvl="0" indent="0">
+              <a:spcAft>
+                <a:spcPts val="2000"/>
+              </a:spcAft>
+              <a:buNone/>
+              <a:defRPr/>
+            </a:pPr>
+            <a:r>
+              <a:rPr lang="en-US" sz="1400" dirty="0" smtClean="0">
+                <a:solidFill>
+                  <a:prstClr val="black">
+                    <a:lumMod val="75000"/>
+                    <a:lumOff val="25000"/>
+                  </a:prstClr>
+                </a:solidFill>
+                <a:latin typeface="Segoe UI" panose="020B0502040204020203" pitchFamily="34" charset="0"/>
+                <a:cs typeface="Segoe UI" panose="020B0502040204020203" pitchFamily="34" charset="0"/>
+              </a:rPr>
+              <a:t>Experiments</a:t>
+            </a:r>
+            <a:endParaRPr lang="en-US" sz="1400" dirty="0">
+              <a:solidFill>
+                <a:prstClr val="black">
+                  <a:lumMod val="75000"/>
+                  <a:lumOff val="25000"/>
+                </a:prstClr>
+              </a:solidFill>
+              <a:latin typeface="Segoe UI" panose="020B0502040204020203" pitchFamily="34" charset="0"/>
+              <a:cs typeface="Segoe UI" panose="020B0502040204020203" pitchFamily="34" charset="0"/>
+            </a:endParaRPr>
+          </a:p>
+        </p:txBody>
+      </p:sp>
+      <p:grpSp>
+        <p:nvGrpSpPr>
+          <p:cNvPr id="41" name="Group 40" descr="Small circle with number 4 inside  indicating step 4">
+            <a:extLst>
+              <a:ext uri="{FF2B5EF4-FFF2-40B4-BE49-F238E27FC236}">
+                <a16:creationId xmlns:a16="http://schemas.microsoft.com/office/drawing/2014/main" id="{1E4E0359-5A2F-4879-8CFD-A1131F113532}"/>
+              </a:ext>
+            </a:extLst>
+          </p:cNvPr>
+          <p:cNvGrpSpPr/>
+          <p:nvPr/>
+        </p:nvGrpSpPr>
+        <p:grpSpPr bwMode="blackWhite">
+          <a:xfrm>
+            <a:off x="554425" y="4747950"/>
+            <a:ext cx="558179" cy="409838"/>
+            <a:chOff x="6953426" y="711274"/>
+            <a:chExt cx="558179" cy="409838"/>
+          </a:xfrm>
+        </p:grpSpPr>
+        <p:sp>
+          <p:nvSpPr>
+            <p:cNvPr id="42" name="Oval 41" descr="Small circle">
+              <a:extLst>
+                <a:ext uri="{FF2B5EF4-FFF2-40B4-BE49-F238E27FC236}">
+                  <a16:creationId xmlns:a16="http://schemas.microsoft.com/office/drawing/2014/main" id="{4E15B87C-0288-41BA-99AA-B575B4D8D43F}"/>
+                </a:ext>
+              </a:extLst>
+            </p:cNvPr>
+            <p:cNvSpPr/>
+            <p:nvPr/>
+          </p:nvSpPr>
+          <p:spPr bwMode="blackWhite">
+            <a:xfrm>
+              <a:off x="7025069" y="711274"/>
+              <a:ext cx="409838" cy="409838"/>
+            </a:xfrm>
+            <a:prstGeom prst="ellipse">
+              <a:avLst/>
+            </a:prstGeom>
+            <a:solidFill>
+              <a:srgbClr val="D24726"/>
+            </a:solidFill>
+            <a:ln>
+              <a:noFill/>
+            </a:ln>
+          </p:spPr>
+          <p:style>
+            <a:lnRef idx="2">
+              <a:schemeClr val="accent1">
+                <a:shade val="50000"/>
+              </a:schemeClr>
+            </a:lnRef>
+            <a:fillRef idx="1">
+              <a:schemeClr val="accent1"/>
+            </a:fillRef>
+            <a:effectRef idx="0">
+              <a:schemeClr val="accent1"/>
+            </a:effectRef>
+            <a:fontRef idx="minor">
+              <a:schemeClr val="lt1"/>
+            </a:fontRef>
+          </p:style>
+          <p:txBody>
+            <a:bodyPr rtlCol="0" anchor="ctr"/>
+            <a:lstStyle/>
+            <a:p>
+              <a:pPr algn="ctr"/>
+              <a:endParaRPr lang="en-US"/>
+            </a:p>
+          </p:txBody>
+        </p:sp>
+        <p:sp>
+          <p:nvSpPr>
+            <p:cNvPr id="43" name="TextBox 42" descr="Number 4">
+              <a:extLst>
+                <a:ext uri="{FF2B5EF4-FFF2-40B4-BE49-F238E27FC236}">
+                  <a16:creationId xmlns:a16="http://schemas.microsoft.com/office/drawing/2014/main" id="{0A642335-4AC8-4B38-935B-642EF9DCDC1E}"/>
+                </a:ext>
+              </a:extLst>
+            </p:cNvPr>
+            <p:cNvSpPr txBox="1">
+              <a:spLocks noChangeAspect="1"/>
+            </p:cNvSpPr>
+            <p:nvPr/>
+          </p:nvSpPr>
+          <p:spPr bwMode="blackWhite">
+            <a:xfrm>
+              <a:off x="6953426" y="727564"/>
+              <a:ext cx="558179" cy="369332"/>
+            </a:xfrm>
+            <a:prstGeom prst="rect">
+              <a:avLst/>
+            </a:prstGeom>
+            <a:noFill/>
+          </p:spPr>
+          <p:txBody>
+            <a:bodyPr wrap="square" rtlCol="0">
+              <a:spAutoFit/>
+            </a:bodyPr>
+            <a:lstStyle/>
+            <a:p>
+              <a:pPr algn="ctr"/>
+              <a:r>
+                <a:rPr lang="en-US" dirty="0">
+                  <a:solidFill>
+                    <a:schemeClr val="bg1"/>
+                  </a:solidFill>
+                  <a:latin typeface="Segoe UI Semibold" panose="020B0702040204020203" pitchFamily="34" charset="0"/>
+                  <a:cs typeface="Segoe UI Semibold" panose="020B0702040204020203" pitchFamily="34" charset="0"/>
+                </a:rPr>
+                <a:t>5</a:t>
+              </a:r>
+            </a:p>
+          </p:txBody>
+        </p:sp>
+      </p:grpSp>
+      <p:sp>
+        <p:nvSpPr>
+          <p:cNvPr id="44" name="Content Placeholder 17">
+            <a:extLst>
+              <a:ext uri="{FF2B5EF4-FFF2-40B4-BE49-F238E27FC236}">
+                <a16:creationId xmlns:a16="http://schemas.microsoft.com/office/drawing/2014/main" id="{ABB8FE08-FF2A-4F7D-8024-34E7D9B1E42B}"/>
+              </a:ext>
+            </a:extLst>
+          </p:cNvPr>
+          <p:cNvSpPr txBox="1">
+            <a:spLocks/>
+          </p:cNvSpPr>
+          <p:nvPr/>
+        </p:nvSpPr>
+        <p:spPr>
+          <a:xfrm>
+            <a:off x="1079386" y="4788143"/>
+            <a:ext cx="4504252" cy="369645"/>
+          </a:xfrm>
+          <a:prstGeom prst="rect">
+            <a:avLst/>
+          </a:prstGeom>
+        </p:spPr>
+        <p:txBody>
+          <a:bodyPr vert="horz" lIns="91440" tIns="45720" rIns="91440" bIns="45720" rtlCol="0">
+            <a:noAutofit/>
+          </a:bodyPr>
+          <a:lstStyle>
+            <a:lvl1pPr marL="228600" indent="-228600" algn="l" defTabSz="914400" rtl="0" eaLnBrk="1" latinLnBrk="0" hangingPunct="1">
+              <a:lnSpc>
+                <a:spcPts val="1800"/>
+              </a:lnSpc>
+              <a:spcBef>
+                <a:spcPts val="1000"/>
+              </a:spcBef>
+              <a:spcAft>
+                <a:spcPts val="1000"/>
+              </a:spcAft>
+              <a:buFont typeface="Arial" panose="020B0604020202020204" pitchFamily="34" charset="0"/>
+              <a:buChar char="•"/>
+              <a:defRPr lang="en-US" sz="1200" kern="1200" smtClean="0">
+                <a:solidFill>
+                  <a:schemeClr val="tx1">
+                    <a:lumMod val="75000"/>
+                    <a:lumOff val="25000"/>
+                  </a:schemeClr>
+                </a:solidFill>
+                <a:latin typeface="+mn-lt"/>
+                <a:ea typeface="+mn-ea"/>
+                <a:cs typeface="+mn-cs"/>
+              </a:defRPr>
+            </a:lvl1pPr>
+            <a:lvl2pPr marL="685800" indent="-228600" algn="l" defTabSz="914400" rtl="0" eaLnBrk="1" latinLnBrk="0" hangingPunct="1">
+              <a:lnSpc>
+                <a:spcPts val="1800"/>
+              </a:lnSpc>
+              <a:spcBef>
+                <a:spcPts val="1000"/>
+              </a:spcBef>
+              <a:spcAft>
+                <a:spcPts val="1000"/>
+              </a:spcAft>
+              <a:buFont typeface="Arial" panose="020B0604020202020204" pitchFamily="34" charset="0"/>
+              <a:buChar char="•"/>
+              <a:defRPr lang="en-US" sz="1200" kern="1200" smtClean="0">
+                <a:solidFill>
+                  <a:schemeClr val="tx1">
+                    <a:lumMod val="75000"/>
+                    <a:lumOff val="25000"/>
+                  </a:schemeClr>
+                </a:solidFill>
+                <a:latin typeface="+mn-lt"/>
+                <a:ea typeface="+mn-ea"/>
+                <a:cs typeface="+mn-cs"/>
+              </a:defRPr>
+            </a:lvl2pPr>
+            <a:lvl3pPr marL="1143000" indent="-228600" algn="l" defTabSz="914400" rtl="0" eaLnBrk="1" latinLnBrk="0" hangingPunct="1">
+              <a:lnSpc>
+                <a:spcPts val="1800"/>
+              </a:lnSpc>
+              <a:spcBef>
+                <a:spcPts val="1000"/>
+              </a:spcBef>
+              <a:spcAft>
+                <a:spcPts val="1000"/>
+              </a:spcAft>
+              <a:buFont typeface="Arial" panose="020B0604020202020204" pitchFamily="34" charset="0"/>
+              <a:buChar char="•"/>
+              <a:defRPr lang="en-US" sz="1200" kern="1200" smtClean="0">
+                <a:solidFill>
+                  <a:schemeClr val="tx1">
+                    <a:lumMod val="75000"/>
+                    <a:lumOff val="25000"/>
+                  </a:schemeClr>
+                </a:solidFill>
+                <a:latin typeface="+mn-lt"/>
+                <a:ea typeface="+mn-ea"/>
+                <a:cs typeface="+mn-cs"/>
+              </a:defRPr>
+            </a:lvl3pPr>
+            <a:lvl4pPr marL="1600200" indent="-228600" algn="l" defTabSz="914400" rtl="0" eaLnBrk="1" latinLnBrk="0" hangingPunct="1">
+              <a:lnSpc>
+                <a:spcPts val="1800"/>
+              </a:lnSpc>
+              <a:spcBef>
+                <a:spcPts val="1000"/>
+              </a:spcBef>
+              <a:spcAft>
+                <a:spcPts val="1000"/>
+              </a:spcAft>
+              <a:buFont typeface="Arial" panose="020B0604020202020204" pitchFamily="34" charset="0"/>
+              <a:buChar char="•"/>
+              <a:defRPr lang="en-US" sz="1200" kern="1200" smtClean="0">
+                <a:solidFill>
+                  <a:schemeClr val="tx1">
+                    <a:lumMod val="75000"/>
+                    <a:lumOff val="25000"/>
+                  </a:schemeClr>
+                </a:solidFill>
+                <a:latin typeface="+mn-lt"/>
+                <a:ea typeface="+mn-ea"/>
+                <a:cs typeface="+mn-cs"/>
+              </a:defRPr>
+            </a:lvl4pPr>
+            <a:lvl5pPr marL="2057400" indent="-228600" algn="l" defTabSz="914400" rtl="0" eaLnBrk="1" latinLnBrk="0" hangingPunct="1">
+              <a:lnSpc>
+                <a:spcPts val="1800"/>
+              </a:lnSpc>
+              <a:spcBef>
+                <a:spcPts val="1000"/>
+              </a:spcBef>
+              <a:spcAft>
+                <a:spcPts val="1000"/>
+              </a:spcAft>
+              <a:buFont typeface="Arial" panose="020B0604020202020204" pitchFamily="34" charset="0"/>
+              <a:buChar char="•"/>
+              <a:defRPr lang="en-US" sz="1200" kern="1200">
+                <a:solidFill>
+                  <a:schemeClr val="tx1">
+                    <a:lumMod val="75000"/>
+                    <a:lumOff val="25000"/>
+                  </a:schemeClr>
+                </a:solidFill>
+                <a:latin typeface="+mn-lt"/>
+                <a:ea typeface="+mn-ea"/>
+                <a:cs typeface="+mn-cs"/>
+              </a:defRPr>
+            </a:lvl5pPr>
+            <a:lvl6pPr marL="2514600" indent="-228600" algn="l" defTabSz="914400" rtl="0" eaLnBrk="1" latinLnBrk="0" hangingPunct="1">
+              <a:lnSpc>
+                <a:spcPct val="90000"/>
+              </a:lnSpc>
+              <a:spcBef>
+                <a:spcPct val="30000"/>
+              </a:spcBef>
+              <a:buFont typeface="Arial" panose="020B0604020202020204" pitchFamily="34" charset="0"/>
+              <a:buChar char="•"/>
+              <a:defRPr sz="1800" kern="1200">
+                <a:solidFill>
+                  <a:schemeClr val="tx1"/>
+                </a:solidFill>
+                <a:latin typeface="+mn-lt"/>
+                <a:ea typeface="+mn-ea"/>
+                <a:cs typeface="+mn-cs"/>
+              </a:defRPr>
+            </a:lvl6pPr>
+            <a:lvl7pPr marL="2971800" indent="-228600" algn="l" defTabSz="914400" rtl="0" eaLnBrk="1" latinLnBrk="0" hangingPunct="1">
+              <a:lnSpc>
+                <a:spcPct val="90000"/>
+              </a:lnSpc>
+              <a:spcBef>
+                <a:spcPct val="30000"/>
+              </a:spcBef>
+              <a:buFont typeface="Arial" panose="020B0604020202020204" pitchFamily="34" charset="0"/>
+              <a:buChar char="•"/>
+              <a:defRPr sz="1800" kern="1200">
+                <a:solidFill>
+                  <a:schemeClr val="tx1"/>
+                </a:solidFill>
+                <a:latin typeface="+mn-lt"/>
+                <a:ea typeface="+mn-ea"/>
+                <a:cs typeface="+mn-cs"/>
+              </a:defRPr>
+            </a:lvl7pPr>
+            <a:lvl8pPr marL="3429000" indent="-228600" algn="l" defTabSz="914400" rtl="0" eaLnBrk="1" latinLnBrk="0" hangingPunct="1">
+              <a:lnSpc>
+                <a:spcPct val="90000"/>
+              </a:lnSpc>
+              <a:spcBef>
+                <a:spcPct val="30000"/>
+              </a:spcBef>
+              <a:buFont typeface="Arial" panose="020B0604020202020204" pitchFamily="34" charset="0"/>
+              <a:buChar char="•"/>
+              <a:defRPr sz="1800" kern="1200">
+                <a:solidFill>
+                  <a:schemeClr val="tx1"/>
+                </a:solidFill>
+                <a:latin typeface="+mn-lt"/>
+                <a:ea typeface="+mn-ea"/>
+                <a:cs typeface="+mn-cs"/>
+              </a:defRPr>
+            </a:lvl8pPr>
+            <a:lvl9pPr marL="3886200" indent="-228600" algn="l" defTabSz="914400" rtl="0" eaLnBrk="1" latinLnBrk="0" hangingPunct="1">
+              <a:lnSpc>
+                <a:spcPct val="90000"/>
+              </a:lnSpc>
+              <a:spcBef>
+                <a:spcPct val="30000"/>
+              </a:spcBef>
+              <a:buFont typeface="Arial" panose="020B0604020202020204" pitchFamily="34" charset="0"/>
+              <a:buChar char="•"/>
+              <a:defRPr sz="1800" kern="1200">
+                <a:solidFill>
+                  <a:schemeClr val="tx1"/>
+                </a:solidFill>
+                <a:latin typeface="+mn-lt"/>
+                <a:ea typeface="+mn-ea"/>
+                <a:cs typeface="+mn-cs"/>
+              </a:defRPr>
+            </a:lvl9pPr>
+          </a:lstStyle>
+          <a:p>
+            <a:pPr marL="0" lvl="0" indent="0">
+              <a:spcAft>
+                <a:spcPts val="2000"/>
+              </a:spcAft>
+              <a:buNone/>
+              <a:defRPr/>
+            </a:pPr>
+            <a:r>
+              <a:rPr lang="en-US" sz="1400" dirty="0" smtClean="0">
+                <a:solidFill>
+                  <a:prstClr val="black">
+                    <a:lumMod val="75000"/>
+                    <a:lumOff val="25000"/>
+                  </a:prstClr>
+                </a:solidFill>
+                <a:latin typeface="Segoe UI" panose="020B0502040204020203" pitchFamily="34" charset="0"/>
+                <a:cs typeface="Segoe UI" panose="020B0502040204020203" pitchFamily="34" charset="0"/>
+              </a:rPr>
+              <a:t>Evaluations</a:t>
+            </a:r>
+          </a:p>
+        </p:txBody>
+      </p:sp>
+      <p:grpSp>
+        <p:nvGrpSpPr>
+          <p:cNvPr id="45" name="Group 44" descr="Small circle with number 4 inside  indicating step 4">
+            <a:extLst>
+              <a:ext uri="{FF2B5EF4-FFF2-40B4-BE49-F238E27FC236}">
+                <a16:creationId xmlns:a16="http://schemas.microsoft.com/office/drawing/2014/main" id="{16B3EE31-D121-4E83-A339-51E6C0036390}"/>
+              </a:ext>
+            </a:extLst>
+          </p:cNvPr>
+          <p:cNvGrpSpPr/>
+          <p:nvPr/>
+        </p:nvGrpSpPr>
+        <p:grpSpPr bwMode="blackWhite">
+          <a:xfrm>
+            <a:off x="544662" y="5495924"/>
+            <a:ext cx="558179" cy="409838"/>
+            <a:chOff x="6953426" y="711274"/>
+            <a:chExt cx="558179" cy="409838"/>
+          </a:xfrm>
+        </p:grpSpPr>
+        <p:sp>
+          <p:nvSpPr>
+            <p:cNvPr id="46" name="Oval 45" descr="Small circle">
+              <a:extLst>
+                <a:ext uri="{FF2B5EF4-FFF2-40B4-BE49-F238E27FC236}">
+                  <a16:creationId xmlns:a16="http://schemas.microsoft.com/office/drawing/2014/main" id="{3500E7CF-8F53-4BC2-ADCC-12145E19E37E}"/>
+                </a:ext>
+              </a:extLst>
+            </p:cNvPr>
+            <p:cNvSpPr/>
+            <p:nvPr/>
+          </p:nvSpPr>
+          <p:spPr bwMode="blackWhite">
+            <a:xfrm>
+              <a:off x="7025069" y="711274"/>
+              <a:ext cx="409838" cy="409838"/>
+            </a:xfrm>
+            <a:prstGeom prst="ellipse">
+              <a:avLst/>
+            </a:prstGeom>
+            <a:solidFill>
+              <a:srgbClr val="D24726"/>
+            </a:solidFill>
+            <a:ln>
+              <a:noFill/>
+            </a:ln>
+          </p:spPr>
+          <p:style>
+            <a:lnRef idx="2">
+              <a:schemeClr val="accent1">
+                <a:shade val="50000"/>
+              </a:schemeClr>
+            </a:lnRef>
+            <a:fillRef idx="1">
+              <a:schemeClr val="accent1"/>
+            </a:fillRef>
+            <a:effectRef idx="0">
+              <a:schemeClr val="accent1"/>
+            </a:effectRef>
+            <a:fontRef idx="minor">
+              <a:schemeClr val="lt1"/>
+            </a:fontRef>
+          </p:style>
+          <p:txBody>
+            <a:bodyPr rtlCol="0" anchor="ctr"/>
+            <a:lstStyle/>
+            <a:p>
+              <a:pPr algn="ctr"/>
+              <a:endParaRPr lang="en-US"/>
+            </a:p>
+          </p:txBody>
+        </p:sp>
+        <p:sp>
+          <p:nvSpPr>
+            <p:cNvPr id="47" name="TextBox 46" descr="Number 4">
+              <a:extLst>
+                <a:ext uri="{FF2B5EF4-FFF2-40B4-BE49-F238E27FC236}">
+                  <a16:creationId xmlns:a16="http://schemas.microsoft.com/office/drawing/2014/main" id="{9944F7F6-6D4B-4300-8888-B9CC72E3D34C}"/>
+                </a:ext>
+              </a:extLst>
+            </p:cNvPr>
+            <p:cNvSpPr txBox="1">
+              <a:spLocks noChangeAspect="1"/>
+            </p:cNvSpPr>
+            <p:nvPr/>
+          </p:nvSpPr>
+          <p:spPr bwMode="blackWhite">
+            <a:xfrm>
+              <a:off x="6953426" y="727564"/>
+              <a:ext cx="558179" cy="369332"/>
+            </a:xfrm>
+            <a:prstGeom prst="rect">
+              <a:avLst/>
+            </a:prstGeom>
+            <a:noFill/>
+          </p:spPr>
+          <p:txBody>
+            <a:bodyPr wrap="square" rtlCol="0">
+              <a:spAutoFit/>
+            </a:bodyPr>
+            <a:lstStyle/>
+            <a:p>
+              <a:pPr algn="ctr"/>
+              <a:r>
+                <a:rPr lang="en-US" dirty="0">
+                  <a:solidFill>
+                    <a:schemeClr val="bg1"/>
+                  </a:solidFill>
+                  <a:latin typeface="Segoe UI Semibold" panose="020B0702040204020203" pitchFamily="34" charset="0"/>
+                  <a:cs typeface="Segoe UI Semibold" panose="020B0702040204020203" pitchFamily="34" charset="0"/>
+                </a:rPr>
+                <a:t>6</a:t>
+              </a:r>
+            </a:p>
+          </p:txBody>
+        </p:sp>
+      </p:grpSp>
+      <p:sp>
+        <p:nvSpPr>
+          <p:cNvPr id="48" name="Content Placeholder 17">
+            <a:extLst>
+              <a:ext uri="{FF2B5EF4-FFF2-40B4-BE49-F238E27FC236}">
+                <a16:creationId xmlns:a16="http://schemas.microsoft.com/office/drawing/2014/main" id="{9E2CFFD3-B21F-4FBA-A42D-B69F80D438D4}"/>
+              </a:ext>
+            </a:extLst>
+          </p:cNvPr>
+          <p:cNvSpPr txBox="1">
+            <a:spLocks/>
+          </p:cNvSpPr>
+          <p:nvPr/>
+        </p:nvSpPr>
+        <p:spPr>
+          <a:xfrm>
+            <a:off x="1069623" y="5536117"/>
+            <a:ext cx="4504252" cy="369645"/>
+          </a:xfrm>
+          <a:prstGeom prst="rect">
+            <a:avLst/>
+          </a:prstGeom>
+        </p:spPr>
+        <p:txBody>
+          <a:bodyPr vert="horz" lIns="91440" tIns="45720" rIns="91440" bIns="45720" rtlCol="0">
+            <a:noAutofit/>
+          </a:bodyPr>
+          <a:lstStyle>
+            <a:lvl1pPr marL="228600" indent="-228600" algn="l" defTabSz="914400" rtl="0" eaLnBrk="1" latinLnBrk="0" hangingPunct="1">
+              <a:lnSpc>
+                <a:spcPts val="1800"/>
+              </a:lnSpc>
+              <a:spcBef>
+                <a:spcPts val="1000"/>
+              </a:spcBef>
+              <a:spcAft>
+                <a:spcPts val="1000"/>
+              </a:spcAft>
+              <a:buFont typeface="Arial" panose="020B0604020202020204" pitchFamily="34" charset="0"/>
+              <a:buChar char="•"/>
+              <a:defRPr lang="en-US" sz="1200" kern="1200" smtClean="0">
+                <a:solidFill>
+                  <a:schemeClr val="tx1">
+                    <a:lumMod val="75000"/>
+                    <a:lumOff val="25000"/>
+                  </a:schemeClr>
+                </a:solidFill>
+                <a:latin typeface="+mn-lt"/>
+                <a:ea typeface="+mn-ea"/>
+                <a:cs typeface="+mn-cs"/>
+              </a:defRPr>
+            </a:lvl1pPr>
+            <a:lvl2pPr marL="685800" indent="-228600" algn="l" defTabSz="914400" rtl="0" eaLnBrk="1" latinLnBrk="0" hangingPunct="1">
+              <a:lnSpc>
+                <a:spcPts val="1800"/>
+              </a:lnSpc>
+              <a:spcBef>
+                <a:spcPts val="1000"/>
+              </a:spcBef>
+              <a:spcAft>
+                <a:spcPts val="1000"/>
+              </a:spcAft>
+              <a:buFont typeface="Arial" panose="020B0604020202020204" pitchFamily="34" charset="0"/>
+              <a:buChar char="•"/>
+              <a:defRPr lang="en-US" sz="1200" kern="1200" smtClean="0">
+                <a:solidFill>
+                  <a:schemeClr val="tx1">
+                    <a:lumMod val="75000"/>
+                    <a:lumOff val="25000"/>
+                  </a:schemeClr>
+                </a:solidFill>
+                <a:latin typeface="+mn-lt"/>
+                <a:ea typeface="+mn-ea"/>
+                <a:cs typeface="+mn-cs"/>
+              </a:defRPr>
+            </a:lvl2pPr>
+            <a:lvl3pPr marL="1143000" indent="-228600" algn="l" defTabSz="914400" rtl="0" eaLnBrk="1" latinLnBrk="0" hangingPunct="1">
+              <a:lnSpc>
+                <a:spcPts val="1800"/>
+              </a:lnSpc>
+              <a:spcBef>
+                <a:spcPts val="1000"/>
+              </a:spcBef>
+              <a:spcAft>
+                <a:spcPts val="1000"/>
+              </a:spcAft>
+              <a:buFont typeface="Arial" panose="020B0604020202020204" pitchFamily="34" charset="0"/>
+              <a:buChar char="•"/>
+              <a:defRPr lang="en-US" sz="1200" kern="1200" smtClean="0">
+                <a:solidFill>
+                  <a:schemeClr val="tx1">
+                    <a:lumMod val="75000"/>
+                    <a:lumOff val="25000"/>
+                  </a:schemeClr>
+                </a:solidFill>
+                <a:latin typeface="+mn-lt"/>
+                <a:ea typeface="+mn-ea"/>
+                <a:cs typeface="+mn-cs"/>
+              </a:defRPr>
+            </a:lvl3pPr>
+            <a:lvl4pPr marL="1600200" indent="-228600" algn="l" defTabSz="914400" rtl="0" eaLnBrk="1" latinLnBrk="0" hangingPunct="1">
+              <a:lnSpc>
+                <a:spcPts val="1800"/>
+              </a:lnSpc>
+              <a:spcBef>
+                <a:spcPts val="1000"/>
+              </a:spcBef>
+              <a:spcAft>
+                <a:spcPts val="1000"/>
+              </a:spcAft>
+              <a:buFont typeface="Arial" panose="020B0604020202020204" pitchFamily="34" charset="0"/>
+              <a:buChar char="•"/>
+              <a:defRPr lang="en-US" sz="1200" kern="1200" smtClean="0">
+                <a:solidFill>
+                  <a:schemeClr val="tx1">
+                    <a:lumMod val="75000"/>
+                    <a:lumOff val="25000"/>
+                  </a:schemeClr>
+                </a:solidFill>
+                <a:latin typeface="+mn-lt"/>
+                <a:ea typeface="+mn-ea"/>
+                <a:cs typeface="+mn-cs"/>
+              </a:defRPr>
+            </a:lvl4pPr>
+            <a:lvl5pPr marL="2057400" indent="-228600" algn="l" defTabSz="914400" rtl="0" eaLnBrk="1" latinLnBrk="0" hangingPunct="1">
+              <a:lnSpc>
+                <a:spcPts val="1800"/>
+              </a:lnSpc>
+              <a:spcBef>
+                <a:spcPts val="1000"/>
+              </a:spcBef>
+              <a:spcAft>
+                <a:spcPts val="1000"/>
+              </a:spcAft>
+              <a:buFont typeface="Arial" panose="020B0604020202020204" pitchFamily="34" charset="0"/>
+              <a:buChar char="•"/>
+              <a:defRPr lang="en-US" sz="1200" kern="1200">
+                <a:solidFill>
+                  <a:schemeClr val="tx1">
+                    <a:lumMod val="75000"/>
+                    <a:lumOff val="25000"/>
+                  </a:schemeClr>
+                </a:solidFill>
+                <a:latin typeface="+mn-lt"/>
+                <a:ea typeface="+mn-ea"/>
+                <a:cs typeface="+mn-cs"/>
+              </a:defRPr>
+            </a:lvl5pPr>
+            <a:lvl6pPr marL="2514600" indent="-228600" algn="l" defTabSz="914400" rtl="0" eaLnBrk="1" latinLnBrk="0" hangingPunct="1">
+              <a:lnSpc>
+                <a:spcPct val="90000"/>
+              </a:lnSpc>
+              <a:spcBef>
+                <a:spcPct val="30000"/>
+              </a:spcBef>
+              <a:buFont typeface="Arial" panose="020B0604020202020204" pitchFamily="34" charset="0"/>
+              <a:buChar char="•"/>
+              <a:defRPr sz="1800" kern="1200">
+                <a:solidFill>
+                  <a:schemeClr val="tx1"/>
+                </a:solidFill>
+                <a:latin typeface="+mn-lt"/>
+                <a:ea typeface="+mn-ea"/>
+                <a:cs typeface="+mn-cs"/>
+              </a:defRPr>
+            </a:lvl6pPr>
+            <a:lvl7pPr marL="2971800" indent="-228600" algn="l" defTabSz="914400" rtl="0" eaLnBrk="1" latinLnBrk="0" hangingPunct="1">
+              <a:lnSpc>
+                <a:spcPct val="90000"/>
+              </a:lnSpc>
+              <a:spcBef>
+                <a:spcPct val="30000"/>
+              </a:spcBef>
+              <a:buFont typeface="Arial" panose="020B0604020202020204" pitchFamily="34" charset="0"/>
+              <a:buChar char="•"/>
+              <a:defRPr sz="1800" kern="1200">
+                <a:solidFill>
+                  <a:schemeClr val="tx1"/>
+                </a:solidFill>
+                <a:latin typeface="+mn-lt"/>
+                <a:ea typeface="+mn-ea"/>
+                <a:cs typeface="+mn-cs"/>
+              </a:defRPr>
+            </a:lvl7pPr>
+            <a:lvl8pPr marL="3429000" indent="-228600" algn="l" defTabSz="914400" rtl="0" eaLnBrk="1" latinLnBrk="0" hangingPunct="1">
+              <a:lnSpc>
+                <a:spcPct val="90000"/>
+              </a:lnSpc>
+              <a:spcBef>
+                <a:spcPct val="30000"/>
+              </a:spcBef>
+              <a:buFont typeface="Arial" panose="020B0604020202020204" pitchFamily="34" charset="0"/>
+              <a:buChar char="•"/>
+              <a:defRPr sz="1800" kern="1200">
+                <a:solidFill>
+                  <a:schemeClr val="tx1"/>
+                </a:solidFill>
+                <a:latin typeface="+mn-lt"/>
+                <a:ea typeface="+mn-ea"/>
+                <a:cs typeface="+mn-cs"/>
+              </a:defRPr>
+            </a:lvl8pPr>
+            <a:lvl9pPr marL="3886200" indent="-228600" algn="l" defTabSz="914400" rtl="0" eaLnBrk="1" latinLnBrk="0" hangingPunct="1">
+              <a:lnSpc>
+                <a:spcPct val="90000"/>
+              </a:lnSpc>
+              <a:spcBef>
+                <a:spcPct val="30000"/>
+              </a:spcBef>
+              <a:buFont typeface="Arial" panose="020B0604020202020204" pitchFamily="34" charset="0"/>
+              <a:buChar char="•"/>
+              <a:defRPr sz="1800" kern="1200">
+                <a:solidFill>
+                  <a:schemeClr val="tx1"/>
+                </a:solidFill>
+                <a:latin typeface="+mn-lt"/>
+                <a:ea typeface="+mn-ea"/>
+                <a:cs typeface="+mn-cs"/>
+              </a:defRPr>
+            </a:lvl9pPr>
+          </a:lstStyle>
+          <a:p>
+            <a:pPr marL="0" lvl="0" indent="0">
+              <a:spcAft>
+                <a:spcPts val="2000"/>
+              </a:spcAft>
+              <a:buNone/>
+              <a:defRPr/>
+            </a:pPr>
+            <a:r>
+              <a:rPr lang="en-US" sz="1400" dirty="0" smtClean="0">
+                <a:solidFill>
+                  <a:prstClr val="black">
+                    <a:lumMod val="75000"/>
+                    <a:lumOff val="25000"/>
+                  </a:prstClr>
+                </a:solidFill>
+                <a:latin typeface="Segoe UI" panose="020B0502040204020203" pitchFamily="34" charset="0"/>
+                <a:cs typeface="Segoe UI" panose="020B0502040204020203" pitchFamily="34" charset="0"/>
+              </a:rPr>
+              <a:t>Future works</a:t>
+            </a:r>
+            <a:endParaRPr lang="en-US" sz="1400" dirty="0">
+              <a:solidFill>
+                <a:prstClr val="black">
+                  <a:lumMod val="75000"/>
+                  <a:lumOff val="25000"/>
+                </a:prstClr>
+              </a:solidFill>
+              <a:latin typeface="Segoe UI" panose="020B0502040204020203" pitchFamily="34" charset="0"/>
+              <a:cs typeface="Segoe UI" panose="020B0502040204020203" pitchFamily="34" charset="0"/>
+            </a:endParaRPr>
+          </a:p>
+        </p:txBody>
+      </p:sp>
+      <p:sp>
+        <p:nvSpPr>
+          <p:cNvPr id="53" name="Rectangle 52">
+            <a:extLst>
+              <a:ext uri="{FF2B5EF4-FFF2-40B4-BE49-F238E27FC236}">
+                <a16:creationId xmlns:a16="http://schemas.microsoft.com/office/drawing/2014/main" id="{89A0A751-FA03-44FE-B2D3-CE7D1EE38EF6}"/>
+              </a:ext>
+            </a:extLst>
+          </p:cNvPr>
+          <p:cNvSpPr/>
+          <p:nvPr/>
+        </p:nvSpPr>
+        <p:spPr>
+          <a:xfrm>
+            <a:off x="5651770" y="5508999"/>
+            <a:ext cx="5132752" cy="307777"/>
+          </a:xfrm>
+          <a:prstGeom prst="rect">
+            <a:avLst/>
+          </a:prstGeom>
+        </p:spPr>
+        <p:txBody>
+          <a:bodyPr wrap="none">
+            <a:spAutoFit/>
+          </a:bodyPr>
+          <a:lstStyle/>
+          <a:p>
+            <a:r>
+              <a:rPr lang="en-US" sz="1400" b="1" dirty="0">
+                <a:solidFill>
+                  <a:srgbClr val="131413"/>
+                </a:solidFill>
+                <a:latin typeface="+mj-lt"/>
+              </a:rPr>
+              <a:t>Figure 1. </a:t>
+            </a:r>
+            <a:r>
+              <a:rPr lang="vi-VN" sz="1400" dirty="0" smtClean="0">
+                <a:solidFill>
+                  <a:srgbClr val="131413"/>
+                </a:solidFill>
+                <a:latin typeface="+mj-lt"/>
+              </a:rPr>
+              <a:t>Material classification has been used in </a:t>
+            </a:r>
+            <a:r>
+              <a:rPr lang="en-US" sz="1400" dirty="0">
+                <a:solidFill>
+                  <a:srgbClr val="131413"/>
+                </a:solidFill>
+                <a:latin typeface="+mj-lt"/>
+              </a:rPr>
+              <a:t>Robot </a:t>
+            </a:r>
+            <a:r>
+              <a:rPr lang="en-US" sz="1400" dirty="0" smtClean="0">
+                <a:solidFill>
+                  <a:srgbClr val="131413"/>
+                </a:solidFill>
+                <a:latin typeface="+mj-lt"/>
+              </a:rPr>
+              <a:t>Navigation</a:t>
+            </a:r>
+            <a:r>
+              <a:rPr lang="vi-VN" sz="1400" dirty="0" smtClean="0">
+                <a:solidFill>
+                  <a:srgbClr val="131413"/>
+                </a:solidFill>
+                <a:latin typeface="+mj-lt"/>
+              </a:rPr>
+              <a:t> </a:t>
+            </a:r>
+            <a:endParaRPr lang="en-US" sz="1400" dirty="0">
+              <a:latin typeface="+mj-lt"/>
+            </a:endParaRPr>
+          </a:p>
+        </p:txBody>
+      </p:sp>
+      <p:pic>
+        <p:nvPicPr>
+          <p:cNvPr id="7170" name="Picture 2" descr="Image result for robotic navigation"/>
+          <p:cNvPicPr>
+            <a:picLocks noChangeAspect="1" noChangeArrowheads="1"/>
+          </p:cNvPicPr>
+          <p:nvPr/>
+        </p:nvPicPr>
+        <p:blipFill>
+          <a:blip r:embed="rId2">
+            <a:extLst>
+              <a:ext uri="{28A0092B-C50C-407E-A947-70E740481C1C}">
+                <a14:useLocalDpi xmlns:a14="http://schemas.microsoft.com/office/drawing/2010/main" val="0"/>
+              </a:ext>
+            </a:extLst>
+          </a:blip>
+          <a:srcRect/>
+          <a:stretch>
+            <a:fillRect/>
+          </a:stretch>
+        </p:blipFill>
+        <p:spPr bwMode="auto">
+          <a:xfrm>
+            <a:off x="5948632" y="1770314"/>
+            <a:ext cx="4381500" cy="3429001"/>
+          </a:xfrm>
+          <a:prstGeom prst="rect">
+            <a:avLst/>
+          </a:prstGeom>
+          <a:noFill/>
+          <a:extLst>
+            <a:ext uri="{909E8E84-426E-40DD-AFC4-6F175D3DCCD1}">
+              <a14:hiddenFill xmlns:a14="http://schemas.microsoft.com/office/drawing/2010/main">
+                <a:solidFill>
+                  <a:srgbClr val="FFFFFF"/>
+                </a:solidFill>
+              </a14:hiddenFill>
+            </a:ext>
+          </a:extLst>
+        </p:spPr>
+      </p:pic>
+    </p:spTree>
+    <p:extLst>
+      <p:ext uri="{BB962C8B-B14F-4D97-AF65-F5344CB8AC3E}">
+        <p14:creationId xmlns:p14="http://schemas.microsoft.com/office/powerpoint/2010/main" val="1107001750"/>
+      </p:ext>
+    </p:extLst>
+  </p:cSld>
+  <p:clrMapOvr>
+    <a:masterClrMapping/>
+  </p:clrMapOvr>
+  <mc:AlternateContent xmlns:mc="http://schemas.openxmlformats.org/markup-compatibility/2006" xmlns:p15="http://schemas.microsoft.com/office/powerpoint/2012/main">
+    <mc:Choice Requires="p15">
+      <p:transition xmlns:p14="http://schemas.microsoft.com/office/powerpoint/2010/main" spd="slow" p14:dur="2000">
+        <p15:prstTrans prst="drape"/>
+      </p:transition>
+    </mc:Choice>
+    <mc:Fallback xmlns="">
+      <p:transition spd="slow">
+        <p:fade/>
+      </p:transition>
+    </mc:Fallback>
+  </mc:AlternateContent>
+  <p:timing>
+    <p:tnLst>
+      <p:par>
+        <p:cTn id="1" dur="indefinite" restart="never" nodeType="tmRoot"/>
+      </p:par>
+    </p:tnLst>
+  </p:timing>
+</p:sld>
+</file>
+
+<file path=ppt/slides/slide20.xml><?xml version="1.0" encoding="utf-8"?>
 <p:sld xmlns:a="http://schemas.openxmlformats.org/drawingml/2006/main" xmlns:r="http://schemas.openxmlformats.org/officeDocument/2006/relationships" xmlns:p="http://schemas.openxmlformats.org/presentationml/2006/main">
   <p:cSld>
     <p:spTree>
@@ -11176,7 +14037,7 @@
 </p:sld>
 </file>
 
-<file path=ppt/slides/slide19.xml><?xml version="1.0" encoding="utf-8"?>
+<file path=ppt/slides/slide21.xml><?xml version="1.0" encoding="utf-8"?>
 <p:sld xmlns:a="http://schemas.openxmlformats.org/drawingml/2006/main" xmlns:r="http://schemas.openxmlformats.org/officeDocument/2006/relationships" xmlns:p="http://schemas.openxmlformats.org/presentationml/2006/main">
   <p:cSld>
     <p:spTree>
@@ -11306,2568 +14167,7 @@
 </p:sld>
 </file>
 
-<file path=ppt/slides/slide2.xml><?xml version="1.0" encoding="utf-8"?>
-<p:sld xmlns:a="http://schemas.openxmlformats.org/drawingml/2006/main" xmlns:r="http://schemas.openxmlformats.org/officeDocument/2006/relationships" xmlns:p="http://schemas.openxmlformats.org/presentationml/2006/main">
-  <p:cSld>
-    <p:spTree>
-      <p:nvGrpSpPr>
-        <p:cNvPr id="1" name=""/>
-        <p:cNvGrpSpPr/>
-        <p:nvPr/>
-      </p:nvGrpSpPr>
-      <p:grpSpPr>
-        <a:xfrm>
-          <a:off x="0" y="0"/>
-          <a:ext cx="0" cy="0"/>
-          <a:chOff x="0" y="0"/>
-          <a:chExt cx="0" cy="0"/>
-        </a:xfrm>
-      </p:grpSpPr>
-      <p:sp>
-        <p:nvSpPr>
-          <p:cNvPr id="4" name="Title 3"/>
-          <p:cNvSpPr>
-            <a:spLocks noGrp="1"/>
-          </p:cNvSpPr>
-          <p:nvPr>
-            <p:ph type="title"/>
-          </p:nvPr>
-        </p:nvSpPr>
-        <p:spPr/>
-        <p:txBody>
-          <a:bodyPr>
-            <a:normAutofit/>
-          </a:bodyPr>
-          <a:lstStyle/>
-          <a:p>
-            <a:r>
-              <a:rPr lang="en-US" b="1" dirty="0">
-                <a:latin typeface="Segoe UI Light" panose="020B0502040204020203" pitchFamily="34" charset="0"/>
-                <a:cs typeface="Segoe UI Light" panose="020B0502040204020203" pitchFamily="34" charset="0"/>
-              </a:rPr>
-              <a:t>Contents</a:t>
-            </a:r>
-          </a:p>
-        </p:txBody>
-      </p:sp>
-      <p:sp>
-        <p:nvSpPr>
-          <p:cNvPr id="25" name="Content Placeholder 17"/>
-          <p:cNvSpPr txBox="1">
-            <a:spLocks/>
-          </p:cNvSpPr>
-          <p:nvPr/>
-        </p:nvSpPr>
-        <p:spPr>
-          <a:xfrm>
-            <a:off x="541609" y="1455491"/>
-            <a:ext cx="5110161" cy="471149"/>
-          </a:xfrm>
-          <a:prstGeom prst="rect">
-            <a:avLst/>
-          </a:prstGeom>
-        </p:spPr>
-        <p:txBody>
-          <a:bodyPr vert="horz" lIns="91440" tIns="45720" rIns="91440" bIns="45720" rtlCol="0">
-            <a:normAutofit/>
-          </a:bodyPr>
-          <a:lstStyle>
-            <a:lvl1pPr marL="228600" indent="-228600" algn="l" defTabSz="914400" rtl="0" eaLnBrk="1" latinLnBrk="0" hangingPunct="1">
-              <a:lnSpc>
-                <a:spcPts val="1800"/>
-              </a:lnSpc>
-              <a:spcBef>
-                <a:spcPts val="1000"/>
-              </a:spcBef>
-              <a:spcAft>
-                <a:spcPts val="1000"/>
-              </a:spcAft>
-              <a:buFont typeface="Arial" panose="020B0604020202020204" pitchFamily="34" charset="0"/>
-              <a:buChar char="•"/>
-              <a:defRPr lang="en-US" sz="1200" kern="1200" smtClean="0">
-                <a:solidFill>
-                  <a:schemeClr val="tx1">
-                    <a:lumMod val="75000"/>
-                    <a:lumOff val="25000"/>
-                  </a:schemeClr>
-                </a:solidFill>
-                <a:latin typeface="+mn-lt"/>
-                <a:ea typeface="+mn-ea"/>
-                <a:cs typeface="+mn-cs"/>
-              </a:defRPr>
-            </a:lvl1pPr>
-            <a:lvl2pPr marL="685800" indent="-228600" algn="l" defTabSz="914400" rtl="0" eaLnBrk="1" latinLnBrk="0" hangingPunct="1">
-              <a:lnSpc>
-                <a:spcPts val="1800"/>
-              </a:lnSpc>
-              <a:spcBef>
-                <a:spcPts val="1000"/>
-              </a:spcBef>
-              <a:spcAft>
-                <a:spcPts val="1000"/>
-              </a:spcAft>
-              <a:buFont typeface="Arial" panose="020B0604020202020204" pitchFamily="34" charset="0"/>
-              <a:buChar char="•"/>
-              <a:defRPr lang="en-US" sz="1200" kern="1200" smtClean="0">
-                <a:solidFill>
-                  <a:schemeClr val="tx1">
-                    <a:lumMod val="75000"/>
-                    <a:lumOff val="25000"/>
-                  </a:schemeClr>
-                </a:solidFill>
-                <a:latin typeface="+mn-lt"/>
-                <a:ea typeface="+mn-ea"/>
-                <a:cs typeface="+mn-cs"/>
-              </a:defRPr>
-            </a:lvl2pPr>
-            <a:lvl3pPr marL="1143000" indent="-228600" algn="l" defTabSz="914400" rtl="0" eaLnBrk="1" latinLnBrk="0" hangingPunct="1">
-              <a:lnSpc>
-                <a:spcPts val="1800"/>
-              </a:lnSpc>
-              <a:spcBef>
-                <a:spcPts val="1000"/>
-              </a:spcBef>
-              <a:spcAft>
-                <a:spcPts val="1000"/>
-              </a:spcAft>
-              <a:buFont typeface="Arial" panose="020B0604020202020204" pitchFamily="34" charset="0"/>
-              <a:buChar char="•"/>
-              <a:defRPr lang="en-US" sz="1200" kern="1200" smtClean="0">
-                <a:solidFill>
-                  <a:schemeClr val="tx1">
-                    <a:lumMod val="75000"/>
-                    <a:lumOff val="25000"/>
-                  </a:schemeClr>
-                </a:solidFill>
-                <a:latin typeface="+mn-lt"/>
-                <a:ea typeface="+mn-ea"/>
-                <a:cs typeface="+mn-cs"/>
-              </a:defRPr>
-            </a:lvl3pPr>
-            <a:lvl4pPr marL="1600200" indent="-228600" algn="l" defTabSz="914400" rtl="0" eaLnBrk="1" latinLnBrk="0" hangingPunct="1">
-              <a:lnSpc>
-                <a:spcPts val="1800"/>
-              </a:lnSpc>
-              <a:spcBef>
-                <a:spcPts val="1000"/>
-              </a:spcBef>
-              <a:spcAft>
-                <a:spcPts val="1000"/>
-              </a:spcAft>
-              <a:buFont typeface="Arial" panose="020B0604020202020204" pitchFamily="34" charset="0"/>
-              <a:buChar char="•"/>
-              <a:defRPr lang="en-US" sz="1200" kern="1200" smtClean="0">
-                <a:solidFill>
-                  <a:schemeClr val="tx1">
-                    <a:lumMod val="75000"/>
-                    <a:lumOff val="25000"/>
-                  </a:schemeClr>
-                </a:solidFill>
-                <a:latin typeface="+mn-lt"/>
-                <a:ea typeface="+mn-ea"/>
-                <a:cs typeface="+mn-cs"/>
-              </a:defRPr>
-            </a:lvl4pPr>
-            <a:lvl5pPr marL="2057400" indent="-228600" algn="l" defTabSz="914400" rtl="0" eaLnBrk="1" latinLnBrk="0" hangingPunct="1">
-              <a:lnSpc>
-                <a:spcPts val="1800"/>
-              </a:lnSpc>
-              <a:spcBef>
-                <a:spcPts val="1000"/>
-              </a:spcBef>
-              <a:spcAft>
-                <a:spcPts val="1000"/>
-              </a:spcAft>
-              <a:buFont typeface="Arial" panose="020B0604020202020204" pitchFamily="34" charset="0"/>
-              <a:buChar char="•"/>
-              <a:defRPr lang="en-US" sz="1200" kern="1200">
-                <a:solidFill>
-                  <a:schemeClr val="tx1">
-                    <a:lumMod val="75000"/>
-                    <a:lumOff val="25000"/>
-                  </a:schemeClr>
-                </a:solidFill>
-                <a:latin typeface="+mn-lt"/>
-                <a:ea typeface="+mn-ea"/>
-                <a:cs typeface="+mn-cs"/>
-              </a:defRPr>
-            </a:lvl5pPr>
-            <a:lvl6pPr marL="2514600" indent="-228600" algn="l" defTabSz="914400" rtl="0" eaLnBrk="1" latinLnBrk="0" hangingPunct="1">
-              <a:lnSpc>
-                <a:spcPct val="90000"/>
-              </a:lnSpc>
-              <a:spcBef>
-                <a:spcPct val="30000"/>
-              </a:spcBef>
-              <a:buFont typeface="Arial" panose="020B0604020202020204" pitchFamily="34" charset="0"/>
-              <a:buChar char="•"/>
-              <a:defRPr sz="1800" kern="1200">
-                <a:solidFill>
-                  <a:schemeClr val="tx1"/>
-                </a:solidFill>
-                <a:latin typeface="+mn-lt"/>
-                <a:ea typeface="+mn-ea"/>
-                <a:cs typeface="+mn-cs"/>
-              </a:defRPr>
-            </a:lvl6pPr>
-            <a:lvl7pPr marL="2971800" indent="-228600" algn="l" defTabSz="914400" rtl="0" eaLnBrk="1" latinLnBrk="0" hangingPunct="1">
-              <a:lnSpc>
-                <a:spcPct val="90000"/>
-              </a:lnSpc>
-              <a:spcBef>
-                <a:spcPct val="30000"/>
-              </a:spcBef>
-              <a:buFont typeface="Arial" panose="020B0604020202020204" pitchFamily="34" charset="0"/>
-              <a:buChar char="•"/>
-              <a:defRPr sz="1800" kern="1200">
-                <a:solidFill>
-                  <a:schemeClr val="tx1"/>
-                </a:solidFill>
-                <a:latin typeface="+mn-lt"/>
-                <a:ea typeface="+mn-ea"/>
-                <a:cs typeface="+mn-cs"/>
-              </a:defRPr>
-            </a:lvl7pPr>
-            <a:lvl8pPr marL="3429000" indent="-228600" algn="l" defTabSz="914400" rtl="0" eaLnBrk="1" latinLnBrk="0" hangingPunct="1">
-              <a:lnSpc>
-                <a:spcPct val="90000"/>
-              </a:lnSpc>
-              <a:spcBef>
-                <a:spcPct val="30000"/>
-              </a:spcBef>
-              <a:buFont typeface="Arial" panose="020B0604020202020204" pitchFamily="34" charset="0"/>
-              <a:buChar char="•"/>
-              <a:defRPr sz="1800" kern="1200">
-                <a:solidFill>
-                  <a:schemeClr val="tx1"/>
-                </a:solidFill>
-                <a:latin typeface="+mn-lt"/>
-                <a:ea typeface="+mn-ea"/>
-                <a:cs typeface="+mn-cs"/>
-              </a:defRPr>
-            </a:lvl8pPr>
-            <a:lvl9pPr marL="3886200" indent="-228600" algn="l" defTabSz="914400" rtl="0" eaLnBrk="1" latinLnBrk="0" hangingPunct="1">
-              <a:lnSpc>
-                <a:spcPct val="90000"/>
-              </a:lnSpc>
-              <a:spcBef>
-                <a:spcPct val="30000"/>
-              </a:spcBef>
-              <a:buFont typeface="Arial" panose="020B0604020202020204" pitchFamily="34" charset="0"/>
-              <a:buChar char="•"/>
-              <a:defRPr sz="1800" kern="1200">
-                <a:solidFill>
-                  <a:schemeClr val="tx1"/>
-                </a:solidFill>
-                <a:latin typeface="+mn-lt"/>
-                <a:ea typeface="+mn-ea"/>
-                <a:cs typeface="+mn-cs"/>
-              </a:defRPr>
-            </a:lvl9pPr>
-          </a:lstStyle>
-          <a:p>
-            <a:pPr marL="0" indent="0">
-              <a:spcAft>
-                <a:spcPts val="2000"/>
-              </a:spcAft>
-              <a:buNone/>
-            </a:pPr>
-            <a:endParaRPr lang="en-US" dirty="0">
-              <a:latin typeface="Segoe UI" panose="020B0502040204020203" pitchFamily="34" charset="0"/>
-              <a:cs typeface="Segoe UI" panose="020B0502040204020203" pitchFamily="34" charset="0"/>
-            </a:endParaRPr>
-          </a:p>
-        </p:txBody>
-      </p:sp>
-      <p:grpSp>
-        <p:nvGrpSpPr>
-          <p:cNvPr id="18" name="Group 17" descr="Small circle with number 1 inside  indicating step 1"/>
-          <p:cNvGrpSpPr/>
-          <p:nvPr/>
-        </p:nvGrpSpPr>
-        <p:grpSpPr bwMode="blackWhite">
-          <a:xfrm>
-            <a:off x="531552" y="1666206"/>
-            <a:ext cx="558179" cy="409838"/>
-            <a:chOff x="6953426" y="711274"/>
-            <a:chExt cx="558179" cy="409838"/>
-          </a:xfrm>
-        </p:grpSpPr>
-        <p:sp>
-          <p:nvSpPr>
-            <p:cNvPr id="19" name="Oval 18" descr="Small circle"/>
-            <p:cNvSpPr/>
-            <p:nvPr/>
-          </p:nvSpPr>
-          <p:spPr bwMode="blackWhite">
-            <a:xfrm>
-              <a:off x="7025069" y="711274"/>
-              <a:ext cx="409838" cy="409838"/>
-            </a:xfrm>
-            <a:prstGeom prst="ellipse">
-              <a:avLst/>
-            </a:prstGeom>
-            <a:solidFill>
-              <a:srgbClr val="D24726"/>
-            </a:solidFill>
-            <a:ln>
-              <a:noFill/>
-            </a:ln>
-          </p:spPr>
-          <p:style>
-            <a:lnRef idx="2">
-              <a:schemeClr val="accent1">
-                <a:shade val="50000"/>
-              </a:schemeClr>
-            </a:lnRef>
-            <a:fillRef idx="1">
-              <a:schemeClr val="accent1"/>
-            </a:fillRef>
-            <a:effectRef idx="0">
-              <a:schemeClr val="accent1"/>
-            </a:effectRef>
-            <a:fontRef idx="minor">
-              <a:schemeClr val="lt1"/>
-            </a:fontRef>
-          </p:style>
-          <p:txBody>
-            <a:bodyPr rtlCol="0" anchor="ctr"/>
-            <a:lstStyle/>
-            <a:p>
-              <a:pPr algn="ctr"/>
-              <a:endParaRPr lang="en-US"/>
-            </a:p>
-          </p:txBody>
-        </p:sp>
-        <p:sp>
-          <p:nvSpPr>
-            <p:cNvPr id="20" name="TextBox 19" descr="Number 1"/>
-            <p:cNvSpPr txBox="1">
-              <a:spLocks noChangeAspect="1"/>
-            </p:cNvSpPr>
-            <p:nvPr/>
-          </p:nvSpPr>
-          <p:spPr bwMode="blackWhite">
-            <a:xfrm>
-              <a:off x="6953426" y="727564"/>
-              <a:ext cx="558179" cy="369332"/>
-            </a:xfrm>
-            <a:prstGeom prst="rect">
-              <a:avLst/>
-            </a:prstGeom>
-            <a:noFill/>
-          </p:spPr>
-          <p:txBody>
-            <a:bodyPr wrap="square" rtlCol="0">
-              <a:spAutoFit/>
-            </a:bodyPr>
-            <a:lstStyle/>
-            <a:p>
-              <a:pPr algn="ctr"/>
-              <a:r>
-                <a:rPr lang="en-US" dirty="0">
-                  <a:solidFill>
-                    <a:schemeClr val="bg1"/>
-                  </a:solidFill>
-                  <a:latin typeface="Segoe UI Semibold" panose="020B0702040204020203" pitchFamily="34" charset="0"/>
-                  <a:cs typeface="Segoe UI Semibold" panose="020B0702040204020203" pitchFamily="34" charset="0"/>
-                </a:rPr>
-                <a:t>1</a:t>
-              </a:r>
-            </a:p>
-          </p:txBody>
-        </p:sp>
-      </p:grpSp>
-      <p:sp>
-        <p:nvSpPr>
-          <p:cNvPr id="21" name="Content Placeholder 17"/>
-          <p:cNvSpPr txBox="1">
-            <a:spLocks/>
-          </p:cNvSpPr>
-          <p:nvPr/>
-        </p:nvSpPr>
-        <p:spPr>
-          <a:xfrm>
-            <a:off x="1056513" y="1706399"/>
-            <a:ext cx="4585731" cy="302610"/>
-          </a:xfrm>
-          <a:prstGeom prst="rect">
-            <a:avLst/>
-          </a:prstGeom>
-        </p:spPr>
-        <p:txBody>
-          <a:bodyPr vert="horz" lIns="91440" tIns="45720" rIns="91440" bIns="45720" rtlCol="0">
-            <a:noAutofit/>
-          </a:bodyPr>
-          <a:lstStyle>
-            <a:lvl1pPr marL="228600" indent="-228600" algn="l" defTabSz="914400" rtl="0" eaLnBrk="1" latinLnBrk="0" hangingPunct="1">
-              <a:lnSpc>
-                <a:spcPts val="1800"/>
-              </a:lnSpc>
-              <a:spcBef>
-                <a:spcPts val="1000"/>
-              </a:spcBef>
-              <a:spcAft>
-                <a:spcPts val="1000"/>
-              </a:spcAft>
-              <a:buFont typeface="Arial" panose="020B0604020202020204" pitchFamily="34" charset="0"/>
-              <a:buChar char="•"/>
-              <a:defRPr lang="en-US" sz="1200" kern="1200" smtClean="0">
-                <a:solidFill>
-                  <a:schemeClr val="tx1">
-                    <a:lumMod val="75000"/>
-                    <a:lumOff val="25000"/>
-                  </a:schemeClr>
-                </a:solidFill>
-                <a:latin typeface="+mn-lt"/>
-                <a:ea typeface="+mn-ea"/>
-                <a:cs typeface="+mn-cs"/>
-              </a:defRPr>
-            </a:lvl1pPr>
-            <a:lvl2pPr marL="685800" indent="-228600" algn="l" defTabSz="914400" rtl="0" eaLnBrk="1" latinLnBrk="0" hangingPunct="1">
-              <a:lnSpc>
-                <a:spcPts val="1800"/>
-              </a:lnSpc>
-              <a:spcBef>
-                <a:spcPts val="1000"/>
-              </a:spcBef>
-              <a:spcAft>
-                <a:spcPts val="1000"/>
-              </a:spcAft>
-              <a:buFont typeface="Arial" panose="020B0604020202020204" pitchFamily="34" charset="0"/>
-              <a:buChar char="•"/>
-              <a:defRPr lang="en-US" sz="1200" kern="1200" smtClean="0">
-                <a:solidFill>
-                  <a:schemeClr val="tx1">
-                    <a:lumMod val="75000"/>
-                    <a:lumOff val="25000"/>
-                  </a:schemeClr>
-                </a:solidFill>
-                <a:latin typeface="+mn-lt"/>
-                <a:ea typeface="+mn-ea"/>
-                <a:cs typeface="+mn-cs"/>
-              </a:defRPr>
-            </a:lvl2pPr>
-            <a:lvl3pPr marL="1143000" indent="-228600" algn="l" defTabSz="914400" rtl="0" eaLnBrk="1" latinLnBrk="0" hangingPunct="1">
-              <a:lnSpc>
-                <a:spcPts val="1800"/>
-              </a:lnSpc>
-              <a:spcBef>
-                <a:spcPts val="1000"/>
-              </a:spcBef>
-              <a:spcAft>
-                <a:spcPts val="1000"/>
-              </a:spcAft>
-              <a:buFont typeface="Arial" panose="020B0604020202020204" pitchFamily="34" charset="0"/>
-              <a:buChar char="•"/>
-              <a:defRPr lang="en-US" sz="1200" kern="1200" smtClean="0">
-                <a:solidFill>
-                  <a:schemeClr val="tx1">
-                    <a:lumMod val="75000"/>
-                    <a:lumOff val="25000"/>
-                  </a:schemeClr>
-                </a:solidFill>
-                <a:latin typeface="+mn-lt"/>
-                <a:ea typeface="+mn-ea"/>
-                <a:cs typeface="+mn-cs"/>
-              </a:defRPr>
-            </a:lvl3pPr>
-            <a:lvl4pPr marL="1600200" indent="-228600" algn="l" defTabSz="914400" rtl="0" eaLnBrk="1" latinLnBrk="0" hangingPunct="1">
-              <a:lnSpc>
-                <a:spcPts val="1800"/>
-              </a:lnSpc>
-              <a:spcBef>
-                <a:spcPts val="1000"/>
-              </a:spcBef>
-              <a:spcAft>
-                <a:spcPts val="1000"/>
-              </a:spcAft>
-              <a:buFont typeface="Arial" panose="020B0604020202020204" pitchFamily="34" charset="0"/>
-              <a:buChar char="•"/>
-              <a:defRPr lang="en-US" sz="1200" kern="1200" smtClean="0">
-                <a:solidFill>
-                  <a:schemeClr val="tx1">
-                    <a:lumMod val="75000"/>
-                    <a:lumOff val="25000"/>
-                  </a:schemeClr>
-                </a:solidFill>
-                <a:latin typeface="+mn-lt"/>
-                <a:ea typeface="+mn-ea"/>
-                <a:cs typeface="+mn-cs"/>
-              </a:defRPr>
-            </a:lvl4pPr>
-            <a:lvl5pPr marL="2057400" indent="-228600" algn="l" defTabSz="914400" rtl="0" eaLnBrk="1" latinLnBrk="0" hangingPunct="1">
-              <a:lnSpc>
-                <a:spcPts val="1800"/>
-              </a:lnSpc>
-              <a:spcBef>
-                <a:spcPts val="1000"/>
-              </a:spcBef>
-              <a:spcAft>
-                <a:spcPts val="1000"/>
-              </a:spcAft>
-              <a:buFont typeface="Arial" panose="020B0604020202020204" pitchFamily="34" charset="0"/>
-              <a:buChar char="•"/>
-              <a:defRPr lang="en-US" sz="1200" kern="1200">
-                <a:solidFill>
-                  <a:schemeClr val="tx1">
-                    <a:lumMod val="75000"/>
-                    <a:lumOff val="25000"/>
-                  </a:schemeClr>
-                </a:solidFill>
-                <a:latin typeface="+mn-lt"/>
-                <a:ea typeface="+mn-ea"/>
-                <a:cs typeface="+mn-cs"/>
-              </a:defRPr>
-            </a:lvl5pPr>
-            <a:lvl6pPr marL="2514600" indent="-228600" algn="l" defTabSz="914400" rtl="0" eaLnBrk="1" latinLnBrk="0" hangingPunct="1">
-              <a:lnSpc>
-                <a:spcPct val="90000"/>
-              </a:lnSpc>
-              <a:spcBef>
-                <a:spcPct val="30000"/>
-              </a:spcBef>
-              <a:buFont typeface="Arial" panose="020B0604020202020204" pitchFamily="34" charset="0"/>
-              <a:buChar char="•"/>
-              <a:defRPr sz="1800" kern="1200">
-                <a:solidFill>
-                  <a:schemeClr val="tx1"/>
-                </a:solidFill>
-                <a:latin typeface="+mn-lt"/>
-                <a:ea typeface="+mn-ea"/>
-                <a:cs typeface="+mn-cs"/>
-              </a:defRPr>
-            </a:lvl6pPr>
-            <a:lvl7pPr marL="2971800" indent="-228600" algn="l" defTabSz="914400" rtl="0" eaLnBrk="1" latinLnBrk="0" hangingPunct="1">
-              <a:lnSpc>
-                <a:spcPct val="90000"/>
-              </a:lnSpc>
-              <a:spcBef>
-                <a:spcPct val="30000"/>
-              </a:spcBef>
-              <a:buFont typeface="Arial" panose="020B0604020202020204" pitchFamily="34" charset="0"/>
-              <a:buChar char="•"/>
-              <a:defRPr sz="1800" kern="1200">
-                <a:solidFill>
-                  <a:schemeClr val="tx1"/>
-                </a:solidFill>
-                <a:latin typeface="+mn-lt"/>
-                <a:ea typeface="+mn-ea"/>
-                <a:cs typeface="+mn-cs"/>
-              </a:defRPr>
-            </a:lvl7pPr>
-            <a:lvl8pPr marL="3429000" indent="-228600" algn="l" defTabSz="914400" rtl="0" eaLnBrk="1" latinLnBrk="0" hangingPunct="1">
-              <a:lnSpc>
-                <a:spcPct val="90000"/>
-              </a:lnSpc>
-              <a:spcBef>
-                <a:spcPct val="30000"/>
-              </a:spcBef>
-              <a:buFont typeface="Arial" panose="020B0604020202020204" pitchFamily="34" charset="0"/>
-              <a:buChar char="•"/>
-              <a:defRPr sz="1800" kern="1200">
-                <a:solidFill>
-                  <a:schemeClr val="tx1"/>
-                </a:solidFill>
-                <a:latin typeface="+mn-lt"/>
-                <a:ea typeface="+mn-ea"/>
-                <a:cs typeface="+mn-cs"/>
-              </a:defRPr>
-            </a:lvl8pPr>
-            <a:lvl9pPr marL="3886200" indent="-228600" algn="l" defTabSz="914400" rtl="0" eaLnBrk="1" latinLnBrk="0" hangingPunct="1">
-              <a:lnSpc>
-                <a:spcPct val="90000"/>
-              </a:lnSpc>
-              <a:spcBef>
-                <a:spcPct val="30000"/>
-              </a:spcBef>
-              <a:buFont typeface="Arial" panose="020B0604020202020204" pitchFamily="34" charset="0"/>
-              <a:buChar char="•"/>
-              <a:defRPr sz="1800" kern="1200">
-                <a:solidFill>
-                  <a:schemeClr val="tx1"/>
-                </a:solidFill>
-                <a:latin typeface="+mn-lt"/>
-                <a:ea typeface="+mn-ea"/>
-                <a:cs typeface="+mn-cs"/>
-              </a:defRPr>
-            </a:lvl9pPr>
-          </a:lstStyle>
-          <a:p>
-            <a:pPr marL="0" lvl="0" indent="0">
-              <a:spcAft>
-                <a:spcPts val="600"/>
-              </a:spcAft>
-              <a:buNone/>
-              <a:defRPr/>
-            </a:pPr>
-            <a:r>
-              <a:rPr lang="en-US" sz="1400" dirty="0" smtClean="0">
-                <a:solidFill>
-                  <a:prstClr val="black">
-                    <a:lumMod val="75000"/>
-                    <a:lumOff val="25000"/>
-                  </a:prstClr>
-                </a:solidFill>
-                <a:latin typeface="Segoe UI" panose="020B0502040204020203" pitchFamily="34" charset="0"/>
-                <a:cs typeface="Segoe UI" panose="020B0502040204020203" pitchFamily="34" charset="0"/>
-              </a:rPr>
-              <a:t>Introduction</a:t>
-            </a:r>
-            <a:endParaRPr lang="en-US" sz="1400" dirty="0">
-              <a:solidFill>
-                <a:prstClr val="black">
-                  <a:lumMod val="75000"/>
-                  <a:lumOff val="25000"/>
-                </a:prstClr>
-              </a:solidFill>
-              <a:latin typeface="Segoe UI" panose="020B0502040204020203" pitchFamily="34" charset="0"/>
-              <a:cs typeface="Segoe UI" panose="020B0502040204020203" pitchFamily="34" charset="0"/>
-            </a:endParaRPr>
-          </a:p>
-        </p:txBody>
-      </p:sp>
-      <p:grpSp>
-        <p:nvGrpSpPr>
-          <p:cNvPr id="33" name="Group 32" descr="Small circle with number 2 inside  indicating step 2"/>
-          <p:cNvGrpSpPr/>
-          <p:nvPr/>
-        </p:nvGrpSpPr>
-        <p:grpSpPr bwMode="blackWhite">
-          <a:xfrm>
-            <a:off x="531552" y="2406690"/>
-            <a:ext cx="558179" cy="409838"/>
-            <a:chOff x="6953426" y="711274"/>
-            <a:chExt cx="558179" cy="409838"/>
-          </a:xfrm>
-        </p:grpSpPr>
-        <p:sp>
-          <p:nvSpPr>
-            <p:cNvPr id="34" name="Oval 33" descr="Small circle"/>
-            <p:cNvSpPr/>
-            <p:nvPr/>
-          </p:nvSpPr>
-          <p:spPr bwMode="blackWhite">
-            <a:xfrm>
-              <a:off x="7025069" y="711274"/>
-              <a:ext cx="409838" cy="409838"/>
-            </a:xfrm>
-            <a:prstGeom prst="ellipse">
-              <a:avLst/>
-            </a:prstGeom>
-            <a:solidFill>
-              <a:srgbClr val="D24726"/>
-            </a:solidFill>
-            <a:ln>
-              <a:noFill/>
-            </a:ln>
-          </p:spPr>
-          <p:style>
-            <a:lnRef idx="2">
-              <a:schemeClr val="accent1">
-                <a:shade val="50000"/>
-              </a:schemeClr>
-            </a:lnRef>
-            <a:fillRef idx="1">
-              <a:schemeClr val="accent1"/>
-            </a:fillRef>
-            <a:effectRef idx="0">
-              <a:schemeClr val="accent1"/>
-            </a:effectRef>
-            <a:fontRef idx="minor">
-              <a:schemeClr val="lt1"/>
-            </a:fontRef>
-          </p:style>
-          <p:txBody>
-            <a:bodyPr rtlCol="0" anchor="ctr"/>
-            <a:lstStyle/>
-            <a:p>
-              <a:pPr algn="ctr"/>
-              <a:endParaRPr lang="en-US"/>
-            </a:p>
-          </p:txBody>
-        </p:sp>
-        <p:sp>
-          <p:nvSpPr>
-            <p:cNvPr id="35" name="TextBox 34" descr="Number 2"/>
-            <p:cNvSpPr txBox="1">
-              <a:spLocks noChangeAspect="1"/>
-            </p:cNvSpPr>
-            <p:nvPr/>
-          </p:nvSpPr>
-          <p:spPr bwMode="blackWhite">
-            <a:xfrm>
-              <a:off x="6953426" y="727564"/>
-              <a:ext cx="558179" cy="369332"/>
-            </a:xfrm>
-            <a:prstGeom prst="rect">
-              <a:avLst/>
-            </a:prstGeom>
-            <a:noFill/>
-          </p:spPr>
-          <p:txBody>
-            <a:bodyPr wrap="square" rtlCol="0">
-              <a:spAutoFit/>
-            </a:bodyPr>
-            <a:lstStyle/>
-            <a:p>
-              <a:pPr algn="ctr"/>
-              <a:r>
-                <a:rPr lang="en-US" dirty="0">
-                  <a:solidFill>
-                    <a:schemeClr val="bg1"/>
-                  </a:solidFill>
-                  <a:latin typeface="Segoe UI Semibold" panose="020B0702040204020203" pitchFamily="34" charset="0"/>
-                  <a:cs typeface="Segoe UI Semibold" panose="020B0702040204020203" pitchFamily="34" charset="0"/>
-                </a:rPr>
-                <a:t>2</a:t>
-              </a:r>
-            </a:p>
-          </p:txBody>
-        </p:sp>
-      </p:grpSp>
-      <p:sp>
-        <p:nvSpPr>
-          <p:cNvPr id="36" name="Content Placeholder 17"/>
-          <p:cNvSpPr txBox="1">
-            <a:spLocks/>
-          </p:cNvSpPr>
-          <p:nvPr/>
-        </p:nvSpPr>
-        <p:spPr>
-          <a:xfrm>
-            <a:off x="1056513" y="2446884"/>
-            <a:ext cx="1548142" cy="369332"/>
-          </a:xfrm>
-          <a:prstGeom prst="rect">
-            <a:avLst/>
-          </a:prstGeom>
-        </p:spPr>
-        <p:txBody>
-          <a:bodyPr vert="horz" lIns="91440" tIns="45720" rIns="91440" bIns="45720" rtlCol="0">
-            <a:noAutofit/>
-          </a:bodyPr>
-          <a:lstStyle>
-            <a:lvl1pPr marL="228600" indent="-228600" algn="l" defTabSz="914400" rtl="0" eaLnBrk="1" latinLnBrk="0" hangingPunct="1">
-              <a:lnSpc>
-                <a:spcPts val="1800"/>
-              </a:lnSpc>
-              <a:spcBef>
-                <a:spcPts val="1000"/>
-              </a:spcBef>
-              <a:spcAft>
-                <a:spcPts val="1000"/>
-              </a:spcAft>
-              <a:buFont typeface="Arial" panose="020B0604020202020204" pitchFamily="34" charset="0"/>
-              <a:buChar char="•"/>
-              <a:defRPr lang="en-US" sz="1200" kern="1200" smtClean="0">
-                <a:solidFill>
-                  <a:schemeClr val="tx1">
-                    <a:lumMod val="75000"/>
-                    <a:lumOff val="25000"/>
-                  </a:schemeClr>
-                </a:solidFill>
-                <a:latin typeface="+mn-lt"/>
-                <a:ea typeface="+mn-ea"/>
-                <a:cs typeface="+mn-cs"/>
-              </a:defRPr>
-            </a:lvl1pPr>
-            <a:lvl2pPr marL="685800" indent="-228600" algn="l" defTabSz="914400" rtl="0" eaLnBrk="1" latinLnBrk="0" hangingPunct="1">
-              <a:lnSpc>
-                <a:spcPts val="1800"/>
-              </a:lnSpc>
-              <a:spcBef>
-                <a:spcPts val="1000"/>
-              </a:spcBef>
-              <a:spcAft>
-                <a:spcPts val="1000"/>
-              </a:spcAft>
-              <a:buFont typeface="Arial" panose="020B0604020202020204" pitchFamily="34" charset="0"/>
-              <a:buChar char="•"/>
-              <a:defRPr lang="en-US" sz="1200" kern="1200" smtClean="0">
-                <a:solidFill>
-                  <a:schemeClr val="tx1">
-                    <a:lumMod val="75000"/>
-                    <a:lumOff val="25000"/>
-                  </a:schemeClr>
-                </a:solidFill>
-                <a:latin typeface="+mn-lt"/>
-                <a:ea typeface="+mn-ea"/>
-                <a:cs typeface="+mn-cs"/>
-              </a:defRPr>
-            </a:lvl2pPr>
-            <a:lvl3pPr marL="1143000" indent="-228600" algn="l" defTabSz="914400" rtl="0" eaLnBrk="1" latinLnBrk="0" hangingPunct="1">
-              <a:lnSpc>
-                <a:spcPts val="1800"/>
-              </a:lnSpc>
-              <a:spcBef>
-                <a:spcPts val="1000"/>
-              </a:spcBef>
-              <a:spcAft>
-                <a:spcPts val="1000"/>
-              </a:spcAft>
-              <a:buFont typeface="Arial" panose="020B0604020202020204" pitchFamily="34" charset="0"/>
-              <a:buChar char="•"/>
-              <a:defRPr lang="en-US" sz="1200" kern="1200" smtClean="0">
-                <a:solidFill>
-                  <a:schemeClr val="tx1">
-                    <a:lumMod val="75000"/>
-                    <a:lumOff val="25000"/>
-                  </a:schemeClr>
-                </a:solidFill>
-                <a:latin typeface="+mn-lt"/>
-                <a:ea typeface="+mn-ea"/>
-                <a:cs typeface="+mn-cs"/>
-              </a:defRPr>
-            </a:lvl3pPr>
-            <a:lvl4pPr marL="1600200" indent="-228600" algn="l" defTabSz="914400" rtl="0" eaLnBrk="1" latinLnBrk="0" hangingPunct="1">
-              <a:lnSpc>
-                <a:spcPts val="1800"/>
-              </a:lnSpc>
-              <a:spcBef>
-                <a:spcPts val="1000"/>
-              </a:spcBef>
-              <a:spcAft>
-                <a:spcPts val="1000"/>
-              </a:spcAft>
-              <a:buFont typeface="Arial" panose="020B0604020202020204" pitchFamily="34" charset="0"/>
-              <a:buChar char="•"/>
-              <a:defRPr lang="en-US" sz="1200" kern="1200" smtClean="0">
-                <a:solidFill>
-                  <a:schemeClr val="tx1">
-                    <a:lumMod val="75000"/>
-                    <a:lumOff val="25000"/>
-                  </a:schemeClr>
-                </a:solidFill>
-                <a:latin typeface="+mn-lt"/>
-                <a:ea typeface="+mn-ea"/>
-                <a:cs typeface="+mn-cs"/>
-              </a:defRPr>
-            </a:lvl4pPr>
-            <a:lvl5pPr marL="2057400" indent="-228600" algn="l" defTabSz="914400" rtl="0" eaLnBrk="1" latinLnBrk="0" hangingPunct="1">
-              <a:lnSpc>
-                <a:spcPts val="1800"/>
-              </a:lnSpc>
-              <a:spcBef>
-                <a:spcPts val="1000"/>
-              </a:spcBef>
-              <a:spcAft>
-                <a:spcPts val="1000"/>
-              </a:spcAft>
-              <a:buFont typeface="Arial" panose="020B0604020202020204" pitchFamily="34" charset="0"/>
-              <a:buChar char="•"/>
-              <a:defRPr lang="en-US" sz="1200" kern="1200">
-                <a:solidFill>
-                  <a:schemeClr val="tx1">
-                    <a:lumMod val="75000"/>
-                    <a:lumOff val="25000"/>
-                  </a:schemeClr>
-                </a:solidFill>
-                <a:latin typeface="+mn-lt"/>
-                <a:ea typeface="+mn-ea"/>
-                <a:cs typeface="+mn-cs"/>
-              </a:defRPr>
-            </a:lvl5pPr>
-            <a:lvl6pPr marL="2514600" indent="-228600" algn="l" defTabSz="914400" rtl="0" eaLnBrk="1" latinLnBrk="0" hangingPunct="1">
-              <a:lnSpc>
-                <a:spcPct val="90000"/>
-              </a:lnSpc>
-              <a:spcBef>
-                <a:spcPct val="30000"/>
-              </a:spcBef>
-              <a:buFont typeface="Arial" panose="020B0604020202020204" pitchFamily="34" charset="0"/>
-              <a:buChar char="•"/>
-              <a:defRPr sz="1800" kern="1200">
-                <a:solidFill>
-                  <a:schemeClr val="tx1"/>
-                </a:solidFill>
-                <a:latin typeface="+mn-lt"/>
-                <a:ea typeface="+mn-ea"/>
-                <a:cs typeface="+mn-cs"/>
-              </a:defRPr>
-            </a:lvl6pPr>
-            <a:lvl7pPr marL="2971800" indent="-228600" algn="l" defTabSz="914400" rtl="0" eaLnBrk="1" latinLnBrk="0" hangingPunct="1">
-              <a:lnSpc>
-                <a:spcPct val="90000"/>
-              </a:lnSpc>
-              <a:spcBef>
-                <a:spcPct val="30000"/>
-              </a:spcBef>
-              <a:buFont typeface="Arial" panose="020B0604020202020204" pitchFamily="34" charset="0"/>
-              <a:buChar char="•"/>
-              <a:defRPr sz="1800" kern="1200">
-                <a:solidFill>
-                  <a:schemeClr val="tx1"/>
-                </a:solidFill>
-                <a:latin typeface="+mn-lt"/>
-                <a:ea typeface="+mn-ea"/>
-                <a:cs typeface="+mn-cs"/>
-              </a:defRPr>
-            </a:lvl7pPr>
-            <a:lvl8pPr marL="3429000" indent="-228600" algn="l" defTabSz="914400" rtl="0" eaLnBrk="1" latinLnBrk="0" hangingPunct="1">
-              <a:lnSpc>
-                <a:spcPct val="90000"/>
-              </a:lnSpc>
-              <a:spcBef>
-                <a:spcPct val="30000"/>
-              </a:spcBef>
-              <a:buFont typeface="Arial" panose="020B0604020202020204" pitchFamily="34" charset="0"/>
-              <a:buChar char="•"/>
-              <a:defRPr sz="1800" kern="1200">
-                <a:solidFill>
-                  <a:schemeClr val="tx1"/>
-                </a:solidFill>
-                <a:latin typeface="+mn-lt"/>
-                <a:ea typeface="+mn-ea"/>
-                <a:cs typeface="+mn-cs"/>
-              </a:defRPr>
-            </a:lvl8pPr>
-            <a:lvl9pPr marL="3886200" indent="-228600" algn="l" defTabSz="914400" rtl="0" eaLnBrk="1" latinLnBrk="0" hangingPunct="1">
-              <a:lnSpc>
-                <a:spcPct val="90000"/>
-              </a:lnSpc>
-              <a:spcBef>
-                <a:spcPct val="30000"/>
-              </a:spcBef>
-              <a:buFont typeface="Arial" panose="020B0604020202020204" pitchFamily="34" charset="0"/>
-              <a:buChar char="•"/>
-              <a:defRPr sz="1800" kern="1200">
-                <a:solidFill>
-                  <a:schemeClr val="tx1"/>
-                </a:solidFill>
-                <a:latin typeface="+mn-lt"/>
-                <a:ea typeface="+mn-ea"/>
-                <a:cs typeface="+mn-cs"/>
-              </a:defRPr>
-            </a:lvl9pPr>
-          </a:lstStyle>
-          <a:p>
-            <a:pPr marL="0" lvl="0" indent="0">
-              <a:spcAft>
-                <a:spcPts val="2000"/>
-              </a:spcAft>
-              <a:buNone/>
-              <a:defRPr/>
-            </a:pPr>
-            <a:r>
-              <a:rPr lang="en-US" sz="1400" dirty="0">
-                <a:solidFill>
-                  <a:prstClr val="black">
-                    <a:lumMod val="75000"/>
-                    <a:lumOff val="25000"/>
-                  </a:prstClr>
-                </a:solidFill>
-                <a:latin typeface="Segoe UI" panose="020B0502040204020203" pitchFamily="34" charset="0"/>
-                <a:cs typeface="Segoe UI" panose="020B0502040204020203" pitchFamily="34" charset="0"/>
-              </a:rPr>
-              <a:t>Related </a:t>
-            </a:r>
-            <a:r>
-              <a:rPr lang="en-US" sz="1400" dirty="0" smtClean="0">
-                <a:solidFill>
-                  <a:prstClr val="black">
-                    <a:lumMod val="75000"/>
-                    <a:lumOff val="25000"/>
-                  </a:prstClr>
-                </a:solidFill>
-                <a:latin typeface="Segoe UI" panose="020B0502040204020203" pitchFamily="34" charset="0"/>
-                <a:cs typeface="Segoe UI" panose="020B0502040204020203" pitchFamily="34" charset="0"/>
-              </a:rPr>
-              <a:t>works</a:t>
-            </a:r>
-            <a:endParaRPr lang="en-US" sz="1400" dirty="0">
-              <a:solidFill>
-                <a:prstClr val="black">
-                  <a:lumMod val="75000"/>
-                  <a:lumOff val="25000"/>
-                </a:prstClr>
-              </a:solidFill>
-              <a:latin typeface="Segoe UI" panose="020B0502040204020203" pitchFamily="34" charset="0"/>
-              <a:cs typeface="Segoe UI" panose="020B0502040204020203" pitchFamily="34" charset="0"/>
-            </a:endParaRPr>
-          </a:p>
-        </p:txBody>
-      </p:sp>
-      <p:grpSp>
-        <p:nvGrpSpPr>
-          <p:cNvPr id="22" name="Group 21" descr="Small circle with number 3 inside  indicating step 3"/>
-          <p:cNvGrpSpPr/>
-          <p:nvPr/>
-        </p:nvGrpSpPr>
-        <p:grpSpPr bwMode="blackWhite">
-          <a:xfrm>
-            <a:off x="531552" y="3210615"/>
-            <a:ext cx="558179" cy="409838"/>
-            <a:chOff x="6953426" y="711274"/>
-            <a:chExt cx="558179" cy="409838"/>
-          </a:xfrm>
-        </p:grpSpPr>
-        <p:sp>
-          <p:nvSpPr>
-            <p:cNvPr id="24" name="Oval 23" descr="Small circle"/>
-            <p:cNvSpPr/>
-            <p:nvPr/>
-          </p:nvSpPr>
-          <p:spPr bwMode="blackWhite">
-            <a:xfrm>
-              <a:off x="7025069" y="711274"/>
-              <a:ext cx="409838" cy="409838"/>
-            </a:xfrm>
-            <a:prstGeom prst="ellipse">
-              <a:avLst/>
-            </a:prstGeom>
-            <a:solidFill>
-              <a:srgbClr val="D24726"/>
-            </a:solidFill>
-            <a:ln>
-              <a:noFill/>
-            </a:ln>
-          </p:spPr>
-          <p:style>
-            <a:lnRef idx="2">
-              <a:schemeClr val="accent1">
-                <a:shade val="50000"/>
-              </a:schemeClr>
-            </a:lnRef>
-            <a:fillRef idx="1">
-              <a:schemeClr val="accent1"/>
-            </a:fillRef>
-            <a:effectRef idx="0">
-              <a:schemeClr val="accent1"/>
-            </a:effectRef>
-            <a:fontRef idx="minor">
-              <a:schemeClr val="lt1"/>
-            </a:fontRef>
-          </p:style>
-          <p:txBody>
-            <a:bodyPr rtlCol="0" anchor="ctr"/>
-            <a:lstStyle/>
-            <a:p>
-              <a:pPr algn="ctr"/>
-              <a:endParaRPr lang="en-US"/>
-            </a:p>
-          </p:txBody>
-        </p:sp>
-        <p:sp>
-          <p:nvSpPr>
-            <p:cNvPr id="30" name="TextBox 29" descr="Number 3"/>
-            <p:cNvSpPr txBox="1">
-              <a:spLocks noChangeAspect="1"/>
-            </p:cNvSpPr>
-            <p:nvPr/>
-          </p:nvSpPr>
-          <p:spPr bwMode="blackWhite">
-            <a:xfrm>
-              <a:off x="6953426" y="727564"/>
-              <a:ext cx="558179" cy="369332"/>
-            </a:xfrm>
-            <a:prstGeom prst="rect">
-              <a:avLst/>
-            </a:prstGeom>
-            <a:noFill/>
-          </p:spPr>
-          <p:txBody>
-            <a:bodyPr wrap="square" rtlCol="0">
-              <a:spAutoFit/>
-            </a:bodyPr>
-            <a:lstStyle/>
-            <a:p>
-              <a:pPr algn="ctr"/>
-              <a:r>
-                <a:rPr lang="en-US" dirty="0">
-                  <a:solidFill>
-                    <a:schemeClr val="bg1"/>
-                  </a:solidFill>
-                  <a:latin typeface="Segoe UI Semibold" panose="020B0702040204020203" pitchFamily="34" charset="0"/>
-                  <a:cs typeface="Segoe UI Semibold" panose="020B0702040204020203" pitchFamily="34" charset="0"/>
-                </a:rPr>
-                <a:t>3</a:t>
-              </a:r>
-            </a:p>
-          </p:txBody>
-        </p:sp>
-      </p:grpSp>
-      <p:sp>
-        <p:nvSpPr>
-          <p:cNvPr id="32" name="Content Placeholder 17"/>
-          <p:cNvSpPr txBox="1">
-            <a:spLocks/>
-          </p:cNvSpPr>
-          <p:nvPr/>
-        </p:nvSpPr>
-        <p:spPr>
-          <a:xfrm>
-            <a:off x="1056513" y="3238776"/>
-            <a:ext cx="4504252" cy="381364"/>
-          </a:xfrm>
-          <a:prstGeom prst="rect">
-            <a:avLst/>
-          </a:prstGeom>
-        </p:spPr>
-        <p:txBody>
-          <a:bodyPr vert="horz" lIns="91440" tIns="45720" rIns="91440" bIns="45720" rtlCol="0">
-            <a:normAutofit/>
-          </a:bodyPr>
-          <a:lstStyle>
-            <a:lvl1pPr marL="228600" indent="-228600" algn="l" defTabSz="914400" rtl="0" eaLnBrk="1" latinLnBrk="0" hangingPunct="1">
-              <a:lnSpc>
-                <a:spcPts val="1800"/>
-              </a:lnSpc>
-              <a:spcBef>
-                <a:spcPts val="1000"/>
-              </a:spcBef>
-              <a:spcAft>
-                <a:spcPts val="1000"/>
-              </a:spcAft>
-              <a:buFont typeface="Arial" panose="020B0604020202020204" pitchFamily="34" charset="0"/>
-              <a:buChar char="•"/>
-              <a:defRPr lang="en-US" sz="1200" kern="1200" smtClean="0">
-                <a:solidFill>
-                  <a:schemeClr val="tx1">
-                    <a:lumMod val="75000"/>
-                    <a:lumOff val="25000"/>
-                  </a:schemeClr>
-                </a:solidFill>
-                <a:latin typeface="+mn-lt"/>
-                <a:ea typeface="+mn-ea"/>
-                <a:cs typeface="+mn-cs"/>
-              </a:defRPr>
-            </a:lvl1pPr>
-            <a:lvl2pPr marL="685800" indent="-228600" algn="l" defTabSz="914400" rtl="0" eaLnBrk="1" latinLnBrk="0" hangingPunct="1">
-              <a:lnSpc>
-                <a:spcPts val="1800"/>
-              </a:lnSpc>
-              <a:spcBef>
-                <a:spcPts val="1000"/>
-              </a:spcBef>
-              <a:spcAft>
-                <a:spcPts val="1000"/>
-              </a:spcAft>
-              <a:buFont typeface="Arial" panose="020B0604020202020204" pitchFamily="34" charset="0"/>
-              <a:buChar char="•"/>
-              <a:defRPr lang="en-US" sz="1200" kern="1200" smtClean="0">
-                <a:solidFill>
-                  <a:schemeClr val="tx1">
-                    <a:lumMod val="75000"/>
-                    <a:lumOff val="25000"/>
-                  </a:schemeClr>
-                </a:solidFill>
-                <a:latin typeface="+mn-lt"/>
-                <a:ea typeface="+mn-ea"/>
-                <a:cs typeface="+mn-cs"/>
-              </a:defRPr>
-            </a:lvl2pPr>
-            <a:lvl3pPr marL="1143000" indent="-228600" algn="l" defTabSz="914400" rtl="0" eaLnBrk="1" latinLnBrk="0" hangingPunct="1">
-              <a:lnSpc>
-                <a:spcPts val="1800"/>
-              </a:lnSpc>
-              <a:spcBef>
-                <a:spcPts val="1000"/>
-              </a:spcBef>
-              <a:spcAft>
-                <a:spcPts val="1000"/>
-              </a:spcAft>
-              <a:buFont typeface="Arial" panose="020B0604020202020204" pitchFamily="34" charset="0"/>
-              <a:buChar char="•"/>
-              <a:defRPr lang="en-US" sz="1200" kern="1200" smtClean="0">
-                <a:solidFill>
-                  <a:schemeClr val="tx1">
-                    <a:lumMod val="75000"/>
-                    <a:lumOff val="25000"/>
-                  </a:schemeClr>
-                </a:solidFill>
-                <a:latin typeface="+mn-lt"/>
-                <a:ea typeface="+mn-ea"/>
-                <a:cs typeface="+mn-cs"/>
-              </a:defRPr>
-            </a:lvl3pPr>
-            <a:lvl4pPr marL="1600200" indent="-228600" algn="l" defTabSz="914400" rtl="0" eaLnBrk="1" latinLnBrk="0" hangingPunct="1">
-              <a:lnSpc>
-                <a:spcPts val="1800"/>
-              </a:lnSpc>
-              <a:spcBef>
-                <a:spcPts val="1000"/>
-              </a:spcBef>
-              <a:spcAft>
-                <a:spcPts val="1000"/>
-              </a:spcAft>
-              <a:buFont typeface="Arial" panose="020B0604020202020204" pitchFamily="34" charset="0"/>
-              <a:buChar char="•"/>
-              <a:defRPr lang="en-US" sz="1200" kern="1200" smtClean="0">
-                <a:solidFill>
-                  <a:schemeClr val="tx1">
-                    <a:lumMod val="75000"/>
-                    <a:lumOff val="25000"/>
-                  </a:schemeClr>
-                </a:solidFill>
-                <a:latin typeface="+mn-lt"/>
-                <a:ea typeface="+mn-ea"/>
-                <a:cs typeface="+mn-cs"/>
-              </a:defRPr>
-            </a:lvl4pPr>
-            <a:lvl5pPr marL="2057400" indent="-228600" algn="l" defTabSz="914400" rtl="0" eaLnBrk="1" latinLnBrk="0" hangingPunct="1">
-              <a:lnSpc>
-                <a:spcPts val="1800"/>
-              </a:lnSpc>
-              <a:spcBef>
-                <a:spcPts val="1000"/>
-              </a:spcBef>
-              <a:spcAft>
-                <a:spcPts val="1000"/>
-              </a:spcAft>
-              <a:buFont typeface="Arial" panose="020B0604020202020204" pitchFamily="34" charset="0"/>
-              <a:buChar char="•"/>
-              <a:defRPr lang="en-US" sz="1200" kern="1200">
-                <a:solidFill>
-                  <a:schemeClr val="tx1">
-                    <a:lumMod val="75000"/>
-                    <a:lumOff val="25000"/>
-                  </a:schemeClr>
-                </a:solidFill>
-                <a:latin typeface="+mn-lt"/>
-                <a:ea typeface="+mn-ea"/>
-                <a:cs typeface="+mn-cs"/>
-              </a:defRPr>
-            </a:lvl5pPr>
-            <a:lvl6pPr marL="2514600" indent="-228600" algn="l" defTabSz="914400" rtl="0" eaLnBrk="1" latinLnBrk="0" hangingPunct="1">
-              <a:lnSpc>
-                <a:spcPct val="90000"/>
-              </a:lnSpc>
-              <a:spcBef>
-                <a:spcPct val="30000"/>
-              </a:spcBef>
-              <a:buFont typeface="Arial" panose="020B0604020202020204" pitchFamily="34" charset="0"/>
-              <a:buChar char="•"/>
-              <a:defRPr sz="1800" kern="1200">
-                <a:solidFill>
-                  <a:schemeClr val="tx1"/>
-                </a:solidFill>
-                <a:latin typeface="+mn-lt"/>
-                <a:ea typeface="+mn-ea"/>
-                <a:cs typeface="+mn-cs"/>
-              </a:defRPr>
-            </a:lvl6pPr>
-            <a:lvl7pPr marL="2971800" indent="-228600" algn="l" defTabSz="914400" rtl="0" eaLnBrk="1" latinLnBrk="0" hangingPunct="1">
-              <a:lnSpc>
-                <a:spcPct val="90000"/>
-              </a:lnSpc>
-              <a:spcBef>
-                <a:spcPct val="30000"/>
-              </a:spcBef>
-              <a:buFont typeface="Arial" panose="020B0604020202020204" pitchFamily="34" charset="0"/>
-              <a:buChar char="•"/>
-              <a:defRPr sz="1800" kern="1200">
-                <a:solidFill>
-                  <a:schemeClr val="tx1"/>
-                </a:solidFill>
-                <a:latin typeface="+mn-lt"/>
-                <a:ea typeface="+mn-ea"/>
-                <a:cs typeface="+mn-cs"/>
-              </a:defRPr>
-            </a:lvl7pPr>
-            <a:lvl8pPr marL="3429000" indent="-228600" algn="l" defTabSz="914400" rtl="0" eaLnBrk="1" latinLnBrk="0" hangingPunct="1">
-              <a:lnSpc>
-                <a:spcPct val="90000"/>
-              </a:lnSpc>
-              <a:spcBef>
-                <a:spcPct val="30000"/>
-              </a:spcBef>
-              <a:buFont typeface="Arial" panose="020B0604020202020204" pitchFamily="34" charset="0"/>
-              <a:buChar char="•"/>
-              <a:defRPr sz="1800" kern="1200">
-                <a:solidFill>
-                  <a:schemeClr val="tx1"/>
-                </a:solidFill>
-                <a:latin typeface="+mn-lt"/>
-                <a:ea typeface="+mn-ea"/>
-                <a:cs typeface="+mn-cs"/>
-              </a:defRPr>
-            </a:lvl8pPr>
-            <a:lvl9pPr marL="3886200" indent="-228600" algn="l" defTabSz="914400" rtl="0" eaLnBrk="1" latinLnBrk="0" hangingPunct="1">
-              <a:lnSpc>
-                <a:spcPct val="90000"/>
-              </a:lnSpc>
-              <a:spcBef>
-                <a:spcPct val="30000"/>
-              </a:spcBef>
-              <a:buFont typeface="Arial" panose="020B0604020202020204" pitchFamily="34" charset="0"/>
-              <a:buChar char="•"/>
-              <a:defRPr sz="1800" kern="1200">
-                <a:solidFill>
-                  <a:schemeClr val="tx1"/>
-                </a:solidFill>
-                <a:latin typeface="+mn-lt"/>
-                <a:ea typeface="+mn-ea"/>
-                <a:cs typeface="+mn-cs"/>
-              </a:defRPr>
-            </a:lvl9pPr>
-          </a:lstStyle>
-          <a:p>
-            <a:pPr marL="0" lvl="0" indent="0">
-              <a:spcAft>
-                <a:spcPts val="600"/>
-              </a:spcAft>
-              <a:buNone/>
-              <a:defRPr/>
-            </a:pPr>
-            <a:r>
-              <a:rPr lang="en-US" sz="1400" dirty="0" smtClean="0">
-                <a:solidFill>
-                  <a:prstClr val="black">
-                    <a:lumMod val="75000"/>
-                    <a:lumOff val="25000"/>
-                  </a:prstClr>
-                </a:solidFill>
-                <a:cs typeface="Segoe UI"/>
-              </a:rPr>
-              <a:t>Methods</a:t>
-            </a:r>
-            <a:endParaRPr lang="en-US" sz="1400" dirty="0">
-              <a:solidFill>
-                <a:prstClr val="black">
-                  <a:lumMod val="75000"/>
-                  <a:lumOff val="25000"/>
-                </a:prstClr>
-              </a:solidFill>
-              <a:cs typeface="Segoe UI"/>
-            </a:endParaRPr>
-          </a:p>
-        </p:txBody>
-      </p:sp>
-      <p:grpSp>
-        <p:nvGrpSpPr>
-          <p:cNvPr id="37" name="Group 36" descr="Small circle with number 4 inside  indicating step 4"/>
-          <p:cNvGrpSpPr/>
-          <p:nvPr/>
-        </p:nvGrpSpPr>
-        <p:grpSpPr bwMode="blackWhite">
-          <a:xfrm>
-            <a:off x="521207" y="3955988"/>
-            <a:ext cx="558179" cy="409838"/>
-            <a:chOff x="6953426" y="711274"/>
-            <a:chExt cx="558179" cy="409838"/>
-          </a:xfrm>
-        </p:grpSpPr>
-        <p:sp>
-          <p:nvSpPr>
-            <p:cNvPr id="38" name="Oval 37" descr="Small circle"/>
-            <p:cNvSpPr/>
-            <p:nvPr/>
-          </p:nvSpPr>
-          <p:spPr bwMode="blackWhite">
-            <a:xfrm>
-              <a:off x="7025069" y="711274"/>
-              <a:ext cx="409838" cy="409838"/>
-            </a:xfrm>
-            <a:prstGeom prst="ellipse">
-              <a:avLst/>
-            </a:prstGeom>
-            <a:solidFill>
-              <a:srgbClr val="D24726"/>
-            </a:solidFill>
-            <a:ln>
-              <a:noFill/>
-            </a:ln>
-          </p:spPr>
-          <p:style>
-            <a:lnRef idx="2">
-              <a:schemeClr val="accent1">
-                <a:shade val="50000"/>
-              </a:schemeClr>
-            </a:lnRef>
-            <a:fillRef idx="1">
-              <a:schemeClr val="accent1"/>
-            </a:fillRef>
-            <a:effectRef idx="0">
-              <a:schemeClr val="accent1"/>
-            </a:effectRef>
-            <a:fontRef idx="minor">
-              <a:schemeClr val="lt1"/>
-            </a:fontRef>
-          </p:style>
-          <p:txBody>
-            <a:bodyPr rtlCol="0" anchor="ctr"/>
-            <a:lstStyle/>
-            <a:p>
-              <a:pPr algn="ctr"/>
-              <a:endParaRPr lang="en-US"/>
-            </a:p>
-          </p:txBody>
-        </p:sp>
-        <p:sp>
-          <p:nvSpPr>
-            <p:cNvPr id="39" name="TextBox 38" descr="Number 4"/>
-            <p:cNvSpPr txBox="1">
-              <a:spLocks noChangeAspect="1"/>
-            </p:cNvSpPr>
-            <p:nvPr/>
-          </p:nvSpPr>
-          <p:spPr bwMode="blackWhite">
-            <a:xfrm>
-              <a:off x="6953426" y="727564"/>
-              <a:ext cx="558179" cy="369332"/>
-            </a:xfrm>
-            <a:prstGeom prst="rect">
-              <a:avLst/>
-            </a:prstGeom>
-            <a:noFill/>
-          </p:spPr>
-          <p:txBody>
-            <a:bodyPr wrap="square" rtlCol="0">
-              <a:spAutoFit/>
-            </a:bodyPr>
-            <a:lstStyle/>
-            <a:p>
-              <a:pPr algn="ctr"/>
-              <a:r>
-                <a:rPr lang="en-US" dirty="0">
-                  <a:solidFill>
-                    <a:schemeClr val="bg1"/>
-                  </a:solidFill>
-                  <a:latin typeface="Segoe UI Semibold" panose="020B0702040204020203" pitchFamily="34" charset="0"/>
-                  <a:cs typeface="Segoe UI Semibold" panose="020B0702040204020203" pitchFamily="34" charset="0"/>
-                </a:rPr>
-                <a:t>4</a:t>
-              </a:r>
-            </a:p>
-          </p:txBody>
-        </p:sp>
-      </p:grpSp>
-      <p:sp>
-        <p:nvSpPr>
-          <p:cNvPr id="40" name="Content Placeholder 17"/>
-          <p:cNvSpPr txBox="1">
-            <a:spLocks/>
-          </p:cNvSpPr>
-          <p:nvPr/>
-        </p:nvSpPr>
-        <p:spPr>
-          <a:xfrm>
-            <a:off x="1046168" y="3996181"/>
-            <a:ext cx="4504252" cy="369645"/>
-          </a:xfrm>
-          <a:prstGeom prst="rect">
-            <a:avLst/>
-          </a:prstGeom>
-        </p:spPr>
-        <p:txBody>
-          <a:bodyPr vert="horz" lIns="91440" tIns="45720" rIns="91440" bIns="45720" rtlCol="0">
-            <a:noAutofit/>
-          </a:bodyPr>
-          <a:lstStyle>
-            <a:lvl1pPr marL="228600" indent="-228600" algn="l" defTabSz="914400" rtl="0" eaLnBrk="1" latinLnBrk="0" hangingPunct="1">
-              <a:lnSpc>
-                <a:spcPts val="1800"/>
-              </a:lnSpc>
-              <a:spcBef>
-                <a:spcPts val="1000"/>
-              </a:spcBef>
-              <a:spcAft>
-                <a:spcPts val="1000"/>
-              </a:spcAft>
-              <a:buFont typeface="Arial" panose="020B0604020202020204" pitchFamily="34" charset="0"/>
-              <a:buChar char="•"/>
-              <a:defRPr lang="en-US" sz="1200" kern="1200" smtClean="0">
-                <a:solidFill>
-                  <a:schemeClr val="tx1">
-                    <a:lumMod val="75000"/>
-                    <a:lumOff val="25000"/>
-                  </a:schemeClr>
-                </a:solidFill>
-                <a:latin typeface="+mn-lt"/>
-                <a:ea typeface="+mn-ea"/>
-                <a:cs typeface="+mn-cs"/>
-              </a:defRPr>
-            </a:lvl1pPr>
-            <a:lvl2pPr marL="685800" indent="-228600" algn="l" defTabSz="914400" rtl="0" eaLnBrk="1" latinLnBrk="0" hangingPunct="1">
-              <a:lnSpc>
-                <a:spcPts val="1800"/>
-              </a:lnSpc>
-              <a:spcBef>
-                <a:spcPts val="1000"/>
-              </a:spcBef>
-              <a:spcAft>
-                <a:spcPts val="1000"/>
-              </a:spcAft>
-              <a:buFont typeface="Arial" panose="020B0604020202020204" pitchFamily="34" charset="0"/>
-              <a:buChar char="•"/>
-              <a:defRPr lang="en-US" sz="1200" kern="1200" smtClean="0">
-                <a:solidFill>
-                  <a:schemeClr val="tx1">
-                    <a:lumMod val="75000"/>
-                    <a:lumOff val="25000"/>
-                  </a:schemeClr>
-                </a:solidFill>
-                <a:latin typeface="+mn-lt"/>
-                <a:ea typeface="+mn-ea"/>
-                <a:cs typeface="+mn-cs"/>
-              </a:defRPr>
-            </a:lvl2pPr>
-            <a:lvl3pPr marL="1143000" indent="-228600" algn="l" defTabSz="914400" rtl="0" eaLnBrk="1" latinLnBrk="0" hangingPunct="1">
-              <a:lnSpc>
-                <a:spcPts val="1800"/>
-              </a:lnSpc>
-              <a:spcBef>
-                <a:spcPts val="1000"/>
-              </a:spcBef>
-              <a:spcAft>
-                <a:spcPts val="1000"/>
-              </a:spcAft>
-              <a:buFont typeface="Arial" panose="020B0604020202020204" pitchFamily="34" charset="0"/>
-              <a:buChar char="•"/>
-              <a:defRPr lang="en-US" sz="1200" kern="1200" smtClean="0">
-                <a:solidFill>
-                  <a:schemeClr val="tx1">
-                    <a:lumMod val="75000"/>
-                    <a:lumOff val="25000"/>
-                  </a:schemeClr>
-                </a:solidFill>
-                <a:latin typeface="+mn-lt"/>
-                <a:ea typeface="+mn-ea"/>
-                <a:cs typeface="+mn-cs"/>
-              </a:defRPr>
-            </a:lvl3pPr>
-            <a:lvl4pPr marL="1600200" indent="-228600" algn="l" defTabSz="914400" rtl="0" eaLnBrk="1" latinLnBrk="0" hangingPunct="1">
-              <a:lnSpc>
-                <a:spcPts val="1800"/>
-              </a:lnSpc>
-              <a:spcBef>
-                <a:spcPts val="1000"/>
-              </a:spcBef>
-              <a:spcAft>
-                <a:spcPts val="1000"/>
-              </a:spcAft>
-              <a:buFont typeface="Arial" panose="020B0604020202020204" pitchFamily="34" charset="0"/>
-              <a:buChar char="•"/>
-              <a:defRPr lang="en-US" sz="1200" kern="1200" smtClean="0">
-                <a:solidFill>
-                  <a:schemeClr val="tx1">
-                    <a:lumMod val="75000"/>
-                    <a:lumOff val="25000"/>
-                  </a:schemeClr>
-                </a:solidFill>
-                <a:latin typeface="+mn-lt"/>
-                <a:ea typeface="+mn-ea"/>
-                <a:cs typeface="+mn-cs"/>
-              </a:defRPr>
-            </a:lvl4pPr>
-            <a:lvl5pPr marL="2057400" indent="-228600" algn="l" defTabSz="914400" rtl="0" eaLnBrk="1" latinLnBrk="0" hangingPunct="1">
-              <a:lnSpc>
-                <a:spcPts val="1800"/>
-              </a:lnSpc>
-              <a:spcBef>
-                <a:spcPts val="1000"/>
-              </a:spcBef>
-              <a:spcAft>
-                <a:spcPts val="1000"/>
-              </a:spcAft>
-              <a:buFont typeface="Arial" panose="020B0604020202020204" pitchFamily="34" charset="0"/>
-              <a:buChar char="•"/>
-              <a:defRPr lang="en-US" sz="1200" kern="1200">
-                <a:solidFill>
-                  <a:schemeClr val="tx1">
-                    <a:lumMod val="75000"/>
-                    <a:lumOff val="25000"/>
-                  </a:schemeClr>
-                </a:solidFill>
-                <a:latin typeface="+mn-lt"/>
-                <a:ea typeface="+mn-ea"/>
-                <a:cs typeface="+mn-cs"/>
-              </a:defRPr>
-            </a:lvl5pPr>
-            <a:lvl6pPr marL="2514600" indent="-228600" algn="l" defTabSz="914400" rtl="0" eaLnBrk="1" latinLnBrk="0" hangingPunct="1">
-              <a:lnSpc>
-                <a:spcPct val="90000"/>
-              </a:lnSpc>
-              <a:spcBef>
-                <a:spcPct val="30000"/>
-              </a:spcBef>
-              <a:buFont typeface="Arial" panose="020B0604020202020204" pitchFamily="34" charset="0"/>
-              <a:buChar char="•"/>
-              <a:defRPr sz="1800" kern="1200">
-                <a:solidFill>
-                  <a:schemeClr val="tx1"/>
-                </a:solidFill>
-                <a:latin typeface="+mn-lt"/>
-                <a:ea typeface="+mn-ea"/>
-                <a:cs typeface="+mn-cs"/>
-              </a:defRPr>
-            </a:lvl6pPr>
-            <a:lvl7pPr marL="2971800" indent="-228600" algn="l" defTabSz="914400" rtl="0" eaLnBrk="1" latinLnBrk="0" hangingPunct="1">
-              <a:lnSpc>
-                <a:spcPct val="90000"/>
-              </a:lnSpc>
-              <a:spcBef>
-                <a:spcPct val="30000"/>
-              </a:spcBef>
-              <a:buFont typeface="Arial" panose="020B0604020202020204" pitchFamily="34" charset="0"/>
-              <a:buChar char="•"/>
-              <a:defRPr sz="1800" kern="1200">
-                <a:solidFill>
-                  <a:schemeClr val="tx1"/>
-                </a:solidFill>
-                <a:latin typeface="+mn-lt"/>
-                <a:ea typeface="+mn-ea"/>
-                <a:cs typeface="+mn-cs"/>
-              </a:defRPr>
-            </a:lvl7pPr>
-            <a:lvl8pPr marL="3429000" indent="-228600" algn="l" defTabSz="914400" rtl="0" eaLnBrk="1" latinLnBrk="0" hangingPunct="1">
-              <a:lnSpc>
-                <a:spcPct val="90000"/>
-              </a:lnSpc>
-              <a:spcBef>
-                <a:spcPct val="30000"/>
-              </a:spcBef>
-              <a:buFont typeface="Arial" panose="020B0604020202020204" pitchFamily="34" charset="0"/>
-              <a:buChar char="•"/>
-              <a:defRPr sz="1800" kern="1200">
-                <a:solidFill>
-                  <a:schemeClr val="tx1"/>
-                </a:solidFill>
-                <a:latin typeface="+mn-lt"/>
-                <a:ea typeface="+mn-ea"/>
-                <a:cs typeface="+mn-cs"/>
-              </a:defRPr>
-            </a:lvl8pPr>
-            <a:lvl9pPr marL="3886200" indent="-228600" algn="l" defTabSz="914400" rtl="0" eaLnBrk="1" latinLnBrk="0" hangingPunct="1">
-              <a:lnSpc>
-                <a:spcPct val="90000"/>
-              </a:lnSpc>
-              <a:spcBef>
-                <a:spcPct val="30000"/>
-              </a:spcBef>
-              <a:buFont typeface="Arial" panose="020B0604020202020204" pitchFamily="34" charset="0"/>
-              <a:buChar char="•"/>
-              <a:defRPr sz="1800" kern="1200">
-                <a:solidFill>
-                  <a:schemeClr val="tx1"/>
-                </a:solidFill>
-                <a:latin typeface="+mn-lt"/>
-                <a:ea typeface="+mn-ea"/>
-                <a:cs typeface="+mn-cs"/>
-              </a:defRPr>
-            </a:lvl9pPr>
-          </a:lstStyle>
-          <a:p>
-            <a:pPr marL="0" lvl="0" indent="0">
-              <a:spcAft>
-                <a:spcPts val="2000"/>
-              </a:spcAft>
-              <a:buNone/>
-              <a:defRPr/>
-            </a:pPr>
-            <a:r>
-              <a:rPr lang="en-US" sz="1400" dirty="0" smtClean="0">
-                <a:solidFill>
-                  <a:prstClr val="black">
-                    <a:lumMod val="75000"/>
-                    <a:lumOff val="25000"/>
-                  </a:prstClr>
-                </a:solidFill>
-                <a:latin typeface="Segoe UI" panose="020B0502040204020203" pitchFamily="34" charset="0"/>
-                <a:cs typeface="Segoe UI" panose="020B0502040204020203" pitchFamily="34" charset="0"/>
-              </a:rPr>
-              <a:t>Experiments</a:t>
-            </a:r>
-            <a:endParaRPr lang="en-US" sz="1400" dirty="0">
-              <a:solidFill>
-                <a:prstClr val="black">
-                  <a:lumMod val="75000"/>
-                  <a:lumOff val="25000"/>
-                </a:prstClr>
-              </a:solidFill>
-              <a:latin typeface="Segoe UI" panose="020B0502040204020203" pitchFamily="34" charset="0"/>
-              <a:cs typeface="Segoe UI" panose="020B0502040204020203" pitchFamily="34" charset="0"/>
-            </a:endParaRPr>
-          </a:p>
-        </p:txBody>
-      </p:sp>
-      <p:grpSp>
-        <p:nvGrpSpPr>
-          <p:cNvPr id="41" name="Group 40" descr="Small circle with number 4 inside  indicating step 4">
-            <a:extLst>
-              <a:ext uri="{FF2B5EF4-FFF2-40B4-BE49-F238E27FC236}">
-                <a16:creationId xmlns:a16="http://schemas.microsoft.com/office/drawing/2014/main" id="{1E4E0359-5A2F-4879-8CFD-A1131F113532}"/>
-              </a:ext>
-            </a:extLst>
-          </p:cNvPr>
-          <p:cNvGrpSpPr/>
-          <p:nvPr/>
-        </p:nvGrpSpPr>
-        <p:grpSpPr bwMode="blackWhite">
-          <a:xfrm>
-            <a:off x="554425" y="4747950"/>
-            <a:ext cx="558179" cy="409838"/>
-            <a:chOff x="6953426" y="711274"/>
-            <a:chExt cx="558179" cy="409838"/>
-          </a:xfrm>
-        </p:grpSpPr>
-        <p:sp>
-          <p:nvSpPr>
-            <p:cNvPr id="42" name="Oval 41" descr="Small circle">
-              <a:extLst>
-                <a:ext uri="{FF2B5EF4-FFF2-40B4-BE49-F238E27FC236}">
-                  <a16:creationId xmlns:a16="http://schemas.microsoft.com/office/drawing/2014/main" id="{4E15B87C-0288-41BA-99AA-B575B4D8D43F}"/>
-                </a:ext>
-              </a:extLst>
-            </p:cNvPr>
-            <p:cNvSpPr/>
-            <p:nvPr/>
-          </p:nvSpPr>
-          <p:spPr bwMode="blackWhite">
-            <a:xfrm>
-              <a:off x="7025069" y="711274"/>
-              <a:ext cx="409838" cy="409838"/>
-            </a:xfrm>
-            <a:prstGeom prst="ellipse">
-              <a:avLst/>
-            </a:prstGeom>
-            <a:solidFill>
-              <a:srgbClr val="D24726"/>
-            </a:solidFill>
-            <a:ln>
-              <a:noFill/>
-            </a:ln>
-          </p:spPr>
-          <p:style>
-            <a:lnRef idx="2">
-              <a:schemeClr val="accent1">
-                <a:shade val="50000"/>
-              </a:schemeClr>
-            </a:lnRef>
-            <a:fillRef idx="1">
-              <a:schemeClr val="accent1"/>
-            </a:fillRef>
-            <a:effectRef idx="0">
-              <a:schemeClr val="accent1"/>
-            </a:effectRef>
-            <a:fontRef idx="minor">
-              <a:schemeClr val="lt1"/>
-            </a:fontRef>
-          </p:style>
-          <p:txBody>
-            <a:bodyPr rtlCol="0" anchor="ctr"/>
-            <a:lstStyle/>
-            <a:p>
-              <a:pPr algn="ctr"/>
-              <a:endParaRPr lang="en-US"/>
-            </a:p>
-          </p:txBody>
-        </p:sp>
-        <p:sp>
-          <p:nvSpPr>
-            <p:cNvPr id="43" name="TextBox 42" descr="Number 4">
-              <a:extLst>
-                <a:ext uri="{FF2B5EF4-FFF2-40B4-BE49-F238E27FC236}">
-                  <a16:creationId xmlns:a16="http://schemas.microsoft.com/office/drawing/2014/main" id="{0A642335-4AC8-4B38-935B-642EF9DCDC1E}"/>
-                </a:ext>
-              </a:extLst>
-            </p:cNvPr>
-            <p:cNvSpPr txBox="1">
-              <a:spLocks noChangeAspect="1"/>
-            </p:cNvSpPr>
-            <p:nvPr/>
-          </p:nvSpPr>
-          <p:spPr bwMode="blackWhite">
-            <a:xfrm>
-              <a:off x="6953426" y="727564"/>
-              <a:ext cx="558179" cy="369332"/>
-            </a:xfrm>
-            <a:prstGeom prst="rect">
-              <a:avLst/>
-            </a:prstGeom>
-            <a:noFill/>
-          </p:spPr>
-          <p:txBody>
-            <a:bodyPr wrap="square" rtlCol="0">
-              <a:spAutoFit/>
-            </a:bodyPr>
-            <a:lstStyle/>
-            <a:p>
-              <a:pPr algn="ctr"/>
-              <a:r>
-                <a:rPr lang="en-US" dirty="0">
-                  <a:solidFill>
-                    <a:schemeClr val="bg1"/>
-                  </a:solidFill>
-                  <a:latin typeface="Segoe UI Semibold" panose="020B0702040204020203" pitchFamily="34" charset="0"/>
-                  <a:cs typeface="Segoe UI Semibold" panose="020B0702040204020203" pitchFamily="34" charset="0"/>
-                </a:rPr>
-                <a:t>5</a:t>
-              </a:r>
-            </a:p>
-          </p:txBody>
-        </p:sp>
-      </p:grpSp>
-      <p:sp>
-        <p:nvSpPr>
-          <p:cNvPr id="44" name="Content Placeholder 17">
-            <a:extLst>
-              <a:ext uri="{FF2B5EF4-FFF2-40B4-BE49-F238E27FC236}">
-                <a16:creationId xmlns:a16="http://schemas.microsoft.com/office/drawing/2014/main" id="{ABB8FE08-FF2A-4F7D-8024-34E7D9B1E42B}"/>
-              </a:ext>
-            </a:extLst>
-          </p:cNvPr>
-          <p:cNvSpPr txBox="1">
-            <a:spLocks/>
-          </p:cNvSpPr>
-          <p:nvPr/>
-        </p:nvSpPr>
-        <p:spPr>
-          <a:xfrm>
-            <a:off x="1079386" y="4788143"/>
-            <a:ext cx="4504252" cy="369645"/>
-          </a:xfrm>
-          <a:prstGeom prst="rect">
-            <a:avLst/>
-          </a:prstGeom>
-        </p:spPr>
-        <p:txBody>
-          <a:bodyPr vert="horz" lIns="91440" tIns="45720" rIns="91440" bIns="45720" rtlCol="0">
-            <a:noAutofit/>
-          </a:bodyPr>
-          <a:lstStyle>
-            <a:lvl1pPr marL="228600" indent="-228600" algn="l" defTabSz="914400" rtl="0" eaLnBrk="1" latinLnBrk="0" hangingPunct="1">
-              <a:lnSpc>
-                <a:spcPts val="1800"/>
-              </a:lnSpc>
-              <a:spcBef>
-                <a:spcPts val="1000"/>
-              </a:spcBef>
-              <a:spcAft>
-                <a:spcPts val="1000"/>
-              </a:spcAft>
-              <a:buFont typeface="Arial" panose="020B0604020202020204" pitchFamily="34" charset="0"/>
-              <a:buChar char="•"/>
-              <a:defRPr lang="en-US" sz="1200" kern="1200" smtClean="0">
-                <a:solidFill>
-                  <a:schemeClr val="tx1">
-                    <a:lumMod val="75000"/>
-                    <a:lumOff val="25000"/>
-                  </a:schemeClr>
-                </a:solidFill>
-                <a:latin typeface="+mn-lt"/>
-                <a:ea typeface="+mn-ea"/>
-                <a:cs typeface="+mn-cs"/>
-              </a:defRPr>
-            </a:lvl1pPr>
-            <a:lvl2pPr marL="685800" indent="-228600" algn="l" defTabSz="914400" rtl="0" eaLnBrk="1" latinLnBrk="0" hangingPunct="1">
-              <a:lnSpc>
-                <a:spcPts val="1800"/>
-              </a:lnSpc>
-              <a:spcBef>
-                <a:spcPts val="1000"/>
-              </a:spcBef>
-              <a:spcAft>
-                <a:spcPts val="1000"/>
-              </a:spcAft>
-              <a:buFont typeface="Arial" panose="020B0604020202020204" pitchFamily="34" charset="0"/>
-              <a:buChar char="•"/>
-              <a:defRPr lang="en-US" sz="1200" kern="1200" smtClean="0">
-                <a:solidFill>
-                  <a:schemeClr val="tx1">
-                    <a:lumMod val="75000"/>
-                    <a:lumOff val="25000"/>
-                  </a:schemeClr>
-                </a:solidFill>
-                <a:latin typeface="+mn-lt"/>
-                <a:ea typeface="+mn-ea"/>
-                <a:cs typeface="+mn-cs"/>
-              </a:defRPr>
-            </a:lvl2pPr>
-            <a:lvl3pPr marL="1143000" indent="-228600" algn="l" defTabSz="914400" rtl="0" eaLnBrk="1" latinLnBrk="0" hangingPunct="1">
-              <a:lnSpc>
-                <a:spcPts val="1800"/>
-              </a:lnSpc>
-              <a:spcBef>
-                <a:spcPts val="1000"/>
-              </a:spcBef>
-              <a:spcAft>
-                <a:spcPts val="1000"/>
-              </a:spcAft>
-              <a:buFont typeface="Arial" panose="020B0604020202020204" pitchFamily="34" charset="0"/>
-              <a:buChar char="•"/>
-              <a:defRPr lang="en-US" sz="1200" kern="1200" smtClean="0">
-                <a:solidFill>
-                  <a:schemeClr val="tx1">
-                    <a:lumMod val="75000"/>
-                    <a:lumOff val="25000"/>
-                  </a:schemeClr>
-                </a:solidFill>
-                <a:latin typeface="+mn-lt"/>
-                <a:ea typeface="+mn-ea"/>
-                <a:cs typeface="+mn-cs"/>
-              </a:defRPr>
-            </a:lvl3pPr>
-            <a:lvl4pPr marL="1600200" indent="-228600" algn="l" defTabSz="914400" rtl="0" eaLnBrk="1" latinLnBrk="0" hangingPunct="1">
-              <a:lnSpc>
-                <a:spcPts val="1800"/>
-              </a:lnSpc>
-              <a:spcBef>
-                <a:spcPts val="1000"/>
-              </a:spcBef>
-              <a:spcAft>
-                <a:spcPts val="1000"/>
-              </a:spcAft>
-              <a:buFont typeface="Arial" panose="020B0604020202020204" pitchFamily="34" charset="0"/>
-              <a:buChar char="•"/>
-              <a:defRPr lang="en-US" sz="1200" kern="1200" smtClean="0">
-                <a:solidFill>
-                  <a:schemeClr val="tx1">
-                    <a:lumMod val="75000"/>
-                    <a:lumOff val="25000"/>
-                  </a:schemeClr>
-                </a:solidFill>
-                <a:latin typeface="+mn-lt"/>
-                <a:ea typeface="+mn-ea"/>
-                <a:cs typeface="+mn-cs"/>
-              </a:defRPr>
-            </a:lvl4pPr>
-            <a:lvl5pPr marL="2057400" indent="-228600" algn="l" defTabSz="914400" rtl="0" eaLnBrk="1" latinLnBrk="0" hangingPunct="1">
-              <a:lnSpc>
-                <a:spcPts val="1800"/>
-              </a:lnSpc>
-              <a:spcBef>
-                <a:spcPts val="1000"/>
-              </a:spcBef>
-              <a:spcAft>
-                <a:spcPts val="1000"/>
-              </a:spcAft>
-              <a:buFont typeface="Arial" panose="020B0604020202020204" pitchFamily="34" charset="0"/>
-              <a:buChar char="•"/>
-              <a:defRPr lang="en-US" sz="1200" kern="1200">
-                <a:solidFill>
-                  <a:schemeClr val="tx1">
-                    <a:lumMod val="75000"/>
-                    <a:lumOff val="25000"/>
-                  </a:schemeClr>
-                </a:solidFill>
-                <a:latin typeface="+mn-lt"/>
-                <a:ea typeface="+mn-ea"/>
-                <a:cs typeface="+mn-cs"/>
-              </a:defRPr>
-            </a:lvl5pPr>
-            <a:lvl6pPr marL="2514600" indent="-228600" algn="l" defTabSz="914400" rtl="0" eaLnBrk="1" latinLnBrk="0" hangingPunct="1">
-              <a:lnSpc>
-                <a:spcPct val="90000"/>
-              </a:lnSpc>
-              <a:spcBef>
-                <a:spcPct val="30000"/>
-              </a:spcBef>
-              <a:buFont typeface="Arial" panose="020B0604020202020204" pitchFamily="34" charset="0"/>
-              <a:buChar char="•"/>
-              <a:defRPr sz="1800" kern="1200">
-                <a:solidFill>
-                  <a:schemeClr val="tx1"/>
-                </a:solidFill>
-                <a:latin typeface="+mn-lt"/>
-                <a:ea typeface="+mn-ea"/>
-                <a:cs typeface="+mn-cs"/>
-              </a:defRPr>
-            </a:lvl6pPr>
-            <a:lvl7pPr marL="2971800" indent="-228600" algn="l" defTabSz="914400" rtl="0" eaLnBrk="1" latinLnBrk="0" hangingPunct="1">
-              <a:lnSpc>
-                <a:spcPct val="90000"/>
-              </a:lnSpc>
-              <a:spcBef>
-                <a:spcPct val="30000"/>
-              </a:spcBef>
-              <a:buFont typeface="Arial" panose="020B0604020202020204" pitchFamily="34" charset="0"/>
-              <a:buChar char="•"/>
-              <a:defRPr sz="1800" kern="1200">
-                <a:solidFill>
-                  <a:schemeClr val="tx1"/>
-                </a:solidFill>
-                <a:latin typeface="+mn-lt"/>
-                <a:ea typeface="+mn-ea"/>
-                <a:cs typeface="+mn-cs"/>
-              </a:defRPr>
-            </a:lvl7pPr>
-            <a:lvl8pPr marL="3429000" indent="-228600" algn="l" defTabSz="914400" rtl="0" eaLnBrk="1" latinLnBrk="0" hangingPunct="1">
-              <a:lnSpc>
-                <a:spcPct val="90000"/>
-              </a:lnSpc>
-              <a:spcBef>
-                <a:spcPct val="30000"/>
-              </a:spcBef>
-              <a:buFont typeface="Arial" panose="020B0604020202020204" pitchFamily="34" charset="0"/>
-              <a:buChar char="•"/>
-              <a:defRPr sz="1800" kern="1200">
-                <a:solidFill>
-                  <a:schemeClr val="tx1"/>
-                </a:solidFill>
-                <a:latin typeface="+mn-lt"/>
-                <a:ea typeface="+mn-ea"/>
-                <a:cs typeface="+mn-cs"/>
-              </a:defRPr>
-            </a:lvl8pPr>
-            <a:lvl9pPr marL="3886200" indent="-228600" algn="l" defTabSz="914400" rtl="0" eaLnBrk="1" latinLnBrk="0" hangingPunct="1">
-              <a:lnSpc>
-                <a:spcPct val="90000"/>
-              </a:lnSpc>
-              <a:spcBef>
-                <a:spcPct val="30000"/>
-              </a:spcBef>
-              <a:buFont typeface="Arial" panose="020B0604020202020204" pitchFamily="34" charset="0"/>
-              <a:buChar char="•"/>
-              <a:defRPr sz="1800" kern="1200">
-                <a:solidFill>
-                  <a:schemeClr val="tx1"/>
-                </a:solidFill>
-                <a:latin typeface="+mn-lt"/>
-                <a:ea typeface="+mn-ea"/>
-                <a:cs typeface="+mn-cs"/>
-              </a:defRPr>
-            </a:lvl9pPr>
-          </a:lstStyle>
-          <a:p>
-            <a:pPr marL="0" lvl="0" indent="0">
-              <a:spcAft>
-                <a:spcPts val="2000"/>
-              </a:spcAft>
-              <a:buNone/>
-              <a:defRPr/>
-            </a:pPr>
-            <a:r>
-              <a:rPr lang="en-US" sz="1400" dirty="0" smtClean="0">
-                <a:solidFill>
-                  <a:prstClr val="black">
-                    <a:lumMod val="75000"/>
-                    <a:lumOff val="25000"/>
-                  </a:prstClr>
-                </a:solidFill>
-                <a:latin typeface="Segoe UI" panose="020B0502040204020203" pitchFamily="34" charset="0"/>
-                <a:cs typeface="Segoe UI" panose="020B0502040204020203" pitchFamily="34" charset="0"/>
-              </a:rPr>
-              <a:t>Evaluations</a:t>
-            </a:r>
-          </a:p>
-        </p:txBody>
-      </p:sp>
-      <p:grpSp>
-        <p:nvGrpSpPr>
-          <p:cNvPr id="45" name="Group 44" descr="Small circle with number 4 inside  indicating step 4">
-            <a:extLst>
-              <a:ext uri="{FF2B5EF4-FFF2-40B4-BE49-F238E27FC236}">
-                <a16:creationId xmlns:a16="http://schemas.microsoft.com/office/drawing/2014/main" id="{16B3EE31-D121-4E83-A339-51E6C0036390}"/>
-              </a:ext>
-            </a:extLst>
-          </p:cNvPr>
-          <p:cNvGrpSpPr/>
-          <p:nvPr/>
-        </p:nvGrpSpPr>
-        <p:grpSpPr bwMode="blackWhite">
-          <a:xfrm>
-            <a:off x="544662" y="5495924"/>
-            <a:ext cx="558179" cy="409838"/>
-            <a:chOff x="6953426" y="711274"/>
-            <a:chExt cx="558179" cy="409838"/>
-          </a:xfrm>
-        </p:grpSpPr>
-        <p:sp>
-          <p:nvSpPr>
-            <p:cNvPr id="46" name="Oval 45" descr="Small circle">
-              <a:extLst>
-                <a:ext uri="{FF2B5EF4-FFF2-40B4-BE49-F238E27FC236}">
-                  <a16:creationId xmlns:a16="http://schemas.microsoft.com/office/drawing/2014/main" id="{3500E7CF-8F53-4BC2-ADCC-12145E19E37E}"/>
-                </a:ext>
-              </a:extLst>
-            </p:cNvPr>
-            <p:cNvSpPr/>
-            <p:nvPr/>
-          </p:nvSpPr>
-          <p:spPr bwMode="blackWhite">
-            <a:xfrm>
-              <a:off x="7025069" y="711274"/>
-              <a:ext cx="409838" cy="409838"/>
-            </a:xfrm>
-            <a:prstGeom prst="ellipse">
-              <a:avLst/>
-            </a:prstGeom>
-            <a:solidFill>
-              <a:srgbClr val="D24726"/>
-            </a:solidFill>
-            <a:ln>
-              <a:noFill/>
-            </a:ln>
-          </p:spPr>
-          <p:style>
-            <a:lnRef idx="2">
-              <a:schemeClr val="accent1">
-                <a:shade val="50000"/>
-              </a:schemeClr>
-            </a:lnRef>
-            <a:fillRef idx="1">
-              <a:schemeClr val="accent1"/>
-            </a:fillRef>
-            <a:effectRef idx="0">
-              <a:schemeClr val="accent1"/>
-            </a:effectRef>
-            <a:fontRef idx="minor">
-              <a:schemeClr val="lt1"/>
-            </a:fontRef>
-          </p:style>
-          <p:txBody>
-            <a:bodyPr rtlCol="0" anchor="ctr"/>
-            <a:lstStyle/>
-            <a:p>
-              <a:pPr algn="ctr"/>
-              <a:endParaRPr lang="en-US"/>
-            </a:p>
-          </p:txBody>
-        </p:sp>
-        <p:sp>
-          <p:nvSpPr>
-            <p:cNvPr id="47" name="TextBox 46" descr="Number 4">
-              <a:extLst>
-                <a:ext uri="{FF2B5EF4-FFF2-40B4-BE49-F238E27FC236}">
-                  <a16:creationId xmlns:a16="http://schemas.microsoft.com/office/drawing/2014/main" id="{9944F7F6-6D4B-4300-8888-B9CC72E3D34C}"/>
-                </a:ext>
-              </a:extLst>
-            </p:cNvPr>
-            <p:cNvSpPr txBox="1">
-              <a:spLocks noChangeAspect="1"/>
-            </p:cNvSpPr>
-            <p:nvPr/>
-          </p:nvSpPr>
-          <p:spPr bwMode="blackWhite">
-            <a:xfrm>
-              <a:off x="6953426" y="727564"/>
-              <a:ext cx="558179" cy="369332"/>
-            </a:xfrm>
-            <a:prstGeom prst="rect">
-              <a:avLst/>
-            </a:prstGeom>
-            <a:noFill/>
-          </p:spPr>
-          <p:txBody>
-            <a:bodyPr wrap="square" rtlCol="0">
-              <a:spAutoFit/>
-            </a:bodyPr>
-            <a:lstStyle/>
-            <a:p>
-              <a:pPr algn="ctr"/>
-              <a:r>
-                <a:rPr lang="en-US" dirty="0">
-                  <a:solidFill>
-                    <a:schemeClr val="bg1"/>
-                  </a:solidFill>
-                  <a:latin typeface="Segoe UI Semibold" panose="020B0702040204020203" pitchFamily="34" charset="0"/>
-                  <a:cs typeface="Segoe UI Semibold" panose="020B0702040204020203" pitchFamily="34" charset="0"/>
-                </a:rPr>
-                <a:t>6</a:t>
-              </a:r>
-            </a:p>
-          </p:txBody>
-        </p:sp>
-      </p:grpSp>
-      <p:sp>
-        <p:nvSpPr>
-          <p:cNvPr id="48" name="Content Placeholder 17">
-            <a:extLst>
-              <a:ext uri="{FF2B5EF4-FFF2-40B4-BE49-F238E27FC236}">
-                <a16:creationId xmlns:a16="http://schemas.microsoft.com/office/drawing/2014/main" id="{9E2CFFD3-B21F-4FBA-A42D-B69F80D438D4}"/>
-              </a:ext>
-            </a:extLst>
-          </p:cNvPr>
-          <p:cNvSpPr txBox="1">
-            <a:spLocks/>
-          </p:cNvSpPr>
-          <p:nvPr/>
-        </p:nvSpPr>
-        <p:spPr>
-          <a:xfrm>
-            <a:off x="1069623" y="5536117"/>
-            <a:ext cx="4504252" cy="369645"/>
-          </a:xfrm>
-          <a:prstGeom prst="rect">
-            <a:avLst/>
-          </a:prstGeom>
-        </p:spPr>
-        <p:txBody>
-          <a:bodyPr vert="horz" lIns="91440" tIns="45720" rIns="91440" bIns="45720" rtlCol="0">
-            <a:noAutofit/>
-          </a:bodyPr>
-          <a:lstStyle>
-            <a:lvl1pPr marL="228600" indent="-228600" algn="l" defTabSz="914400" rtl="0" eaLnBrk="1" latinLnBrk="0" hangingPunct="1">
-              <a:lnSpc>
-                <a:spcPts val="1800"/>
-              </a:lnSpc>
-              <a:spcBef>
-                <a:spcPts val="1000"/>
-              </a:spcBef>
-              <a:spcAft>
-                <a:spcPts val="1000"/>
-              </a:spcAft>
-              <a:buFont typeface="Arial" panose="020B0604020202020204" pitchFamily="34" charset="0"/>
-              <a:buChar char="•"/>
-              <a:defRPr lang="en-US" sz="1200" kern="1200" smtClean="0">
-                <a:solidFill>
-                  <a:schemeClr val="tx1">
-                    <a:lumMod val="75000"/>
-                    <a:lumOff val="25000"/>
-                  </a:schemeClr>
-                </a:solidFill>
-                <a:latin typeface="+mn-lt"/>
-                <a:ea typeface="+mn-ea"/>
-                <a:cs typeface="+mn-cs"/>
-              </a:defRPr>
-            </a:lvl1pPr>
-            <a:lvl2pPr marL="685800" indent="-228600" algn="l" defTabSz="914400" rtl="0" eaLnBrk="1" latinLnBrk="0" hangingPunct="1">
-              <a:lnSpc>
-                <a:spcPts val="1800"/>
-              </a:lnSpc>
-              <a:spcBef>
-                <a:spcPts val="1000"/>
-              </a:spcBef>
-              <a:spcAft>
-                <a:spcPts val="1000"/>
-              </a:spcAft>
-              <a:buFont typeface="Arial" panose="020B0604020202020204" pitchFamily="34" charset="0"/>
-              <a:buChar char="•"/>
-              <a:defRPr lang="en-US" sz="1200" kern="1200" smtClean="0">
-                <a:solidFill>
-                  <a:schemeClr val="tx1">
-                    <a:lumMod val="75000"/>
-                    <a:lumOff val="25000"/>
-                  </a:schemeClr>
-                </a:solidFill>
-                <a:latin typeface="+mn-lt"/>
-                <a:ea typeface="+mn-ea"/>
-                <a:cs typeface="+mn-cs"/>
-              </a:defRPr>
-            </a:lvl2pPr>
-            <a:lvl3pPr marL="1143000" indent="-228600" algn="l" defTabSz="914400" rtl="0" eaLnBrk="1" latinLnBrk="0" hangingPunct="1">
-              <a:lnSpc>
-                <a:spcPts val="1800"/>
-              </a:lnSpc>
-              <a:spcBef>
-                <a:spcPts val="1000"/>
-              </a:spcBef>
-              <a:spcAft>
-                <a:spcPts val="1000"/>
-              </a:spcAft>
-              <a:buFont typeface="Arial" panose="020B0604020202020204" pitchFamily="34" charset="0"/>
-              <a:buChar char="•"/>
-              <a:defRPr lang="en-US" sz="1200" kern="1200" smtClean="0">
-                <a:solidFill>
-                  <a:schemeClr val="tx1">
-                    <a:lumMod val="75000"/>
-                    <a:lumOff val="25000"/>
-                  </a:schemeClr>
-                </a:solidFill>
-                <a:latin typeface="+mn-lt"/>
-                <a:ea typeface="+mn-ea"/>
-                <a:cs typeface="+mn-cs"/>
-              </a:defRPr>
-            </a:lvl3pPr>
-            <a:lvl4pPr marL="1600200" indent="-228600" algn="l" defTabSz="914400" rtl="0" eaLnBrk="1" latinLnBrk="0" hangingPunct="1">
-              <a:lnSpc>
-                <a:spcPts val="1800"/>
-              </a:lnSpc>
-              <a:spcBef>
-                <a:spcPts val="1000"/>
-              </a:spcBef>
-              <a:spcAft>
-                <a:spcPts val="1000"/>
-              </a:spcAft>
-              <a:buFont typeface="Arial" panose="020B0604020202020204" pitchFamily="34" charset="0"/>
-              <a:buChar char="•"/>
-              <a:defRPr lang="en-US" sz="1200" kern="1200" smtClean="0">
-                <a:solidFill>
-                  <a:schemeClr val="tx1">
-                    <a:lumMod val="75000"/>
-                    <a:lumOff val="25000"/>
-                  </a:schemeClr>
-                </a:solidFill>
-                <a:latin typeface="+mn-lt"/>
-                <a:ea typeface="+mn-ea"/>
-                <a:cs typeface="+mn-cs"/>
-              </a:defRPr>
-            </a:lvl4pPr>
-            <a:lvl5pPr marL="2057400" indent="-228600" algn="l" defTabSz="914400" rtl="0" eaLnBrk="1" latinLnBrk="0" hangingPunct="1">
-              <a:lnSpc>
-                <a:spcPts val="1800"/>
-              </a:lnSpc>
-              <a:spcBef>
-                <a:spcPts val="1000"/>
-              </a:spcBef>
-              <a:spcAft>
-                <a:spcPts val="1000"/>
-              </a:spcAft>
-              <a:buFont typeface="Arial" panose="020B0604020202020204" pitchFamily="34" charset="0"/>
-              <a:buChar char="•"/>
-              <a:defRPr lang="en-US" sz="1200" kern="1200">
-                <a:solidFill>
-                  <a:schemeClr val="tx1">
-                    <a:lumMod val="75000"/>
-                    <a:lumOff val="25000"/>
-                  </a:schemeClr>
-                </a:solidFill>
-                <a:latin typeface="+mn-lt"/>
-                <a:ea typeface="+mn-ea"/>
-                <a:cs typeface="+mn-cs"/>
-              </a:defRPr>
-            </a:lvl5pPr>
-            <a:lvl6pPr marL="2514600" indent="-228600" algn="l" defTabSz="914400" rtl="0" eaLnBrk="1" latinLnBrk="0" hangingPunct="1">
-              <a:lnSpc>
-                <a:spcPct val="90000"/>
-              </a:lnSpc>
-              <a:spcBef>
-                <a:spcPct val="30000"/>
-              </a:spcBef>
-              <a:buFont typeface="Arial" panose="020B0604020202020204" pitchFamily="34" charset="0"/>
-              <a:buChar char="•"/>
-              <a:defRPr sz="1800" kern="1200">
-                <a:solidFill>
-                  <a:schemeClr val="tx1"/>
-                </a:solidFill>
-                <a:latin typeface="+mn-lt"/>
-                <a:ea typeface="+mn-ea"/>
-                <a:cs typeface="+mn-cs"/>
-              </a:defRPr>
-            </a:lvl6pPr>
-            <a:lvl7pPr marL="2971800" indent="-228600" algn="l" defTabSz="914400" rtl="0" eaLnBrk="1" latinLnBrk="0" hangingPunct="1">
-              <a:lnSpc>
-                <a:spcPct val="90000"/>
-              </a:lnSpc>
-              <a:spcBef>
-                <a:spcPct val="30000"/>
-              </a:spcBef>
-              <a:buFont typeface="Arial" panose="020B0604020202020204" pitchFamily="34" charset="0"/>
-              <a:buChar char="•"/>
-              <a:defRPr sz="1800" kern="1200">
-                <a:solidFill>
-                  <a:schemeClr val="tx1"/>
-                </a:solidFill>
-                <a:latin typeface="+mn-lt"/>
-                <a:ea typeface="+mn-ea"/>
-                <a:cs typeface="+mn-cs"/>
-              </a:defRPr>
-            </a:lvl7pPr>
-            <a:lvl8pPr marL="3429000" indent="-228600" algn="l" defTabSz="914400" rtl="0" eaLnBrk="1" latinLnBrk="0" hangingPunct="1">
-              <a:lnSpc>
-                <a:spcPct val="90000"/>
-              </a:lnSpc>
-              <a:spcBef>
-                <a:spcPct val="30000"/>
-              </a:spcBef>
-              <a:buFont typeface="Arial" panose="020B0604020202020204" pitchFamily="34" charset="0"/>
-              <a:buChar char="•"/>
-              <a:defRPr sz="1800" kern="1200">
-                <a:solidFill>
-                  <a:schemeClr val="tx1"/>
-                </a:solidFill>
-                <a:latin typeface="+mn-lt"/>
-                <a:ea typeface="+mn-ea"/>
-                <a:cs typeface="+mn-cs"/>
-              </a:defRPr>
-            </a:lvl8pPr>
-            <a:lvl9pPr marL="3886200" indent="-228600" algn="l" defTabSz="914400" rtl="0" eaLnBrk="1" latinLnBrk="0" hangingPunct="1">
-              <a:lnSpc>
-                <a:spcPct val="90000"/>
-              </a:lnSpc>
-              <a:spcBef>
-                <a:spcPct val="30000"/>
-              </a:spcBef>
-              <a:buFont typeface="Arial" panose="020B0604020202020204" pitchFamily="34" charset="0"/>
-              <a:buChar char="•"/>
-              <a:defRPr sz="1800" kern="1200">
-                <a:solidFill>
-                  <a:schemeClr val="tx1"/>
-                </a:solidFill>
-                <a:latin typeface="+mn-lt"/>
-                <a:ea typeface="+mn-ea"/>
-                <a:cs typeface="+mn-cs"/>
-              </a:defRPr>
-            </a:lvl9pPr>
-          </a:lstStyle>
-          <a:p>
-            <a:pPr marL="0" lvl="0" indent="0">
-              <a:spcAft>
-                <a:spcPts val="2000"/>
-              </a:spcAft>
-              <a:buNone/>
-              <a:defRPr/>
-            </a:pPr>
-            <a:r>
-              <a:rPr lang="en-US" sz="1400" dirty="0" smtClean="0">
-                <a:solidFill>
-                  <a:prstClr val="black">
-                    <a:lumMod val="75000"/>
-                    <a:lumOff val="25000"/>
-                  </a:prstClr>
-                </a:solidFill>
-                <a:latin typeface="Segoe UI" panose="020B0502040204020203" pitchFamily="34" charset="0"/>
-                <a:cs typeface="Segoe UI" panose="020B0502040204020203" pitchFamily="34" charset="0"/>
-              </a:rPr>
-              <a:t>Future works</a:t>
-            </a:r>
-            <a:endParaRPr lang="en-US" sz="1400" dirty="0">
-              <a:solidFill>
-                <a:prstClr val="black">
-                  <a:lumMod val="75000"/>
-                  <a:lumOff val="25000"/>
-                </a:prstClr>
-              </a:solidFill>
-              <a:latin typeface="Segoe UI" panose="020B0502040204020203" pitchFamily="34" charset="0"/>
-              <a:cs typeface="Segoe UI" panose="020B0502040204020203" pitchFamily="34" charset="0"/>
-            </a:endParaRPr>
-          </a:p>
-        </p:txBody>
-      </p:sp>
-      <p:sp>
-        <p:nvSpPr>
-          <p:cNvPr id="53" name="Rectangle 52">
-            <a:extLst>
-              <a:ext uri="{FF2B5EF4-FFF2-40B4-BE49-F238E27FC236}">
-                <a16:creationId xmlns:a16="http://schemas.microsoft.com/office/drawing/2014/main" id="{89A0A751-FA03-44FE-B2D3-CE7D1EE38EF6}"/>
-              </a:ext>
-            </a:extLst>
-          </p:cNvPr>
-          <p:cNvSpPr/>
-          <p:nvPr/>
-        </p:nvSpPr>
-        <p:spPr>
-          <a:xfrm>
-            <a:off x="5651770" y="5508999"/>
-            <a:ext cx="5132752" cy="307777"/>
-          </a:xfrm>
-          <a:prstGeom prst="rect">
-            <a:avLst/>
-          </a:prstGeom>
-        </p:spPr>
-        <p:txBody>
-          <a:bodyPr wrap="none">
-            <a:spAutoFit/>
-          </a:bodyPr>
-          <a:lstStyle/>
-          <a:p>
-            <a:r>
-              <a:rPr lang="en-US" sz="1400" b="1" dirty="0">
-                <a:solidFill>
-                  <a:srgbClr val="131413"/>
-                </a:solidFill>
-                <a:latin typeface="+mj-lt"/>
-              </a:rPr>
-              <a:t>Figure 1. </a:t>
-            </a:r>
-            <a:r>
-              <a:rPr lang="vi-VN" sz="1400" dirty="0" smtClean="0">
-                <a:solidFill>
-                  <a:srgbClr val="131413"/>
-                </a:solidFill>
-                <a:latin typeface="+mj-lt"/>
-              </a:rPr>
-              <a:t>Material classification has been used in </a:t>
-            </a:r>
-            <a:r>
-              <a:rPr lang="en-US" sz="1400" dirty="0">
-                <a:solidFill>
-                  <a:srgbClr val="131413"/>
-                </a:solidFill>
-                <a:latin typeface="+mj-lt"/>
-              </a:rPr>
-              <a:t>Robot </a:t>
-            </a:r>
-            <a:r>
-              <a:rPr lang="en-US" sz="1400" dirty="0" smtClean="0">
-                <a:solidFill>
-                  <a:srgbClr val="131413"/>
-                </a:solidFill>
-                <a:latin typeface="+mj-lt"/>
-              </a:rPr>
-              <a:t>Navigation</a:t>
-            </a:r>
-            <a:r>
-              <a:rPr lang="vi-VN" sz="1400" dirty="0" smtClean="0">
-                <a:solidFill>
-                  <a:srgbClr val="131413"/>
-                </a:solidFill>
-                <a:latin typeface="+mj-lt"/>
-              </a:rPr>
-              <a:t> </a:t>
-            </a:r>
-            <a:endParaRPr lang="en-US" sz="1400" dirty="0">
-              <a:latin typeface="+mj-lt"/>
-            </a:endParaRPr>
-          </a:p>
-        </p:txBody>
-      </p:sp>
-      <p:pic>
-        <p:nvPicPr>
-          <p:cNvPr id="7170" name="Picture 2" descr="Image result for robotic navigation"/>
-          <p:cNvPicPr>
-            <a:picLocks noChangeAspect="1" noChangeArrowheads="1"/>
-          </p:cNvPicPr>
-          <p:nvPr/>
-        </p:nvPicPr>
-        <p:blipFill>
-          <a:blip r:embed="rId2">
-            <a:extLst>
-              <a:ext uri="{28A0092B-C50C-407E-A947-70E740481C1C}">
-                <a14:useLocalDpi xmlns:a14="http://schemas.microsoft.com/office/drawing/2010/main" val="0"/>
-              </a:ext>
-            </a:extLst>
-          </a:blip>
-          <a:srcRect/>
-          <a:stretch>
-            <a:fillRect/>
-          </a:stretch>
-        </p:blipFill>
-        <p:spPr bwMode="auto">
-          <a:xfrm>
-            <a:off x="5948632" y="1770314"/>
-            <a:ext cx="4381500" cy="3429001"/>
-          </a:xfrm>
-          <a:prstGeom prst="rect">
-            <a:avLst/>
-          </a:prstGeom>
-          <a:noFill/>
-          <a:extLst>
-            <a:ext uri="{909E8E84-426E-40DD-AFC4-6F175D3DCCD1}">
-              <a14:hiddenFill xmlns:a14="http://schemas.microsoft.com/office/drawing/2010/main">
-                <a:solidFill>
-                  <a:srgbClr val="FFFFFF"/>
-                </a:solidFill>
-              </a14:hiddenFill>
-            </a:ext>
-          </a:extLst>
-        </p:spPr>
-      </p:pic>
-    </p:spTree>
-    <p:extLst>
-      <p:ext uri="{BB962C8B-B14F-4D97-AF65-F5344CB8AC3E}">
-        <p14:creationId xmlns:p14="http://schemas.microsoft.com/office/powerpoint/2010/main" val="1107001750"/>
-      </p:ext>
-    </p:extLst>
-  </p:cSld>
-  <p:clrMapOvr>
-    <a:masterClrMapping/>
-  </p:clrMapOvr>
-  <mc:AlternateContent xmlns:mc="http://schemas.openxmlformats.org/markup-compatibility/2006" xmlns:p15="http://schemas.microsoft.com/office/powerpoint/2012/main">
-    <mc:Choice Requires="p15">
-      <p:transition xmlns:p14="http://schemas.microsoft.com/office/powerpoint/2010/main" spd="slow" p14:dur="2000">
-        <p15:prstTrans prst="drape"/>
-      </p:transition>
-    </mc:Choice>
-    <mc:Fallback xmlns="">
-      <p:transition spd="slow">
-        <p:fade/>
-      </p:transition>
-    </mc:Fallback>
-  </mc:AlternateContent>
-  <p:timing>
-    <p:tnLst>
-      <p:par>
-        <p:cTn id="1" dur="indefinite" restart="never" nodeType="tmRoot"/>
-      </p:par>
-    </p:tnLst>
-  </p:timing>
-</p:sld>
-</file>
-
-<file path=ppt/slides/slide20.xml><?xml version="1.0" encoding="utf-8"?>
+<file path=ppt/slides/slide22.xml><?xml version="1.0" encoding="utf-8"?>
 <p:sld xmlns:a="http://schemas.openxmlformats.org/drawingml/2006/main" xmlns:r="http://schemas.openxmlformats.org/officeDocument/2006/relationships" xmlns:p="http://schemas.openxmlformats.org/presentationml/2006/main">
   <p:cSld>
     <p:spTree>
@@ -13999,7 +14299,7 @@
 </p:sld>
 </file>
 
-<file path=ppt/slides/slide21.xml><?xml version="1.0" encoding="utf-8"?>
+<file path=ppt/slides/slide23.xml><?xml version="1.0" encoding="utf-8"?>
 <p:sld xmlns:a="http://schemas.openxmlformats.org/drawingml/2006/main" xmlns:r="http://schemas.openxmlformats.org/officeDocument/2006/relationships" xmlns:p="http://schemas.openxmlformats.org/presentationml/2006/main">
   <p:cSld>
     <p:spTree>
@@ -14131,7 +14431,7 @@
 </p:sld>
 </file>
 
-<file path=ppt/slides/slide22.xml><?xml version="1.0" encoding="utf-8"?>
+<file path=ppt/slides/slide24.xml><?xml version="1.0" encoding="utf-8"?>
 <p:sld xmlns:a="http://schemas.openxmlformats.org/drawingml/2006/main" xmlns:r="http://schemas.openxmlformats.org/officeDocument/2006/relationships" xmlns:p="http://schemas.openxmlformats.org/presentationml/2006/main">
   <p:cSld>
     <p:spTree>
@@ -14653,608 +14953,7 @@
 </p:sld>
 </file>
 
-<file path=ppt/slides/slide23.xml><?xml version="1.0" encoding="utf-8"?>
-<p:sld xmlns:a="http://schemas.openxmlformats.org/drawingml/2006/main" xmlns:r="http://schemas.openxmlformats.org/officeDocument/2006/relationships" xmlns:p="http://schemas.openxmlformats.org/presentationml/2006/main">
-  <p:cSld>
-    <p:spTree>
-      <p:nvGrpSpPr>
-        <p:cNvPr id="1" name=""/>
-        <p:cNvGrpSpPr/>
-        <p:nvPr/>
-      </p:nvGrpSpPr>
-      <p:grpSpPr>
-        <a:xfrm>
-          <a:off x="0" y="0"/>
-          <a:ext cx="0" cy="0"/>
-          <a:chOff x="0" y="0"/>
-          <a:chExt cx="0" cy="0"/>
-        </a:xfrm>
-      </p:grpSpPr>
-      <p:sp>
-        <p:nvSpPr>
-          <p:cNvPr id="8" name="Title 7"/>
-          <p:cNvSpPr>
-            <a:spLocks noGrp="1"/>
-          </p:cNvSpPr>
-          <p:nvPr>
-            <p:ph type="title"/>
-          </p:nvPr>
-        </p:nvSpPr>
-        <p:spPr/>
-        <p:txBody>
-          <a:bodyPr>
-            <a:noAutofit/>
-          </a:bodyPr>
-          <a:lstStyle/>
-          <a:p>
-            <a:r>
-              <a:rPr lang="en-US" b="1" dirty="0">
-                <a:latin typeface="Segoe UI Light" panose="020B0502040204020203" pitchFamily="34" charset="0"/>
-                <a:cs typeface="Segoe UI Light" panose="020B0502040204020203" pitchFamily="34" charset="0"/>
-              </a:rPr>
-              <a:t>References</a:t>
-            </a:r>
-          </a:p>
-        </p:txBody>
-      </p:sp>
-      <p:sp>
-        <p:nvSpPr>
-          <p:cNvPr id="6" name="Content Placeholder 17">
-            <a:extLst>
-              <a:ext uri="{FF2B5EF4-FFF2-40B4-BE49-F238E27FC236}">
-                <a16:creationId xmlns:a16="http://schemas.microsoft.com/office/drawing/2014/main" id="{E3AFC553-5063-4F95-98E5-64740764C8DB}"/>
-              </a:ext>
-            </a:extLst>
-          </p:cNvPr>
-          <p:cNvSpPr txBox="1">
-            <a:spLocks/>
-          </p:cNvSpPr>
-          <p:nvPr/>
-        </p:nvSpPr>
-        <p:spPr>
-          <a:xfrm>
-            <a:off x="521207" y="1531072"/>
-            <a:ext cx="10782896" cy="4911931"/>
-          </a:xfrm>
-          <a:prstGeom prst="rect">
-            <a:avLst/>
-          </a:prstGeom>
-        </p:spPr>
-        <p:txBody>
-          <a:bodyPr vert="horz" lIns="91440" tIns="45720" rIns="91440" bIns="45720" rtlCol="0" anchor="t">
-            <a:normAutofit/>
-          </a:bodyPr>
-          <a:lstStyle>
-            <a:lvl1pPr marL="228600" indent="-228600" algn="l" defTabSz="914400" rtl="0" eaLnBrk="1" latinLnBrk="0" hangingPunct="1">
-              <a:lnSpc>
-                <a:spcPts val="1800"/>
-              </a:lnSpc>
-              <a:spcBef>
-                <a:spcPts val="1000"/>
-              </a:spcBef>
-              <a:spcAft>
-                <a:spcPts val="1000"/>
-              </a:spcAft>
-              <a:buFont typeface="Arial" panose="020B0604020202020204" pitchFamily="34" charset="0"/>
-              <a:buChar char="•"/>
-              <a:defRPr lang="en-US" sz="1200" kern="1200" smtClean="0">
-                <a:solidFill>
-                  <a:schemeClr val="tx1">
-                    <a:lumMod val="75000"/>
-                    <a:lumOff val="25000"/>
-                  </a:schemeClr>
-                </a:solidFill>
-                <a:latin typeface="+mn-lt"/>
-                <a:ea typeface="+mn-ea"/>
-                <a:cs typeface="+mn-cs"/>
-              </a:defRPr>
-            </a:lvl1pPr>
-            <a:lvl2pPr marL="685800" indent="-228600" algn="l" defTabSz="914400" rtl="0" eaLnBrk="1" latinLnBrk="0" hangingPunct="1">
-              <a:lnSpc>
-                <a:spcPts val="1800"/>
-              </a:lnSpc>
-              <a:spcBef>
-                <a:spcPts val="1000"/>
-              </a:spcBef>
-              <a:spcAft>
-                <a:spcPts val="1000"/>
-              </a:spcAft>
-              <a:buFont typeface="Arial" panose="020B0604020202020204" pitchFamily="34" charset="0"/>
-              <a:buChar char="•"/>
-              <a:defRPr lang="en-US" sz="1200" kern="1200" smtClean="0">
-                <a:solidFill>
-                  <a:schemeClr val="tx1">
-                    <a:lumMod val="75000"/>
-                    <a:lumOff val="25000"/>
-                  </a:schemeClr>
-                </a:solidFill>
-                <a:latin typeface="+mn-lt"/>
-                <a:ea typeface="+mn-ea"/>
-                <a:cs typeface="+mn-cs"/>
-              </a:defRPr>
-            </a:lvl2pPr>
-            <a:lvl3pPr marL="1143000" indent="-228600" algn="l" defTabSz="914400" rtl="0" eaLnBrk="1" latinLnBrk="0" hangingPunct="1">
-              <a:lnSpc>
-                <a:spcPts val="1800"/>
-              </a:lnSpc>
-              <a:spcBef>
-                <a:spcPts val="1000"/>
-              </a:spcBef>
-              <a:spcAft>
-                <a:spcPts val="1000"/>
-              </a:spcAft>
-              <a:buFont typeface="Arial" panose="020B0604020202020204" pitchFamily="34" charset="0"/>
-              <a:buChar char="•"/>
-              <a:defRPr lang="en-US" sz="1200" kern="1200" smtClean="0">
-                <a:solidFill>
-                  <a:schemeClr val="tx1">
-                    <a:lumMod val="75000"/>
-                    <a:lumOff val="25000"/>
-                  </a:schemeClr>
-                </a:solidFill>
-                <a:latin typeface="+mn-lt"/>
-                <a:ea typeface="+mn-ea"/>
-                <a:cs typeface="+mn-cs"/>
-              </a:defRPr>
-            </a:lvl3pPr>
-            <a:lvl4pPr marL="1600200" indent="-228600" algn="l" defTabSz="914400" rtl="0" eaLnBrk="1" latinLnBrk="0" hangingPunct="1">
-              <a:lnSpc>
-                <a:spcPts val="1800"/>
-              </a:lnSpc>
-              <a:spcBef>
-                <a:spcPts val="1000"/>
-              </a:spcBef>
-              <a:spcAft>
-                <a:spcPts val="1000"/>
-              </a:spcAft>
-              <a:buFont typeface="Arial" panose="020B0604020202020204" pitchFamily="34" charset="0"/>
-              <a:buChar char="•"/>
-              <a:defRPr lang="en-US" sz="1200" kern="1200" smtClean="0">
-                <a:solidFill>
-                  <a:schemeClr val="tx1">
-                    <a:lumMod val="75000"/>
-                    <a:lumOff val="25000"/>
-                  </a:schemeClr>
-                </a:solidFill>
-                <a:latin typeface="+mn-lt"/>
-                <a:ea typeface="+mn-ea"/>
-                <a:cs typeface="+mn-cs"/>
-              </a:defRPr>
-            </a:lvl4pPr>
-            <a:lvl5pPr marL="2057400" indent="-228600" algn="l" defTabSz="914400" rtl="0" eaLnBrk="1" latinLnBrk="0" hangingPunct="1">
-              <a:lnSpc>
-                <a:spcPts val="1800"/>
-              </a:lnSpc>
-              <a:spcBef>
-                <a:spcPts val="1000"/>
-              </a:spcBef>
-              <a:spcAft>
-                <a:spcPts val="1000"/>
-              </a:spcAft>
-              <a:buFont typeface="Arial" panose="020B0604020202020204" pitchFamily="34" charset="0"/>
-              <a:buChar char="•"/>
-              <a:defRPr lang="en-US" sz="1200" kern="1200">
-                <a:solidFill>
-                  <a:schemeClr val="tx1">
-                    <a:lumMod val="75000"/>
-                    <a:lumOff val="25000"/>
-                  </a:schemeClr>
-                </a:solidFill>
-                <a:latin typeface="+mn-lt"/>
-                <a:ea typeface="+mn-ea"/>
-                <a:cs typeface="+mn-cs"/>
-              </a:defRPr>
-            </a:lvl5pPr>
-            <a:lvl6pPr marL="2514600" indent="-228600" algn="l" defTabSz="914400" rtl="0" eaLnBrk="1" latinLnBrk="0" hangingPunct="1">
-              <a:lnSpc>
-                <a:spcPct val="90000"/>
-              </a:lnSpc>
-              <a:spcBef>
-                <a:spcPct val="30000"/>
-              </a:spcBef>
-              <a:buFont typeface="Arial" panose="020B0604020202020204" pitchFamily="34" charset="0"/>
-              <a:buChar char="•"/>
-              <a:defRPr sz="1800" kern="1200">
-                <a:solidFill>
-                  <a:schemeClr val="tx1"/>
-                </a:solidFill>
-                <a:latin typeface="+mn-lt"/>
-                <a:ea typeface="+mn-ea"/>
-                <a:cs typeface="+mn-cs"/>
-              </a:defRPr>
-            </a:lvl6pPr>
-            <a:lvl7pPr marL="2971800" indent="-228600" algn="l" defTabSz="914400" rtl="0" eaLnBrk="1" latinLnBrk="0" hangingPunct="1">
-              <a:lnSpc>
-                <a:spcPct val="90000"/>
-              </a:lnSpc>
-              <a:spcBef>
-                <a:spcPct val="30000"/>
-              </a:spcBef>
-              <a:buFont typeface="Arial" panose="020B0604020202020204" pitchFamily="34" charset="0"/>
-              <a:buChar char="•"/>
-              <a:defRPr sz="1800" kern="1200">
-                <a:solidFill>
-                  <a:schemeClr val="tx1"/>
-                </a:solidFill>
-                <a:latin typeface="+mn-lt"/>
-                <a:ea typeface="+mn-ea"/>
-                <a:cs typeface="+mn-cs"/>
-              </a:defRPr>
-            </a:lvl7pPr>
-            <a:lvl8pPr marL="3429000" indent="-228600" algn="l" defTabSz="914400" rtl="0" eaLnBrk="1" latinLnBrk="0" hangingPunct="1">
-              <a:lnSpc>
-                <a:spcPct val="90000"/>
-              </a:lnSpc>
-              <a:spcBef>
-                <a:spcPct val="30000"/>
-              </a:spcBef>
-              <a:buFont typeface="Arial" panose="020B0604020202020204" pitchFamily="34" charset="0"/>
-              <a:buChar char="•"/>
-              <a:defRPr sz="1800" kern="1200">
-                <a:solidFill>
-                  <a:schemeClr val="tx1"/>
-                </a:solidFill>
-                <a:latin typeface="+mn-lt"/>
-                <a:ea typeface="+mn-ea"/>
-                <a:cs typeface="+mn-cs"/>
-              </a:defRPr>
-            </a:lvl8pPr>
-            <a:lvl9pPr marL="3886200" indent="-228600" algn="l" defTabSz="914400" rtl="0" eaLnBrk="1" latinLnBrk="0" hangingPunct="1">
-              <a:lnSpc>
-                <a:spcPct val="90000"/>
-              </a:lnSpc>
-              <a:spcBef>
-                <a:spcPct val="30000"/>
-              </a:spcBef>
-              <a:buFont typeface="Arial" panose="020B0604020202020204" pitchFamily="34" charset="0"/>
-              <a:buChar char="•"/>
-              <a:defRPr sz="1800" kern="1200">
-                <a:solidFill>
-                  <a:schemeClr val="tx1"/>
-                </a:solidFill>
-                <a:latin typeface="+mn-lt"/>
-                <a:ea typeface="+mn-ea"/>
-                <a:cs typeface="+mn-cs"/>
-              </a:defRPr>
-            </a:lvl9pPr>
-          </a:lstStyle>
-          <a:p>
-            <a:pPr marL="0" lvl="0" indent="0">
-              <a:spcAft>
-                <a:spcPts val="600"/>
-              </a:spcAft>
-              <a:buNone/>
-              <a:defRPr/>
-            </a:pPr>
-            <a:r>
-              <a:rPr lang="en-US" sz="1400" dirty="0">
-                <a:solidFill>
-                  <a:schemeClr val="tx1"/>
-                </a:solidFill>
-                <a:latin typeface="Segoe UI" panose="020B0502040204020203" pitchFamily="34" charset="0"/>
-                <a:cs typeface="Segoe UI" panose="020B0502040204020203" pitchFamily="34" charset="0"/>
-              </a:rPr>
-              <a:t>[1] Corbett-Davies, Sam. </a:t>
-            </a:r>
-            <a:r>
-              <a:rPr lang="en-US" sz="1400" i="1" dirty="0">
-                <a:solidFill>
-                  <a:schemeClr val="tx1"/>
-                </a:solidFill>
-                <a:latin typeface="Segoe UI" panose="020B0502040204020203" pitchFamily="34" charset="0"/>
-                <a:cs typeface="Segoe UI" panose="020B0502040204020203" pitchFamily="34" charset="0"/>
-              </a:rPr>
-              <a:t>"Real-World Material Recognition for Scene Understanding."</a:t>
-            </a:r>
-          </a:p>
-          <a:p>
-            <a:pPr marL="0" lvl="0" indent="0">
-              <a:spcAft>
-                <a:spcPts val="600"/>
-              </a:spcAft>
-              <a:buNone/>
-              <a:defRPr/>
-            </a:pPr>
-            <a:r>
-              <a:rPr lang="en-US" sz="1400" dirty="0">
-                <a:solidFill>
-                  <a:schemeClr val="tx1"/>
-                </a:solidFill>
-                <a:latin typeface="Segoe UI" panose="020B0502040204020203" pitchFamily="34" charset="0"/>
-                <a:cs typeface="Segoe UI" panose="020B0502040204020203" pitchFamily="34" charset="0"/>
-              </a:rPr>
-              <a:t>[2] NVIDIA, </a:t>
-            </a:r>
-            <a:r>
-              <a:rPr lang="en-US" sz="1400" i="1" dirty="0">
-                <a:solidFill>
-                  <a:schemeClr val="tx1"/>
-                </a:solidFill>
-                <a:latin typeface="Segoe UI" panose="020B0502040204020203" pitchFamily="34" charset="0"/>
-                <a:cs typeface="Segoe UI" panose="020B0502040204020203" pitchFamily="34" charset="0"/>
-              </a:rPr>
-              <a:t>ADVANCED DRIVER ASSISTANCE SYSTEMS. </a:t>
-            </a:r>
-            <a:r>
-              <a:rPr lang="en-US" sz="1400" dirty="0">
-                <a:solidFill>
-                  <a:schemeClr val="tx1"/>
-                </a:solidFill>
-                <a:latin typeface="Segoe UI" panose="020B0502040204020203" pitchFamily="34" charset="0"/>
-                <a:cs typeface="Segoe UI" panose="020B0502040204020203" pitchFamily="34" charset="0"/>
-              </a:rPr>
-              <a:t>[Online]. Available: </a:t>
-            </a:r>
-            <a:r>
-              <a:rPr lang="en-US" sz="1400" dirty="0">
-                <a:solidFill>
-                  <a:schemeClr val="tx1"/>
-                </a:solidFill>
-                <a:latin typeface="Segoe UI" panose="020B0502040204020203" pitchFamily="34" charset="0"/>
-                <a:cs typeface="Segoe UI" panose="020B0502040204020203" pitchFamily="34" charset="0"/>
-                <a:hlinkClick r:id="rId2"/>
-              </a:rPr>
-              <a:t>https://www.nvidia.com/en-us/self-driving-cars/adas/</a:t>
-            </a:r>
-            <a:endParaRPr lang="en-US" sz="1400" dirty="0">
-              <a:solidFill>
-                <a:schemeClr val="tx1"/>
-              </a:solidFill>
-              <a:latin typeface="Segoe UI" panose="020B0502040204020203" pitchFamily="34" charset="0"/>
-              <a:cs typeface="Segoe UI" panose="020B0502040204020203" pitchFamily="34" charset="0"/>
-            </a:endParaRPr>
-          </a:p>
-          <a:p>
-            <a:pPr marL="0" lvl="0" indent="0">
-              <a:spcAft>
-                <a:spcPts val="600"/>
-              </a:spcAft>
-              <a:buNone/>
-              <a:defRPr/>
-            </a:pPr>
-            <a:r>
-              <a:rPr lang="en-US" sz="1400" dirty="0">
-                <a:solidFill>
-                  <a:schemeClr val="tx1"/>
-                </a:solidFill>
-                <a:latin typeface="Segoe UI" panose="020B0502040204020203" pitchFamily="34" charset="0"/>
-                <a:cs typeface="Segoe UI" panose="020B0502040204020203" pitchFamily="34" charset="0"/>
-              </a:rPr>
-              <a:t>[3] M. W. </a:t>
-            </a:r>
-            <a:r>
-              <a:rPr lang="en-US" sz="1400" dirty="0" err="1">
-                <a:solidFill>
-                  <a:schemeClr val="tx1"/>
-                </a:solidFill>
-                <a:latin typeface="Segoe UI" panose="020B0502040204020203" pitchFamily="34" charset="0"/>
-                <a:cs typeface="Segoe UI" panose="020B0502040204020203" pitchFamily="34" charset="0"/>
-              </a:rPr>
-              <a:t>Spong</a:t>
-            </a:r>
-            <a:r>
-              <a:rPr lang="en-US" sz="1400" dirty="0">
-                <a:solidFill>
-                  <a:schemeClr val="tx1"/>
-                </a:solidFill>
-                <a:latin typeface="Segoe UI" panose="020B0502040204020203" pitchFamily="34" charset="0"/>
-                <a:cs typeface="Segoe UI" panose="020B0502040204020203" pitchFamily="34" charset="0"/>
-              </a:rPr>
-              <a:t>, S. Hutchinson, and M. </a:t>
-            </a:r>
-            <a:r>
-              <a:rPr lang="en-US" sz="1400" dirty="0" err="1">
-                <a:solidFill>
-                  <a:schemeClr val="tx1"/>
-                </a:solidFill>
-                <a:latin typeface="Segoe UI" panose="020B0502040204020203" pitchFamily="34" charset="0"/>
-                <a:cs typeface="Segoe UI" panose="020B0502040204020203" pitchFamily="34" charset="0"/>
-              </a:rPr>
-              <a:t>Vidyasagar</a:t>
-            </a:r>
-            <a:r>
-              <a:rPr lang="en-US" sz="1400" dirty="0">
-                <a:solidFill>
-                  <a:schemeClr val="tx1"/>
-                </a:solidFill>
-                <a:latin typeface="Segoe UI" panose="020B0502040204020203" pitchFamily="34" charset="0"/>
-                <a:cs typeface="Segoe UI" panose="020B0502040204020203" pitchFamily="34" charset="0"/>
-              </a:rPr>
-              <a:t>,</a:t>
-            </a:r>
-            <a:r>
-              <a:rPr lang="en-US" sz="1400" i="1" dirty="0">
-                <a:solidFill>
-                  <a:schemeClr val="tx1"/>
-                </a:solidFill>
-                <a:latin typeface="Segoe UI" panose="020B0502040204020203" pitchFamily="34" charset="0"/>
-                <a:cs typeface="Segoe UI" panose="020B0502040204020203" pitchFamily="34" charset="0"/>
-              </a:rPr>
-              <a:t> Robot modeling and control</a:t>
-            </a:r>
-            <a:r>
-              <a:rPr lang="en-US" sz="1400" dirty="0">
-                <a:solidFill>
-                  <a:schemeClr val="tx1"/>
-                </a:solidFill>
-                <a:latin typeface="Segoe UI" panose="020B0502040204020203" pitchFamily="34" charset="0"/>
-                <a:cs typeface="Segoe UI" panose="020B0502040204020203" pitchFamily="34" charset="0"/>
-              </a:rPr>
-              <a:t>. Wiley New York, 2006, vol. 3.</a:t>
-            </a:r>
-          </a:p>
-          <a:p>
-            <a:pPr marL="0" lvl="0" indent="0">
-              <a:spcAft>
-                <a:spcPts val="600"/>
-              </a:spcAft>
-              <a:buNone/>
-              <a:defRPr/>
-            </a:pPr>
-            <a:r>
-              <a:rPr lang="en-US" sz="1400" dirty="0">
-                <a:solidFill>
-                  <a:schemeClr val="tx1"/>
-                </a:solidFill>
-                <a:latin typeface="Segoe UI" panose="020B0502040204020203" pitchFamily="34" charset="0"/>
-                <a:cs typeface="Segoe UI" panose="020B0502040204020203" pitchFamily="34" charset="0"/>
-              </a:rPr>
-              <a:t>[4] J.-H. Kim, E. T. Matson, H. Myung, and P. Xu, </a:t>
-            </a:r>
-            <a:r>
-              <a:rPr lang="en-US" sz="1400" i="1" dirty="0">
-                <a:solidFill>
-                  <a:schemeClr val="tx1"/>
-                </a:solidFill>
-                <a:latin typeface="Segoe UI" panose="020B0502040204020203" pitchFamily="34" charset="0"/>
-                <a:cs typeface="Segoe UI" panose="020B0502040204020203" pitchFamily="34" charset="0"/>
-              </a:rPr>
-              <a:t>Robot Intelligence Technology and Applications 2012: An Edition of the Presented Papers from the 1</a:t>
-            </a:r>
-            <a:r>
-              <a:rPr lang="en-US" sz="1400" i="1" baseline="30000" dirty="0">
-                <a:solidFill>
-                  <a:schemeClr val="tx1"/>
-                </a:solidFill>
-                <a:latin typeface="Segoe UI" panose="020B0502040204020203" pitchFamily="34" charset="0"/>
-                <a:cs typeface="Segoe UI" panose="020B0502040204020203" pitchFamily="34" charset="0"/>
-              </a:rPr>
-              <a:t>st</a:t>
-            </a:r>
-            <a:r>
-              <a:rPr lang="en-US" sz="1400" i="1" dirty="0">
-                <a:solidFill>
-                  <a:schemeClr val="tx1"/>
-                </a:solidFill>
-                <a:latin typeface="Segoe UI" panose="020B0502040204020203" pitchFamily="34" charset="0"/>
-                <a:cs typeface="Segoe UI" panose="020B0502040204020203" pitchFamily="34" charset="0"/>
-              </a:rPr>
-              <a:t> International Conference on Robot Intelligence Technology and Applications</a:t>
-            </a:r>
-            <a:r>
-              <a:rPr lang="en-US" sz="1400" dirty="0">
-                <a:solidFill>
-                  <a:schemeClr val="tx1"/>
-                </a:solidFill>
-                <a:latin typeface="Segoe UI" panose="020B0502040204020203" pitchFamily="34" charset="0"/>
-                <a:cs typeface="Segoe UI" panose="020B0502040204020203" pitchFamily="34" charset="0"/>
-              </a:rPr>
-              <a:t>. Springer Science &amp; Business Media, 2013, vol. 208.</a:t>
-            </a:r>
-          </a:p>
-          <a:p>
-            <a:pPr marL="0" lvl="0" indent="0">
-              <a:spcAft>
-                <a:spcPts val="600"/>
-              </a:spcAft>
-              <a:buNone/>
-              <a:defRPr/>
-            </a:pPr>
-            <a:r>
-              <a:rPr lang="en-US" sz="1400" dirty="0">
-                <a:solidFill>
-                  <a:schemeClr val="tx1"/>
-                </a:solidFill>
-                <a:latin typeface="Segoe UI" panose="020B0502040204020203" pitchFamily="34" charset="0"/>
-                <a:cs typeface="Segoe UI" panose="020B0502040204020203" pitchFamily="34" charset="0"/>
-              </a:rPr>
-              <a:t>[5] </a:t>
-            </a:r>
-            <a:r>
-              <a:rPr lang="en-US" sz="1400" dirty="0" err="1">
-                <a:solidFill>
-                  <a:schemeClr val="tx1"/>
-                </a:solidFill>
-                <a:latin typeface="Segoe UI" panose="020B0502040204020203" pitchFamily="34" charset="0"/>
-                <a:cs typeface="Segoe UI" panose="020B0502040204020203" pitchFamily="34" charset="0"/>
-              </a:rPr>
-              <a:t>Xue</a:t>
-            </a:r>
-            <a:r>
-              <a:rPr lang="en-US" sz="1400" dirty="0">
-                <a:solidFill>
-                  <a:schemeClr val="tx1"/>
-                </a:solidFill>
-                <a:latin typeface="Segoe UI" panose="020B0502040204020203" pitchFamily="34" charset="0"/>
-                <a:cs typeface="Segoe UI" panose="020B0502040204020203" pitchFamily="34" charset="0"/>
-              </a:rPr>
-              <a:t>, Jia, et al. </a:t>
-            </a:r>
-            <a:r>
-              <a:rPr lang="en-US" sz="1400" i="1" dirty="0">
-                <a:solidFill>
-                  <a:schemeClr val="tx1"/>
-                </a:solidFill>
-                <a:latin typeface="Segoe UI" panose="020B0502040204020203" pitchFamily="34" charset="0"/>
-                <a:cs typeface="Segoe UI" panose="020B0502040204020203" pitchFamily="34" charset="0"/>
-              </a:rPr>
-              <a:t>"Differential angular imaging for material recognition." </a:t>
-            </a:r>
-            <a:r>
-              <a:rPr lang="en-US" sz="1400" dirty="0" err="1">
-                <a:solidFill>
-                  <a:schemeClr val="tx1"/>
-                </a:solidFill>
-                <a:latin typeface="Segoe UI" panose="020B0502040204020203" pitchFamily="34" charset="0"/>
-                <a:cs typeface="Segoe UI" panose="020B0502040204020203" pitchFamily="34" charset="0"/>
-              </a:rPr>
-              <a:t>arXiv</a:t>
-            </a:r>
-            <a:r>
-              <a:rPr lang="en-US" sz="1400" dirty="0">
-                <a:solidFill>
-                  <a:schemeClr val="tx1"/>
-                </a:solidFill>
-                <a:latin typeface="Segoe UI" panose="020B0502040204020203" pitchFamily="34" charset="0"/>
-                <a:cs typeface="Segoe UI" panose="020B0502040204020203" pitchFamily="34" charset="0"/>
-              </a:rPr>
-              <a:t> preprint arXiv:1612.02372 (2016).</a:t>
-            </a:r>
-          </a:p>
-          <a:p>
-            <a:pPr marL="0" lvl="0" indent="0">
-              <a:spcAft>
-                <a:spcPts val="600"/>
-              </a:spcAft>
-              <a:buNone/>
-              <a:defRPr/>
-            </a:pPr>
-            <a:endParaRPr lang="en-US" sz="1400" dirty="0">
-              <a:solidFill>
-                <a:schemeClr val="tx1"/>
-              </a:solidFill>
-              <a:latin typeface="Segoe UI" panose="020B0502040204020203" pitchFamily="34" charset="0"/>
-              <a:cs typeface="Segoe UI" panose="020B0502040204020203" pitchFamily="34" charset="0"/>
-            </a:endParaRPr>
-          </a:p>
-        </p:txBody>
-      </p:sp>
-    </p:spTree>
-    <p:extLst>
-      <p:ext uri="{BB962C8B-B14F-4D97-AF65-F5344CB8AC3E}">
-        <p14:creationId xmlns:p14="http://schemas.microsoft.com/office/powerpoint/2010/main" val="646866367"/>
-      </p:ext>
-    </p:extLst>
-  </p:cSld>
-  <p:clrMapOvr>
-    <a:masterClrMapping/>
-  </p:clrMapOvr>
-  <mc:AlternateContent xmlns:mc="http://schemas.openxmlformats.org/markup-compatibility/2006" xmlns:p15="http://schemas.microsoft.com/office/powerpoint/2012/main">
-    <mc:Choice Requires="p15">
-      <p:transition xmlns:p14="http://schemas.microsoft.com/office/powerpoint/2010/main" spd="slow" p14:dur="2000">
-        <p15:prstTrans prst="drape"/>
-      </p:transition>
-    </mc:Choice>
-    <mc:Fallback xmlns="">
-      <p:transition spd="slow">
-        <p:fade/>
-      </p:transition>
-    </mc:Fallback>
-  </mc:AlternateContent>
-</p:sld>
-</file>
-
-<file path=ppt/slides/slide24.xml><?xml version="1.0" encoding="utf-8"?>
+<file path=ppt/slides/slide25.xml><?xml version="1.0" encoding="utf-8"?>
 <p:sld xmlns:a="http://schemas.openxmlformats.org/drawingml/2006/main" xmlns:r="http://schemas.openxmlformats.org/officeDocument/2006/relationships" xmlns:p="http://schemas.openxmlformats.org/presentationml/2006/main">
   <p:cSld>
     <p:spTree>
@@ -15627,7 +15326,7 @@
 </p:sld>
 </file>
 
-<file path=ppt/slides/slide25.xml><?xml version="1.0" encoding="utf-8"?>
+<file path=ppt/slides/slide26.xml><?xml version="1.0" encoding="utf-8"?>
 <p:sld xmlns:a="http://schemas.openxmlformats.org/drawingml/2006/main" xmlns:r="http://schemas.openxmlformats.org/officeDocument/2006/relationships" xmlns:p="http://schemas.openxmlformats.org/presentationml/2006/main">
   <p:cSld>
     <p:spTree>
@@ -16612,18 +16311,27 @@
               <a:defRPr/>
             </a:pPr>
             <a:r>
-              <a:rPr lang="en-US" sz="1400" dirty="0">
-                <a:latin typeface="Segoe UI" panose="020B0502040204020203" pitchFamily="34" charset="0"/>
-                <a:cs typeface="Segoe UI" panose="020B0502040204020203" pitchFamily="34" charset="0"/>
-              </a:rPr>
-              <a:t>A higher level, the computer even need to know exactly what material class for every single pixel in the image</a:t>
-            </a:r>
-            <a:r>
               <a:rPr lang="en-US" sz="1400" dirty="0" smtClean="0">
                 <a:latin typeface="Segoe UI" panose="020B0502040204020203" pitchFamily="34" charset="0"/>
                 <a:cs typeface="Segoe UI" panose="020B0502040204020203" pitchFamily="34" charset="0"/>
               </a:rPr>
-              <a:t>.</a:t>
+              <a:t>Input: An image of a surface or an object</a:t>
+            </a:r>
+          </a:p>
+          <a:p>
+            <a:pPr marL="0" lvl="0" indent="0" algn="just">
+              <a:spcAft>
+                <a:spcPts val="600"/>
+              </a:spcAft>
+              <a:buNone/>
+              <a:defRPr/>
+            </a:pPr>
+            <a:r>
+              <a:rPr lang="en-US" sz="1400" dirty="0" smtClean="0">
+                <a:latin typeface="Segoe UI" panose="020B0502040204020203" pitchFamily="34" charset="0"/>
+                <a:cs typeface="Segoe UI" panose="020B0502040204020203" pitchFamily="34" charset="0"/>
+              </a:rPr>
+              <a:t>Output: The material of this image</a:t>
             </a:r>
             <a:endParaRPr lang="en-US" sz="1400" dirty="0">
               <a:latin typeface="Segoe UI" panose="020B0502040204020203" pitchFamily="34" charset="0"/>
@@ -16660,7 +16368,7 @@
         </p:blipFill>
         <p:spPr>
           <a:xfrm>
-            <a:off x="6005646" y="1524708"/>
+            <a:off x="5947589" y="2613280"/>
             <a:ext cx="5516547" cy="1999185"/>
           </a:xfrm>
           <a:prstGeom prst="rect">
@@ -16668,99 +16376,6 @@
           </a:prstGeom>
         </p:spPr>
       </p:pic>
-      <p:pic>
-        <p:nvPicPr>
-          <p:cNvPr id="4" name="Picture 3">
-            <a:extLst>
-              <a:ext uri="{FF2B5EF4-FFF2-40B4-BE49-F238E27FC236}">
-                <a16:creationId xmlns:a16="http://schemas.microsoft.com/office/drawing/2014/main" id="{3FC5EC0D-3062-4240-BD7D-08A5A36210D0}"/>
-              </a:ext>
-            </a:extLst>
-          </p:cNvPr>
-          <p:cNvPicPr>
-            <a:picLocks noChangeAspect="1"/>
-          </p:cNvPicPr>
-          <p:nvPr/>
-        </p:nvPicPr>
-        <p:blipFill>
-          <a:blip r:embed="rId3"/>
-          <a:stretch>
-            <a:fillRect/>
-          </a:stretch>
-        </p:blipFill>
-        <p:spPr>
-          <a:xfrm>
-            <a:off x="6005645" y="3523893"/>
-            <a:ext cx="5516547" cy="1927977"/>
-          </a:xfrm>
-          <a:prstGeom prst="rect">
-            <a:avLst/>
-          </a:prstGeom>
-        </p:spPr>
-      </p:pic>
-      <p:pic>
-        <p:nvPicPr>
-          <p:cNvPr id="7" name="Picture 6">
-            <a:extLst>
-              <a:ext uri="{FF2B5EF4-FFF2-40B4-BE49-F238E27FC236}">
-                <a16:creationId xmlns:a16="http://schemas.microsoft.com/office/drawing/2014/main" id="{139972B8-D961-44DB-9E21-79D19083475C}"/>
-              </a:ext>
-            </a:extLst>
-          </p:cNvPr>
-          <p:cNvPicPr>
-            <a:picLocks noChangeAspect="1"/>
-          </p:cNvPicPr>
-          <p:nvPr/>
-        </p:nvPicPr>
-        <p:blipFill>
-          <a:blip r:embed="rId4"/>
-          <a:stretch>
-            <a:fillRect/>
-          </a:stretch>
-        </p:blipFill>
-        <p:spPr>
-          <a:xfrm>
-            <a:off x="6906793" y="5451870"/>
-            <a:ext cx="4172025" cy="1097188"/>
-          </a:xfrm>
-          <a:prstGeom prst="rect">
-            <a:avLst/>
-          </a:prstGeom>
-        </p:spPr>
-      </p:pic>
-      <p:cxnSp>
-        <p:nvCxnSpPr>
-          <p:cNvPr id="5" name="Straight Arrow Connector 4"/>
-          <p:cNvCxnSpPr/>
-          <p:nvPr/>
-        </p:nvCxnSpPr>
-        <p:spPr>
-          <a:xfrm>
-            <a:off x="8519886" y="4412343"/>
-            <a:ext cx="537028" cy="0"/>
-          </a:xfrm>
-          <a:prstGeom prst="straightConnector1">
-            <a:avLst/>
-          </a:prstGeom>
-          <a:ln w="38100">
-            <a:tailEnd type="triangle"/>
-          </a:ln>
-        </p:spPr>
-        <p:style>
-          <a:lnRef idx="3">
-            <a:schemeClr val="dk1"/>
-          </a:lnRef>
-          <a:fillRef idx="0">
-            <a:schemeClr val="dk1"/>
-          </a:fillRef>
-          <a:effectRef idx="2">
-            <a:schemeClr val="dk1"/>
-          </a:effectRef>
-          <a:fontRef idx="minor">
-            <a:schemeClr val="tx1"/>
-          </a:fontRef>
-        </p:style>
-      </p:cxnSp>
     </p:spTree>
     <p:extLst>
       <p:ext uri="{BB962C8B-B14F-4D97-AF65-F5344CB8AC3E}">
@@ -17009,34 +16624,11 @@
                                           </p:stCondLst>
                                         </p:cTn>
                                         <p:tgtEl>
-                                          <p:spTgt spid="4"/>
-                                        </p:tgtEl>
-                                        <p:attrNameLst>
-                                          <p:attrName>style.visibility</p:attrName>
-                                        </p:attrNameLst>
-                                      </p:cBhvr>
-                                      <p:to>
-                                        <p:strVal val="visible"/>
-                                      </p:to>
-                                    </p:set>
-                                  </p:childTnLst>
-                                </p:cTn>
-                              </p:par>
-                              <p:par>
-                                <p:cTn id="23" presetID="1" presetClass="entr" presetSubtype="0" fill="hold" nodeType="withEffect">
-                                  <p:stCondLst>
-                                    <p:cond delay="0"/>
-                                  </p:stCondLst>
-                                  <p:childTnLst>
-                                    <p:set>
-                                      <p:cBhvr>
-                                        <p:cTn id="24" dur="1" fill="hold">
-                                          <p:stCondLst>
-                                            <p:cond delay="0"/>
-                                          </p:stCondLst>
-                                        </p:cTn>
-                                        <p:tgtEl>
-                                          <p:spTgt spid="7"/>
+                                          <p:spTgt spid="6">
+                                            <p:txEl>
+                                              <p:pRg st="3" end="3"/>
+                                            </p:txEl>
+                                          </p:spTgt>
                                         </p:tgtEl>
                                         <p:attrNameLst>
                                           <p:attrName>style.visibility</p:attrName>
@@ -17688,8 +17280,19 @@
                 <a:latin typeface="Segoe UI" panose="020B0502040204020203" pitchFamily="34" charset="0"/>
                 <a:cs typeface="Segoe UI" panose="020B0502040204020203" pitchFamily="34" charset="0"/>
               </a:rPr>
-              <a:t>in Computer Vision [1].</a:t>
-            </a:r>
+              <a:t>in Computer Vision </a:t>
+            </a:r>
+            <a:r>
+              <a:rPr lang="en-US" sz="1400" dirty="0" smtClean="0">
+                <a:latin typeface="Segoe UI" panose="020B0502040204020203" pitchFamily="34" charset="0"/>
+                <a:cs typeface="Segoe UI" panose="020B0502040204020203" pitchFamily="34" charset="0"/>
+              </a:rPr>
+              <a:t>.</a:t>
+            </a:r>
+            <a:endParaRPr lang="en-US" sz="1400" dirty="0">
+              <a:latin typeface="Segoe UI" panose="020B0502040204020203" pitchFamily="34" charset="0"/>
+              <a:cs typeface="Segoe UI" panose="020B0502040204020203" pitchFamily="34" charset="0"/>
+            </a:endParaRPr>
           </a:p>
           <a:p>
             <a:pPr marL="0" lvl="0" indent="0" algn="just">
@@ -17721,7 +17324,49 @@
                 <a:latin typeface="Segoe UI" panose="020B0502040204020203" pitchFamily="34" charset="0"/>
                 <a:cs typeface="Segoe UI" panose="020B0502040204020203" pitchFamily="34" charset="0"/>
               </a:rPr>
-              <a:t> in real world such as Advanced Driver-Assistance Systems [2], Robotic Manipulation [3], Robotic Navigation [4], etc.</a:t>
+              <a:t> in real world such as Advanced Driver-Assistance </a:t>
+            </a:r>
+            <a:r>
+              <a:rPr lang="en-US" sz="1400" dirty="0" smtClean="0">
+                <a:latin typeface="Segoe UI" panose="020B0502040204020203" pitchFamily="34" charset="0"/>
+                <a:cs typeface="Segoe UI" panose="020B0502040204020203" pitchFamily="34" charset="0"/>
+              </a:rPr>
+              <a:t>Systems, </a:t>
+            </a:r>
+            <a:r>
+              <a:rPr lang="en-US" sz="1400" dirty="0">
+                <a:latin typeface="Segoe UI" panose="020B0502040204020203" pitchFamily="34" charset="0"/>
+                <a:cs typeface="Segoe UI" panose="020B0502040204020203" pitchFamily="34" charset="0"/>
+              </a:rPr>
+              <a:t>Robotic </a:t>
+            </a:r>
+            <a:r>
+              <a:rPr lang="en-US" sz="1400" dirty="0" smtClean="0">
+                <a:latin typeface="Segoe UI" panose="020B0502040204020203" pitchFamily="34" charset="0"/>
+                <a:cs typeface="Segoe UI" panose="020B0502040204020203" pitchFamily="34" charset="0"/>
+              </a:rPr>
+              <a:t>Manipulation, </a:t>
+            </a:r>
+            <a:r>
+              <a:rPr lang="en-US" sz="1400" dirty="0">
+                <a:latin typeface="Segoe UI" panose="020B0502040204020203" pitchFamily="34" charset="0"/>
+                <a:cs typeface="Segoe UI" panose="020B0502040204020203" pitchFamily="34" charset="0"/>
+              </a:rPr>
+              <a:t>Robotic </a:t>
+            </a:r>
+            <a:r>
+              <a:rPr lang="en-US" sz="1400" dirty="0" smtClean="0">
+                <a:latin typeface="Segoe UI" panose="020B0502040204020203" pitchFamily="34" charset="0"/>
+                <a:cs typeface="Segoe UI" panose="020B0502040204020203" pitchFamily="34" charset="0"/>
+              </a:rPr>
+              <a:t>Navigation, </a:t>
+            </a:r>
+            <a:r>
+              <a:rPr lang="en-US" sz="1400" dirty="0">
+                <a:latin typeface="Segoe UI" panose="020B0502040204020203" pitchFamily="34" charset="0"/>
+                <a:cs typeface="Segoe UI" panose="020B0502040204020203" pitchFamily="34" charset="0"/>
+              </a:rPr>
+              <a:t>etc.</a:t>
             </a:r>
           </a:p>
         </p:txBody>
@@ -20397,8 +20042,13 @@
             </a:r>
             <a:r>
               <a:rPr lang="en-US" sz="1400" dirty="0"/>
-              <a:t>Some publicly available BRDF material datasets [5]. </a:t>
-            </a:r>
+              <a:t>Some publicly available </a:t>
+            </a:r>
+            <a:r>
+              <a:rPr lang="en-US" sz="1400" dirty="0" smtClean="0"/>
+              <a:t>material datasets. </a:t>
+            </a:r>
+            <a:endParaRPr lang="en-US" sz="1400" dirty="0"/>
           </a:p>
         </p:txBody>
       </p:sp>
